--- a/assets/files/resume.pptx
+++ b/assets/files/resume.pptx
@@ -197,7 +197,7 @@
           <a:p>
             <a:fld id="{5EE9A4F7-1A22-1744-9935-DCEFD2F601E8}" type="datetimeFigureOut">
               <a:rPr lang="en-US" smtClean="0"/>
-              <a:t>12/28/16</a:t>
+              <a:t>1/2/17</a:t>
             </a:fld>
             <a:endParaRPr lang="en-US"/>
           </a:p>
@@ -680,7 +680,7 @@
           <a:p>
             <a:fld id="{0AE1F7CC-2E77-F54C-B79D-D1014779F13F}" type="datetimeFigureOut">
               <a:rPr lang="en-US" smtClean="0"/>
-              <a:t>12/28/16</a:t>
+              <a:t>1/2/17</a:t>
             </a:fld>
             <a:endParaRPr lang="en-US"/>
           </a:p>
@@ -845,7 +845,7 @@
           <a:p>
             <a:fld id="{0AE1F7CC-2E77-F54C-B79D-D1014779F13F}" type="datetimeFigureOut">
               <a:rPr lang="en-US" smtClean="0"/>
-              <a:t>12/28/16</a:t>
+              <a:t>1/2/17</a:t>
             </a:fld>
             <a:endParaRPr lang="en-US"/>
           </a:p>
@@ -1020,7 +1020,7 @@
           <a:p>
             <a:fld id="{0AE1F7CC-2E77-F54C-B79D-D1014779F13F}" type="datetimeFigureOut">
               <a:rPr lang="en-US" smtClean="0"/>
-              <a:t>12/28/16</a:t>
+              <a:t>1/2/17</a:t>
             </a:fld>
             <a:endParaRPr lang="en-US"/>
           </a:p>
@@ -1185,7 +1185,7 @@
           <a:p>
             <a:fld id="{0AE1F7CC-2E77-F54C-B79D-D1014779F13F}" type="datetimeFigureOut">
               <a:rPr lang="en-US" smtClean="0"/>
-              <a:t>12/28/16</a:t>
+              <a:t>1/2/17</a:t>
             </a:fld>
             <a:endParaRPr lang="en-US"/>
           </a:p>
@@ -1424,7 +1424,7 @@
           <a:p>
             <a:fld id="{0AE1F7CC-2E77-F54C-B79D-D1014779F13F}" type="datetimeFigureOut">
               <a:rPr lang="en-US" smtClean="0"/>
-              <a:t>12/28/16</a:t>
+              <a:t>1/2/17</a:t>
             </a:fld>
             <a:endParaRPr lang="en-US"/>
           </a:p>
@@ -1651,7 +1651,7 @@
           <a:p>
             <a:fld id="{0AE1F7CC-2E77-F54C-B79D-D1014779F13F}" type="datetimeFigureOut">
               <a:rPr lang="en-US" smtClean="0"/>
-              <a:t>12/28/16</a:t>
+              <a:t>1/2/17</a:t>
             </a:fld>
             <a:endParaRPr lang="en-US"/>
           </a:p>
@@ -2013,7 +2013,7 @@
           <a:p>
             <a:fld id="{0AE1F7CC-2E77-F54C-B79D-D1014779F13F}" type="datetimeFigureOut">
               <a:rPr lang="en-US" smtClean="0"/>
-              <a:t>12/28/16</a:t>
+              <a:t>1/2/17</a:t>
             </a:fld>
             <a:endParaRPr lang="en-US"/>
           </a:p>
@@ -2126,7 +2126,7 @@
           <a:p>
             <a:fld id="{0AE1F7CC-2E77-F54C-B79D-D1014779F13F}" type="datetimeFigureOut">
               <a:rPr lang="en-US" smtClean="0"/>
-              <a:t>12/28/16</a:t>
+              <a:t>1/2/17</a:t>
             </a:fld>
             <a:endParaRPr lang="en-US"/>
           </a:p>
@@ -2216,7 +2216,7 @@
           <a:p>
             <a:fld id="{0AE1F7CC-2E77-F54C-B79D-D1014779F13F}" type="datetimeFigureOut">
               <a:rPr lang="en-US" smtClean="0"/>
-              <a:t>12/28/16</a:t>
+              <a:t>1/2/17</a:t>
             </a:fld>
             <a:endParaRPr lang="en-US"/>
           </a:p>
@@ -2488,7 +2488,7 @@
           <a:p>
             <a:fld id="{0AE1F7CC-2E77-F54C-B79D-D1014779F13F}" type="datetimeFigureOut">
               <a:rPr lang="en-US" smtClean="0"/>
-              <a:t>12/28/16</a:t>
+              <a:t>1/2/17</a:t>
             </a:fld>
             <a:endParaRPr lang="en-US"/>
           </a:p>
@@ -2740,7 +2740,7 @@
           <a:p>
             <a:fld id="{0AE1F7CC-2E77-F54C-B79D-D1014779F13F}" type="datetimeFigureOut">
               <a:rPr lang="en-US" smtClean="0"/>
-              <a:t>12/28/16</a:t>
+              <a:t>1/2/17</a:t>
             </a:fld>
             <a:endParaRPr lang="en-US"/>
           </a:p>
@@ -2948,7 +2948,7 @@
           <a:p>
             <a:fld id="{0AE1F7CC-2E77-F54C-B79D-D1014779F13F}" type="datetimeFigureOut">
               <a:rPr lang="en-US" smtClean="0"/>
-              <a:t>12/28/16</a:t>
+              <a:t>1/2/17</a:t>
             </a:fld>
             <a:endParaRPr lang="en-US"/>
           </a:p>
@@ -3402,8 +3402,33 @@
                 <a:ea typeface="Lucida Sans" charset="0"/>
                 <a:cs typeface="Lucida Sans" charset="0"/>
               </a:rPr>
+              <a:t>website: </a:t>
+            </a:r>
+            <a:r>
+              <a:rPr lang="en-US" sz="1200" dirty="0" err="1" smtClean="0">
+                <a:solidFill>
+                  <a:schemeClr val="tx1">
+                    <a:lumMod val="65000"/>
+                    <a:lumOff val="35000"/>
+                  </a:schemeClr>
+                </a:solidFill>
+                <a:latin typeface="Lucida Sans" charset="0"/>
+                <a:ea typeface="Lucida Sans" charset="0"/>
+                <a:cs typeface="Lucida Sans" charset="0"/>
+              </a:rPr>
               <a:t>hantaowang.me</a:t>
             </a:r>
+            <a:endParaRPr lang="en-US" sz="1200" dirty="0" smtClean="0">
+              <a:solidFill>
+                <a:schemeClr val="tx1">
+                  <a:lumMod val="65000"/>
+                  <a:lumOff val="35000"/>
+                </a:schemeClr>
+              </a:solidFill>
+              <a:latin typeface="Lucida Sans" charset="0"/>
+              <a:ea typeface="Lucida Sans" charset="0"/>
+              <a:cs typeface="Lucida Sans" charset="0"/>
+            </a:endParaRPr>
           </a:p>
           <a:p>
             <a:r>
@@ -4351,15 +4376,7 @@
                 <a:ea typeface="Lucida Sans" charset="0"/>
                 <a:cs typeface="Lucida Sans" charset="0"/>
               </a:rPr>
-              <a:t>Lab </a:t>
-            </a:r>
-            <a:r>
-              <a:rPr lang="en-US" sz="1000" b="1" dirty="0" smtClean="0">
-                <a:latin typeface="Lucida Sans" charset="0"/>
-                <a:ea typeface="Lucida Sans" charset="0"/>
-                <a:cs typeface="Lucida Sans" charset="0"/>
-              </a:rPr>
-              <a:t>Technician </a:t>
+              <a:t>Lab Technician </a:t>
             </a:r>
             <a:r>
               <a:rPr lang="en-US" sz="1000" dirty="0" smtClean="0">
@@ -4373,21 +4390,7 @@
                 <a:ea typeface="Lucida Sans" charset="0"/>
                 <a:cs typeface="Lucida Sans" charset="0"/>
               </a:rPr>
-              <a:t>Experium </a:t>
-            </a:r>
-            <a:r>
-              <a:rPr lang="en-US" sz="1000" dirty="0" smtClean="0">
-                <a:solidFill>
-                  <a:schemeClr val="tx1">
-                    <a:lumMod val="65000"/>
-                    <a:lumOff val="35000"/>
-                  </a:schemeClr>
-                </a:solidFill>
-                <a:latin typeface="Lucida Sans" charset="0"/>
-                <a:ea typeface="Lucida Sans" charset="0"/>
-                <a:cs typeface="Lucida Sans" charset="0"/>
-              </a:rPr>
-              <a:t>Science Academy</a:t>
+              <a:t>Experium Science Academy</a:t>
             </a:r>
           </a:p>
           <a:p>
@@ -4408,7 +4411,21 @@
                 <a:ea typeface="Lucida Sans" charset="0"/>
                 <a:cs typeface="Lucida Sans" charset="0"/>
               </a:rPr>
-              <a:t>Jun </a:t>
+              <a:t>Jun 2014 </a:t>
+            </a:r>
+            <a:r>
+              <a:rPr lang="mr-IN" sz="1000" dirty="0" smtClean="0">
+                <a:solidFill>
+                  <a:schemeClr val="tx1">
+                    <a:lumMod val="65000"/>
+                    <a:lumOff val="35000"/>
+                  </a:schemeClr>
+                </a:solidFill>
+                <a:latin typeface="Lucida Sans" charset="0"/>
+                <a:ea typeface="Lucida Sans" charset="0"/>
+                <a:cs typeface="Lucida Sans" charset="0"/>
+              </a:rPr>
+              <a:t>–</a:t>
             </a:r>
             <a:r>
               <a:rPr lang="en-US" sz="1000" dirty="0" smtClean="0">
@@ -4422,61 +4439,8 @@
                 <a:ea typeface="Lucida Sans" charset="0"/>
                 <a:cs typeface="Lucida Sans" charset="0"/>
               </a:rPr>
-              <a:t>2014 </a:t>
-            </a:r>
-            <a:r>
-              <a:rPr lang="mr-IN" sz="1000" dirty="0" smtClean="0">
-                <a:solidFill>
-                  <a:schemeClr val="tx1">
-                    <a:lumMod val="65000"/>
-                    <a:lumOff val="35000"/>
-                  </a:schemeClr>
-                </a:solidFill>
-                <a:latin typeface="Lucida Sans" charset="0"/>
-                <a:ea typeface="Lucida Sans" charset="0"/>
-                <a:cs typeface="Lucida Sans" charset="0"/>
-              </a:rPr>
-              <a:t>–</a:t>
-            </a:r>
-            <a:r>
-              <a:rPr lang="en-US" sz="1000" dirty="0" smtClean="0">
-                <a:solidFill>
-                  <a:schemeClr val="tx1">
-                    <a:lumMod val="65000"/>
-                    <a:lumOff val="35000"/>
-                  </a:schemeClr>
-                </a:solidFill>
-                <a:latin typeface="Lucida Sans" charset="0"/>
-                <a:ea typeface="Lucida Sans" charset="0"/>
-                <a:cs typeface="Lucida Sans" charset="0"/>
-              </a:rPr>
-              <a:t> Aug </a:t>
-            </a:r>
-            <a:r>
-              <a:rPr lang="en-US" sz="1000" dirty="0" smtClean="0">
-                <a:solidFill>
-                  <a:schemeClr val="tx1">
-                    <a:lumMod val="65000"/>
-                    <a:lumOff val="35000"/>
-                  </a:schemeClr>
-                </a:solidFill>
-                <a:latin typeface="Lucida Sans" charset="0"/>
-                <a:ea typeface="Lucida Sans" charset="0"/>
-                <a:cs typeface="Lucida Sans" charset="0"/>
-              </a:rPr>
-              <a:t>2014</a:t>
-            </a:r>
-            <a:endParaRPr lang="en-US" sz="1000" dirty="0" smtClean="0">
-              <a:solidFill>
-                <a:schemeClr val="tx1">
-                  <a:lumMod val="65000"/>
-                  <a:lumOff val="35000"/>
-                </a:schemeClr>
-              </a:solidFill>
-              <a:latin typeface="Lucida Sans" charset="0"/>
-              <a:ea typeface="Lucida Sans" charset="0"/>
-              <a:cs typeface="Lucida Sans" charset="0"/>
-            </a:endParaRPr>
+              <a:t> Aug 2014</a:t>
+            </a:r>
           </a:p>
         </p:txBody>
       </p:sp>

--- a/assets/files/resume.pptx
+++ b/assets/files/resume.pptx
@@ -197,7 +197,7 @@
           <a:p>
             <a:fld id="{5EE9A4F7-1A22-1744-9935-DCEFD2F601E8}" type="datetimeFigureOut">
               <a:rPr lang="en-US" smtClean="0"/>
-              <a:t>1/2/17</a:t>
+              <a:t>1/8/17</a:t>
             </a:fld>
             <a:endParaRPr lang="en-US"/>
           </a:p>
@@ -680,7 +680,7 @@
           <a:p>
             <a:fld id="{0AE1F7CC-2E77-F54C-B79D-D1014779F13F}" type="datetimeFigureOut">
               <a:rPr lang="en-US" smtClean="0"/>
-              <a:t>1/2/17</a:t>
+              <a:t>1/8/17</a:t>
             </a:fld>
             <a:endParaRPr lang="en-US"/>
           </a:p>
@@ -845,7 +845,7 @@
           <a:p>
             <a:fld id="{0AE1F7CC-2E77-F54C-B79D-D1014779F13F}" type="datetimeFigureOut">
               <a:rPr lang="en-US" smtClean="0"/>
-              <a:t>1/2/17</a:t>
+              <a:t>1/8/17</a:t>
             </a:fld>
             <a:endParaRPr lang="en-US"/>
           </a:p>
@@ -1020,7 +1020,7 @@
           <a:p>
             <a:fld id="{0AE1F7CC-2E77-F54C-B79D-D1014779F13F}" type="datetimeFigureOut">
               <a:rPr lang="en-US" smtClean="0"/>
-              <a:t>1/2/17</a:t>
+              <a:t>1/8/17</a:t>
             </a:fld>
             <a:endParaRPr lang="en-US"/>
           </a:p>
@@ -1185,7 +1185,7 @@
           <a:p>
             <a:fld id="{0AE1F7CC-2E77-F54C-B79D-D1014779F13F}" type="datetimeFigureOut">
               <a:rPr lang="en-US" smtClean="0"/>
-              <a:t>1/2/17</a:t>
+              <a:t>1/8/17</a:t>
             </a:fld>
             <a:endParaRPr lang="en-US"/>
           </a:p>
@@ -1424,7 +1424,7 @@
           <a:p>
             <a:fld id="{0AE1F7CC-2E77-F54C-B79D-D1014779F13F}" type="datetimeFigureOut">
               <a:rPr lang="en-US" smtClean="0"/>
-              <a:t>1/2/17</a:t>
+              <a:t>1/8/17</a:t>
             </a:fld>
             <a:endParaRPr lang="en-US"/>
           </a:p>
@@ -1651,7 +1651,7 @@
           <a:p>
             <a:fld id="{0AE1F7CC-2E77-F54C-B79D-D1014779F13F}" type="datetimeFigureOut">
               <a:rPr lang="en-US" smtClean="0"/>
-              <a:t>1/2/17</a:t>
+              <a:t>1/8/17</a:t>
             </a:fld>
             <a:endParaRPr lang="en-US"/>
           </a:p>
@@ -2013,7 +2013,7 @@
           <a:p>
             <a:fld id="{0AE1F7CC-2E77-F54C-B79D-D1014779F13F}" type="datetimeFigureOut">
               <a:rPr lang="en-US" smtClean="0"/>
-              <a:t>1/2/17</a:t>
+              <a:t>1/8/17</a:t>
             </a:fld>
             <a:endParaRPr lang="en-US"/>
           </a:p>
@@ -2126,7 +2126,7 @@
           <a:p>
             <a:fld id="{0AE1F7CC-2E77-F54C-B79D-D1014779F13F}" type="datetimeFigureOut">
               <a:rPr lang="en-US" smtClean="0"/>
-              <a:t>1/2/17</a:t>
+              <a:t>1/8/17</a:t>
             </a:fld>
             <a:endParaRPr lang="en-US"/>
           </a:p>
@@ -2216,7 +2216,7 @@
           <a:p>
             <a:fld id="{0AE1F7CC-2E77-F54C-B79D-D1014779F13F}" type="datetimeFigureOut">
               <a:rPr lang="en-US" smtClean="0"/>
-              <a:t>1/2/17</a:t>
+              <a:t>1/8/17</a:t>
             </a:fld>
             <a:endParaRPr lang="en-US"/>
           </a:p>
@@ -2488,7 +2488,7 @@
           <a:p>
             <a:fld id="{0AE1F7CC-2E77-F54C-B79D-D1014779F13F}" type="datetimeFigureOut">
               <a:rPr lang="en-US" smtClean="0"/>
-              <a:t>1/2/17</a:t>
+              <a:t>1/8/17</a:t>
             </a:fld>
             <a:endParaRPr lang="en-US"/>
           </a:p>
@@ -2740,7 +2740,7 @@
           <a:p>
             <a:fld id="{0AE1F7CC-2E77-F54C-B79D-D1014779F13F}" type="datetimeFigureOut">
               <a:rPr lang="en-US" smtClean="0"/>
-              <a:t>1/2/17</a:t>
+              <a:t>1/8/17</a:t>
             </a:fld>
             <a:endParaRPr lang="en-US"/>
           </a:p>
@@ -2948,7 +2948,7 @@
           <a:p>
             <a:fld id="{0AE1F7CC-2E77-F54C-B79D-D1014779F13F}" type="datetimeFigureOut">
               <a:rPr lang="en-US" smtClean="0"/>
-              <a:t>1/2/17</a:t>
+              <a:t>1/8/17</a:t>
             </a:fld>
             <a:endParaRPr lang="en-US"/>
           </a:p>
@@ -4158,7 +4158,7 @@
                 <a:ea typeface="Lucida Sans" charset="0"/>
                 <a:cs typeface="Lucida Sans" charset="0"/>
               </a:rPr>
-              <a:t>Lab Assistant </a:t>
+              <a:t>Academic Intern </a:t>
             </a:r>
             <a:r>
               <a:rPr lang="en-US" sz="1000" dirty="0" smtClean="0">
@@ -4172,7 +4172,21 @@
                 <a:ea typeface="Lucida Sans" charset="0"/>
                 <a:cs typeface="Lucida Sans" charset="0"/>
               </a:rPr>
-              <a:t>CS 61A</a:t>
+              <a:t>CS </a:t>
+            </a:r>
+            <a:r>
+              <a:rPr lang="en-US" sz="1000" dirty="0" smtClean="0">
+                <a:solidFill>
+                  <a:schemeClr val="tx1">
+                    <a:lumMod val="65000"/>
+                    <a:lumOff val="35000"/>
+                  </a:schemeClr>
+                </a:solidFill>
+                <a:latin typeface="Lucida Sans" charset="0"/>
+                <a:ea typeface="Lucida Sans" charset="0"/>
+                <a:cs typeface="Lucida Sans" charset="0"/>
+              </a:rPr>
+              <a:t>61A</a:t>
             </a:r>
           </a:p>
           <a:p>

--- a/assets/files/resume.pptx
+++ b/assets/files/resume.pptx
@@ -197,7 +197,7 @@
           <a:p>
             <a:fld id="{5EE9A4F7-1A22-1744-9935-DCEFD2F601E8}" type="datetimeFigureOut">
               <a:rPr lang="en-US" smtClean="0"/>
-              <a:t>1/8/17</a:t>
+              <a:t>1/14/17</a:t>
             </a:fld>
             <a:endParaRPr lang="en-US"/>
           </a:p>
@@ -680,7 +680,7 @@
           <a:p>
             <a:fld id="{0AE1F7CC-2E77-F54C-B79D-D1014779F13F}" type="datetimeFigureOut">
               <a:rPr lang="en-US" smtClean="0"/>
-              <a:t>1/8/17</a:t>
+              <a:t>1/14/17</a:t>
             </a:fld>
             <a:endParaRPr lang="en-US"/>
           </a:p>
@@ -845,7 +845,7 @@
           <a:p>
             <a:fld id="{0AE1F7CC-2E77-F54C-B79D-D1014779F13F}" type="datetimeFigureOut">
               <a:rPr lang="en-US" smtClean="0"/>
-              <a:t>1/8/17</a:t>
+              <a:t>1/14/17</a:t>
             </a:fld>
             <a:endParaRPr lang="en-US"/>
           </a:p>
@@ -1020,7 +1020,7 @@
           <a:p>
             <a:fld id="{0AE1F7CC-2E77-F54C-B79D-D1014779F13F}" type="datetimeFigureOut">
               <a:rPr lang="en-US" smtClean="0"/>
-              <a:t>1/8/17</a:t>
+              <a:t>1/14/17</a:t>
             </a:fld>
             <a:endParaRPr lang="en-US"/>
           </a:p>
@@ -1185,7 +1185,7 @@
           <a:p>
             <a:fld id="{0AE1F7CC-2E77-F54C-B79D-D1014779F13F}" type="datetimeFigureOut">
               <a:rPr lang="en-US" smtClean="0"/>
-              <a:t>1/8/17</a:t>
+              <a:t>1/14/17</a:t>
             </a:fld>
             <a:endParaRPr lang="en-US"/>
           </a:p>
@@ -1424,7 +1424,7 @@
           <a:p>
             <a:fld id="{0AE1F7CC-2E77-F54C-B79D-D1014779F13F}" type="datetimeFigureOut">
               <a:rPr lang="en-US" smtClean="0"/>
-              <a:t>1/8/17</a:t>
+              <a:t>1/14/17</a:t>
             </a:fld>
             <a:endParaRPr lang="en-US"/>
           </a:p>
@@ -1651,7 +1651,7 @@
           <a:p>
             <a:fld id="{0AE1F7CC-2E77-F54C-B79D-D1014779F13F}" type="datetimeFigureOut">
               <a:rPr lang="en-US" smtClean="0"/>
-              <a:t>1/8/17</a:t>
+              <a:t>1/14/17</a:t>
             </a:fld>
             <a:endParaRPr lang="en-US"/>
           </a:p>
@@ -2013,7 +2013,7 @@
           <a:p>
             <a:fld id="{0AE1F7CC-2E77-F54C-B79D-D1014779F13F}" type="datetimeFigureOut">
               <a:rPr lang="en-US" smtClean="0"/>
-              <a:t>1/8/17</a:t>
+              <a:t>1/14/17</a:t>
             </a:fld>
             <a:endParaRPr lang="en-US"/>
           </a:p>
@@ -2126,7 +2126,7 @@
           <a:p>
             <a:fld id="{0AE1F7CC-2E77-F54C-B79D-D1014779F13F}" type="datetimeFigureOut">
               <a:rPr lang="en-US" smtClean="0"/>
-              <a:t>1/8/17</a:t>
+              <a:t>1/14/17</a:t>
             </a:fld>
             <a:endParaRPr lang="en-US"/>
           </a:p>
@@ -2216,7 +2216,7 @@
           <a:p>
             <a:fld id="{0AE1F7CC-2E77-F54C-B79D-D1014779F13F}" type="datetimeFigureOut">
               <a:rPr lang="en-US" smtClean="0"/>
-              <a:t>1/8/17</a:t>
+              <a:t>1/14/17</a:t>
             </a:fld>
             <a:endParaRPr lang="en-US"/>
           </a:p>
@@ -2488,7 +2488,7 @@
           <a:p>
             <a:fld id="{0AE1F7CC-2E77-F54C-B79D-D1014779F13F}" type="datetimeFigureOut">
               <a:rPr lang="en-US" smtClean="0"/>
-              <a:t>1/8/17</a:t>
+              <a:t>1/14/17</a:t>
             </a:fld>
             <a:endParaRPr lang="en-US"/>
           </a:p>
@@ -2740,7 +2740,7 @@
           <a:p>
             <a:fld id="{0AE1F7CC-2E77-F54C-B79D-D1014779F13F}" type="datetimeFigureOut">
               <a:rPr lang="en-US" smtClean="0"/>
-              <a:t>1/8/17</a:t>
+              <a:t>1/14/17</a:t>
             </a:fld>
             <a:endParaRPr lang="en-US"/>
           </a:p>
@@ -2948,7 +2948,7 @@
           <a:p>
             <a:fld id="{0AE1F7CC-2E77-F54C-B79D-D1014779F13F}" type="datetimeFigureOut">
               <a:rPr lang="en-US" smtClean="0"/>
-              <a:t>1/8/17</a:t>
+              <a:t>1/14/17</a:t>
             </a:fld>
             <a:endParaRPr lang="en-US"/>
           </a:p>
@@ -3353,220 +3353,23 @@
           <a:chExt cx="0" cy="0"/>
         </a:xfrm>
       </p:grpSpPr>
-      <p:sp>
-        <p:nvSpPr>
-          <p:cNvPr id="5" name="TextBox 4"/>
-          <p:cNvSpPr txBox="1"/>
-          <p:nvPr/>
-        </p:nvSpPr>
-        <p:spPr>
-          <a:xfrm>
-            <a:off x="221324" y="166704"/>
-            <a:ext cx="3040138" cy="923330"/>
-          </a:xfrm>
-          <a:prstGeom prst="rect">
-            <a:avLst/>
-          </a:prstGeom>
-          <a:noFill/>
-        </p:spPr>
-        <p:txBody>
-          <a:bodyPr wrap="square" rtlCol="0">
-            <a:spAutoFit/>
-          </a:bodyPr>
-          <a:lstStyle/>
-          <a:p>
-            <a:pPr>
-              <a:lnSpc>
-                <a:spcPct val="150000"/>
-              </a:lnSpc>
-            </a:pPr>
-            <a:r>
-              <a:rPr lang="en-US" sz="2000" b="1" dirty="0" smtClean="0">
-                <a:latin typeface="Lucida Sans" charset="0"/>
-                <a:ea typeface="Lucida Sans" charset="0"/>
-                <a:cs typeface="Lucida Sans" charset="0"/>
-              </a:rPr>
-              <a:t>Hantao (Will) Wang</a:t>
-            </a:r>
-          </a:p>
-          <a:p>
-            <a:r>
-              <a:rPr lang="en-US" sz="1200" dirty="0" smtClean="0">
-                <a:solidFill>
-                  <a:schemeClr val="tx1">
-                    <a:lumMod val="65000"/>
-                    <a:lumOff val="35000"/>
-                  </a:schemeClr>
-                </a:solidFill>
-                <a:latin typeface="Lucida Sans" charset="0"/>
-                <a:ea typeface="Lucida Sans" charset="0"/>
-                <a:cs typeface="Lucida Sans" charset="0"/>
-              </a:rPr>
-              <a:t>website: </a:t>
-            </a:r>
-            <a:r>
-              <a:rPr lang="en-US" sz="1200" dirty="0" err="1" smtClean="0">
-                <a:solidFill>
-                  <a:schemeClr val="tx1">
-                    <a:lumMod val="65000"/>
-                    <a:lumOff val="35000"/>
-                  </a:schemeClr>
-                </a:solidFill>
-                <a:latin typeface="Lucida Sans" charset="0"/>
-                <a:ea typeface="Lucida Sans" charset="0"/>
-                <a:cs typeface="Lucida Sans" charset="0"/>
-              </a:rPr>
-              <a:t>hantaowang.me</a:t>
-            </a:r>
-            <a:endParaRPr lang="en-US" sz="1200" dirty="0" smtClean="0">
-              <a:solidFill>
-                <a:schemeClr val="tx1">
-                  <a:lumMod val="65000"/>
-                  <a:lumOff val="35000"/>
-                </a:schemeClr>
-              </a:solidFill>
-              <a:latin typeface="Lucida Sans" charset="0"/>
-              <a:ea typeface="Lucida Sans" charset="0"/>
-              <a:cs typeface="Lucida Sans" charset="0"/>
-            </a:endParaRPr>
-          </a:p>
-          <a:p>
-            <a:r>
-              <a:rPr lang="en-US" sz="1200" dirty="0" smtClean="0">
-                <a:solidFill>
-                  <a:schemeClr val="tx1">
-                    <a:lumMod val="65000"/>
-                    <a:lumOff val="35000"/>
-                  </a:schemeClr>
-                </a:solidFill>
-                <a:latin typeface="Lucida Sans" charset="0"/>
-                <a:ea typeface="Lucida Sans" charset="0"/>
-                <a:cs typeface="Lucida Sans" charset="0"/>
-              </a:rPr>
-              <a:t>hwang97@berkeley.edu</a:t>
-            </a:r>
-          </a:p>
-        </p:txBody>
-      </p:sp>
-      <p:sp>
-        <p:nvSpPr>
-          <p:cNvPr id="9" name="TextBox 8"/>
-          <p:cNvSpPr txBox="1"/>
-          <p:nvPr/>
-        </p:nvSpPr>
-        <p:spPr>
-          <a:xfrm>
-            <a:off x="3574614" y="-17962"/>
-            <a:ext cx="3035808" cy="1107996"/>
-          </a:xfrm>
-          <a:prstGeom prst="rect">
-            <a:avLst/>
-          </a:prstGeom>
-          <a:noFill/>
-        </p:spPr>
-        <p:txBody>
-          <a:bodyPr wrap="square" rtlCol="0">
-            <a:spAutoFit/>
-          </a:bodyPr>
-          <a:lstStyle/>
-          <a:p>
-            <a:pPr algn="r">
-              <a:lnSpc>
-                <a:spcPct val="150000"/>
-              </a:lnSpc>
-            </a:pPr>
-            <a:r>
-              <a:rPr lang="en-US" sz="2800" b="1" dirty="0" smtClean="0">
-                <a:latin typeface="Lucida Sans" charset="0"/>
-                <a:ea typeface="Lucida Sans" charset="0"/>
-                <a:cs typeface="Lucida Sans" charset="0"/>
-              </a:rPr>
-              <a:t> </a:t>
-            </a:r>
-          </a:p>
-          <a:p>
-            <a:pPr algn="r"/>
-            <a:r>
-              <a:rPr lang="en-US" sz="1200" dirty="0" smtClean="0">
-                <a:solidFill>
-                  <a:schemeClr val="tx1">
-                    <a:lumMod val="65000"/>
-                    <a:lumOff val="35000"/>
-                  </a:schemeClr>
-                </a:solidFill>
-                <a:latin typeface="Lucida Sans" charset="0"/>
-                <a:ea typeface="Lucida Sans" charset="0"/>
-                <a:cs typeface="Lucida Sans" charset="0"/>
-              </a:rPr>
-              <a:t>4022 W 232</a:t>
-            </a:r>
-            <a:r>
-              <a:rPr lang="en-US" sz="1200" baseline="30000" dirty="0" smtClean="0">
-                <a:solidFill>
-                  <a:schemeClr val="tx1">
-                    <a:lumMod val="65000"/>
-                    <a:lumOff val="35000"/>
-                  </a:schemeClr>
-                </a:solidFill>
-                <a:latin typeface="Lucida Sans" charset="0"/>
-                <a:ea typeface="Lucida Sans" charset="0"/>
-                <a:cs typeface="Lucida Sans" charset="0"/>
-              </a:rPr>
-              <a:t>nd</a:t>
-            </a:r>
-            <a:r>
-              <a:rPr lang="en-US" sz="1200" dirty="0" smtClean="0">
-                <a:solidFill>
-                  <a:schemeClr val="tx1">
-                    <a:lumMod val="65000"/>
-                    <a:lumOff val="35000"/>
-                  </a:schemeClr>
-                </a:solidFill>
-                <a:latin typeface="Lucida Sans" charset="0"/>
-                <a:ea typeface="Lucida Sans" charset="0"/>
-                <a:cs typeface="Lucida Sans" charset="0"/>
-              </a:rPr>
-              <a:t> St</a:t>
-            </a:r>
-          </a:p>
-          <a:p>
-            <a:pPr algn="r"/>
-            <a:r>
-              <a:rPr lang="en-US" sz="1200" dirty="0" smtClean="0">
-                <a:solidFill>
-                  <a:schemeClr val="tx1">
-                    <a:lumMod val="65000"/>
-                    <a:lumOff val="35000"/>
-                  </a:schemeClr>
-                </a:solidFill>
-                <a:latin typeface="Lucida Sans" charset="0"/>
-                <a:ea typeface="Lucida Sans" charset="0"/>
-                <a:cs typeface="Lucida Sans" charset="0"/>
-              </a:rPr>
-              <a:t>Torrance, CA 90505</a:t>
-            </a:r>
-          </a:p>
-        </p:txBody>
-      </p:sp>
       <p:cxnSp>
         <p:nvCxnSpPr>
-          <p:cNvPr id="11" name="Straight Connector 10"/>
+          <p:cNvPr id="12" name="Straight Connector 11"/>
           <p:cNvCxnSpPr/>
           <p:nvPr/>
         </p:nvCxnSpPr>
         <p:spPr>
-          <a:xfrm>
-            <a:off x="221325" y="1160771"/>
-            <a:ext cx="6442244" cy="0"/>
+          <a:xfrm flipV="1">
+            <a:off x="3131044" y="3924482"/>
+            <a:ext cx="13447" cy="2767212"/>
           </a:xfrm>
           <a:prstGeom prst="line">
             <a:avLst/>
           </a:prstGeom>
-          <a:ln w="12700">
+          <a:ln w="15240">
             <a:solidFill>
-              <a:schemeClr val="bg1">
-                <a:lumMod val="65000"/>
-              </a:schemeClr>
+              <a:srgbClr val="00B0F0"/>
             </a:solidFill>
           </a:ln>
         </p:spPr>
@@ -3585,25 +3388,364 @@
           </a:fontRef>
         </p:style>
       </p:cxnSp>
+      <p:sp>
+        <p:nvSpPr>
+          <p:cNvPr id="17" name="TextBox 16"/>
+          <p:cNvSpPr txBox="1"/>
+          <p:nvPr/>
+        </p:nvSpPr>
+        <p:spPr>
+          <a:xfrm>
+            <a:off x="207878" y="1183904"/>
+            <a:ext cx="6469138" cy="2562240"/>
+          </a:xfrm>
+          <a:prstGeom prst="rect">
+            <a:avLst/>
+          </a:prstGeom>
+          <a:noFill/>
+        </p:spPr>
+        <p:txBody>
+          <a:bodyPr wrap="square" rtlCol="0">
+            <a:spAutoFit/>
+          </a:bodyPr>
+          <a:lstStyle/>
+          <a:p>
+            <a:pPr>
+              <a:lnSpc>
+                <a:spcPct val="150000"/>
+              </a:lnSpc>
+            </a:pPr>
+            <a:r>
+              <a:rPr lang="en-US" sz="1400" b="1" dirty="0" smtClean="0">
+                <a:latin typeface="Lucida Sans" charset="0"/>
+                <a:ea typeface="Lucida Sans" charset="0"/>
+                <a:cs typeface="Lucida Sans" charset="0"/>
+              </a:rPr>
+              <a:t>Education</a:t>
+            </a:r>
+            <a:endParaRPr lang="en-US" sz="2000" b="1" dirty="0" smtClean="0">
+              <a:latin typeface="Lucida Sans" charset="0"/>
+              <a:ea typeface="Lucida Sans" charset="0"/>
+              <a:cs typeface="Lucida Sans" charset="0"/>
+            </a:endParaRPr>
+          </a:p>
+          <a:p>
+            <a:pPr>
+              <a:lnSpc>
+                <a:spcPct val="150000"/>
+              </a:lnSpc>
+            </a:pPr>
+            <a:r>
+              <a:rPr lang="en-US" sz="1100" b="1" dirty="0" smtClean="0">
+                <a:solidFill>
+                  <a:srgbClr val="00B0F0"/>
+                </a:solidFill>
+                <a:latin typeface="Lucida Sans" charset="0"/>
+                <a:ea typeface="Lucida Sans" charset="0"/>
+                <a:cs typeface="Lucida Sans" charset="0"/>
+              </a:rPr>
+              <a:t>UC Berkeley </a:t>
+            </a:r>
+            <a:r>
+              <a:rPr lang="en-US" sz="1100" dirty="0" smtClean="0">
+                <a:latin typeface="Lucida Sans" charset="0"/>
+                <a:ea typeface="Lucida Sans" charset="0"/>
+                <a:cs typeface="Lucida Sans" charset="0"/>
+              </a:rPr>
+              <a:t>B.S. Electrical Engineering &amp; Computer Science</a:t>
+            </a:r>
+          </a:p>
+          <a:p>
+            <a:pPr>
+              <a:lnSpc>
+                <a:spcPct val="150000"/>
+              </a:lnSpc>
+            </a:pPr>
+            <a:r>
+              <a:rPr lang="en-US" sz="900" dirty="0">
+                <a:latin typeface="Lucida Sans" charset="0"/>
+                <a:ea typeface="Lucida Sans" charset="0"/>
+                <a:cs typeface="Lucida Sans" charset="0"/>
+              </a:rPr>
+              <a:t>Aug 2016 </a:t>
+            </a:r>
+            <a:r>
+              <a:rPr lang="mr-IN" sz="900" dirty="0">
+                <a:latin typeface="Lucida Sans" charset="0"/>
+                <a:ea typeface="Lucida Sans" charset="0"/>
+                <a:cs typeface="Lucida Sans" charset="0"/>
+              </a:rPr>
+              <a:t>–</a:t>
+            </a:r>
+            <a:r>
+              <a:rPr lang="en-US" sz="900" dirty="0">
+                <a:latin typeface="Lucida Sans" charset="0"/>
+                <a:ea typeface="Lucida Sans" charset="0"/>
+                <a:cs typeface="Lucida Sans" charset="0"/>
+              </a:rPr>
+              <a:t> May 2020          Overall GPA: 3.528          Technical GPA: 3.740</a:t>
+            </a:r>
+          </a:p>
+          <a:p>
+            <a:pPr>
+              <a:lnSpc>
+                <a:spcPct val="150000"/>
+              </a:lnSpc>
+            </a:pPr>
+            <a:r>
+              <a:rPr lang="en-US" sz="1100" dirty="0">
+                <a:latin typeface="Lucida Sans" charset="0"/>
+                <a:ea typeface="Lucida Sans" charset="0"/>
+                <a:cs typeface="Lucida Sans" charset="0"/>
+              </a:rPr>
+              <a:t>Relevant Courses</a:t>
+            </a:r>
+            <a:r>
+              <a:rPr lang="en-US" sz="1100" b="1" dirty="0">
+                <a:latin typeface="Lucida Sans" charset="0"/>
+                <a:ea typeface="Lucida Sans" charset="0"/>
+                <a:cs typeface="Lucida Sans" charset="0"/>
+              </a:rPr>
+              <a:t>:</a:t>
+            </a:r>
+          </a:p>
+          <a:p>
+            <a:pPr>
+              <a:lnSpc>
+                <a:spcPct val="120000"/>
+              </a:lnSpc>
+            </a:pPr>
+            <a:r>
+              <a:rPr lang="en-US" sz="900" dirty="0">
+                <a:latin typeface="Lucida Sans" charset="0"/>
+                <a:ea typeface="Lucida Sans" charset="0"/>
+                <a:cs typeface="Lucida Sans" charset="0"/>
+              </a:rPr>
+              <a:t>CS </a:t>
+            </a:r>
+            <a:r>
+              <a:rPr lang="en-US" sz="900" dirty="0" smtClean="0">
+                <a:latin typeface="Lucida Sans" charset="0"/>
+                <a:ea typeface="Lucida Sans" charset="0"/>
+                <a:cs typeface="Lucida Sans" charset="0"/>
+              </a:rPr>
+              <a:t>61A	The </a:t>
+            </a:r>
+            <a:r>
+              <a:rPr lang="en-US" sz="900" dirty="0">
+                <a:latin typeface="Lucida Sans" charset="0"/>
+                <a:ea typeface="Lucida Sans" charset="0"/>
+                <a:cs typeface="Lucida Sans" charset="0"/>
+              </a:rPr>
+              <a:t>Structure and Interpretation of Computer Programs </a:t>
+            </a:r>
+            <a:r>
+              <a:rPr lang="en-US" sz="900" dirty="0" smtClean="0">
+                <a:latin typeface="Lucida Sans" charset="0"/>
+                <a:ea typeface="Lucida Sans" charset="0"/>
+                <a:cs typeface="Lucida Sans" charset="0"/>
+              </a:rPr>
+              <a:t>(Python</a:t>
+            </a:r>
+            <a:r>
+              <a:rPr lang="en-US" sz="900" dirty="0">
+                <a:latin typeface="Lucida Sans" charset="0"/>
+                <a:ea typeface="Lucida Sans" charset="0"/>
+                <a:cs typeface="Lucida Sans" charset="0"/>
+              </a:rPr>
+              <a:t>)</a:t>
+            </a:r>
+            <a:r>
+              <a:rPr lang="en-US" sz="900" dirty="0" smtClean="0">
+                <a:latin typeface="Lucida Sans" charset="0"/>
+                <a:ea typeface="Lucida Sans" charset="0"/>
+                <a:cs typeface="Lucida Sans" charset="0"/>
+              </a:rPr>
+              <a:t>	</a:t>
+            </a:r>
+            <a:r>
+              <a:rPr lang="en-US" sz="900" dirty="0" smtClean="0">
+                <a:latin typeface="Lucida Sans" charset="0"/>
+                <a:ea typeface="Lucida Sans" charset="0"/>
+                <a:cs typeface="Lucida Sans" charset="0"/>
+              </a:rPr>
+              <a:t>	</a:t>
+            </a:r>
+            <a:r>
+              <a:rPr lang="en-US" sz="900" spc="300" dirty="0" smtClean="0">
+                <a:latin typeface="Lucida Sans" charset="0"/>
+                <a:ea typeface="Lucida Sans" charset="0"/>
+                <a:cs typeface="Lucida Sans" charset="0"/>
+              </a:rPr>
+              <a:t>A</a:t>
+            </a:r>
+            <a:endParaRPr lang="en-US" sz="900" spc="300" dirty="0" smtClean="0">
+              <a:latin typeface="Lucida Sans" charset="0"/>
+              <a:ea typeface="Lucida Sans" charset="0"/>
+              <a:cs typeface="Lucida Sans" charset="0"/>
+            </a:endParaRPr>
+          </a:p>
+          <a:p>
+            <a:pPr>
+              <a:lnSpc>
+                <a:spcPct val="120000"/>
+              </a:lnSpc>
+            </a:pPr>
+            <a:r>
+              <a:rPr lang="en-US" sz="900" dirty="0">
+                <a:latin typeface="Lucida Sans" charset="0"/>
+                <a:ea typeface="Lucida Sans" charset="0"/>
+                <a:cs typeface="Lucida Sans" charset="0"/>
+              </a:rPr>
+              <a:t>MATH 53	Multivariable Calculus 				A-</a:t>
+            </a:r>
+          </a:p>
+          <a:p>
+            <a:pPr>
+              <a:lnSpc>
+                <a:spcPct val="120000"/>
+              </a:lnSpc>
+            </a:pPr>
+            <a:r>
+              <a:rPr lang="en-US" sz="900" dirty="0">
+                <a:latin typeface="Lucida Sans" charset="0"/>
+                <a:ea typeface="Lucida Sans" charset="0"/>
+                <a:cs typeface="Lucida Sans" charset="0"/>
+              </a:rPr>
+              <a:t>CS 98	Directed Group Studies for Advanced Undergraduates (HTML/CSS/JS) 	Pass</a:t>
+            </a:r>
+          </a:p>
+          <a:p>
+            <a:pPr>
+              <a:lnSpc>
+                <a:spcPct val="120000"/>
+              </a:lnSpc>
+            </a:pPr>
+            <a:r>
+              <a:rPr lang="en-US" sz="900" dirty="0">
+                <a:latin typeface="Lucida Sans" charset="0"/>
+                <a:ea typeface="Lucida Sans" charset="0"/>
+                <a:cs typeface="Lucida Sans" charset="0"/>
+              </a:rPr>
+              <a:t>CS 61B	Data Structures (Java) 				In Progress</a:t>
+            </a:r>
+          </a:p>
+          <a:p>
+            <a:pPr>
+              <a:lnSpc>
+                <a:spcPct val="120000"/>
+              </a:lnSpc>
+            </a:pPr>
+            <a:r>
+              <a:rPr lang="en-US" sz="900" dirty="0">
+                <a:latin typeface="Lucida Sans" charset="0"/>
+                <a:ea typeface="Lucida Sans" charset="0"/>
+                <a:cs typeface="Lucida Sans" charset="0"/>
+              </a:rPr>
+              <a:t>MATH 54	Linear Algebra and Differential Equations 			</a:t>
+            </a:r>
+            <a:r>
+              <a:rPr lang="en-US" sz="900" dirty="0" smtClean="0">
+                <a:latin typeface="Lucida Sans" charset="0"/>
+                <a:ea typeface="Lucida Sans" charset="0"/>
+                <a:cs typeface="Lucida Sans" charset="0"/>
+              </a:rPr>
+              <a:t>In Progress</a:t>
+            </a:r>
+          </a:p>
+          <a:p>
+            <a:pPr>
+              <a:lnSpc>
+                <a:spcPct val="150000"/>
+              </a:lnSpc>
+            </a:pPr>
+            <a:endParaRPr lang="en-US" sz="600" b="1" dirty="0" smtClean="0">
+              <a:latin typeface="Lucida Sans" charset="0"/>
+              <a:ea typeface="Lucida Sans" charset="0"/>
+              <a:cs typeface="Lucida Sans" charset="0"/>
+            </a:endParaRPr>
+          </a:p>
+          <a:p>
+            <a:pPr>
+              <a:lnSpc>
+                <a:spcPct val="150000"/>
+              </a:lnSpc>
+            </a:pPr>
+            <a:r>
+              <a:rPr lang="en-US" sz="1100" b="1" dirty="0" smtClean="0">
+                <a:solidFill>
+                  <a:srgbClr val="00B0F0"/>
+                </a:solidFill>
+                <a:latin typeface="Lucida Sans" charset="0"/>
+                <a:ea typeface="Lucida Sans" charset="0"/>
+                <a:cs typeface="Lucida Sans" charset="0"/>
+              </a:rPr>
+              <a:t>CSU Dominguez Hills </a:t>
+            </a:r>
+            <a:r>
+              <a:rPr lang="en-US" sz="1100" dirty="0" smtClean="0">
+                <a:latin typeface="Lucida Sans" charset="0"/>
+                <a:ea typeface="Lucida Sans" charset="0"/>
+                <a:cs typeface="Lucida Sans" charset="0"/>
+              </a:rPr>
+              <a:t>Concurrent Enrollment</a:t>
+            </a:r>
+          </a:p>
+          <a:p>
+            <a:pPr>
+              <a:lnSpc>
+                <a:spcPct val="150000"/>
+              </a:lnSpc>
+            </a:pPr>
+            <a:r>
+              <a:rPr lang="en-US" sz="900" dirty="0" smtClean="0">
+                <a:latin typeface="Lucida Sans" charset="0"/>
+                <a:ea typeface="Lucida Sans" charset="0"/>
+                <a:cs typeface="Lucida Sans" charset="0"/>
+              </a:rPr>
+              <a:t>Jun 2013 </a:t>
+            </a:r>
+            <a:r>
+              <a:rPr lang="mr-IN" sz="900" dirty="0" smtClean="0">
+                <a:latin typeface="Lucida Sans" charset="0"/>
+                <a:ea typeface="Lucida Sans" charset="0"/>
+                <a:cs typeface="Lucida Sans" charset="0"/>
+              </a:rPr>
+              <a:t>–</a:t>
+            </a:r>
+            <a:r>
+              <a:rPr lang="en-US" sz="900" dirty="0" smtClean="0">
+                <a:latin typeface="Lucida Sans" charset="0"/>
+                <a:ea typeface="Lucida Sans" charset="0"/>
+                <a:cs typeface="Lucida Sans" charset="0"/>
+              </a:rPr>
+              <a:t> May 2016          Overall GPA: 3.978</a:t>
+            </a:r>
+            <a:endParaRPr lang="en-US" sz="900" dirty="0">
+              <a:latin typeface="Lucida Sans" charset="0"/>
+              <a:ea typeface="Lucida Sans" charset="0"/>
+              <a:cs typeface="Lucida Sans" charset="0"/>
+            </a:endParaRPr>
+          </a:p>
+        </p:txBody>
+      </p:sp>
       <p:cxnSp>
         <p:nvCxnSpPr>
-          <p:cNvPr id="12" name="Straight Connector 11"/>
+          <p:cNvPr id="23" name="Straight Connector 22"/>
           <p:cNvCxnSpPr/>
           <p:nvPr/>
         </p:nvCxnSpPr>
         <p:spPr>
-          <a:xfrm flipV="1">
-            <a:off x="3422277" y="3917793"/>
-            <a:ext cx="13447" cy="2767212"/>
+          <a:xfrm>
+            <a:off x="221325" y="3847055"/>
+            <a:ext cx="6442244" cy="0"/>
           </a:xfrm>
           <a:prstGeom prst="line">
             <a:avLst/>
           </a:prstGeom>
-          <a:ln w="12700">
+          <a:ln w="15240">
             <a:solidFill>
-              <a:schemeClr val="bg1">
-                <a:lumMod val="65000"/>
-              </a:schemeClr>
+              <a:srgbClr val="00B0F0"/>
             </a:solidFill>
           </a:ln>
         </p:spPr>
@@ -3624,14 +3766,14 @@
       </p:cxnSp>
       <p:sp>
         <p:nvSpPr>
-          <p:cNvPr id="17" name="TextBox 16"/>
+          <p:cNvPr id="26" name="TextBox 25"/>
           <p:cNvSpPr txBox="1"/>
           <p:nvPr/>
         </p:nvSpPr>
         <p:spPr>
           <a:xfrm>
-            <a:off x="221325" y="1160771"/>
-            <a:ext cx="6469138" cy="2631490"/>
+            <a:off x="3245814" y="3856383"/>
+            <a:ext cx="3417755" cy="2773067"/>
           </a:xfrm>
           <a:prstGeom prst="rect">
             <a:avLst/>
@@ -3655,7 +3797,7 @@
                 <a:ea typeface="Lucida Sans" charset="0"/>
                 <a:cs typeface="Lucida Sans" charset="0"/>
               </a:rPr>
-              <a:t>Education</a:t>
+              <a:t>Experience</a:t>
             </a:r>
             <a:endParaRPr lang="en-US" sz="2000" b="1" dirty="0" smtClean="0">
               <a:latin typeface="Lucida Sans" charset="0"/>
@@ -3670,26 +3812,54 @@
               </a:lnSpc>
             </a:pPr>
             <a:r>
-              <a:rPr lang="en-US" sz="1000" b="1" dirty="0" smtClean="0">
-                <a:latin typeface="Lucida Sans" charset="0"/>
-                <a:ea typeface="Lucida Sans" charset="0"/>
-                <a:cs typeface="Lucida Sans" charset="0"/>
-              </a:rPr>
-              <a:t>UC Berkeley </a:t>
-            </a:r>
+              <a:rPr lang="en-US" sz="1100" b="1" dirty="0" smtClean="0">
+                <a:solidFill>
+                  <a:srgbClr val="00B0F0"/>
+                </a:solidFill>
+                <a:latin typeface="Lucida Sans" charset="0"/>
+                <a:ea typeface="Lucida Sans" charset="0"/>
+                <a:cs typeface="Lucida Sans" charset="0"/>
+              </a:rPr>
+              <a:t>Academic Intern </a:t>
+            </a:r>
+            <a:r>
+              <a:rPr lang="en-US" sz="1100" dirty="0" smtClean="0">
+                <a:latin typeface="Lucida Sans" charset="0"/>
+                <a:ea typeface="Lucida Sans" charset="0"/>
+                <a:cs typeface="Lucida Sans" charset="0"/>
+              </a:rPr>
+              <a:t>CS 61A</a:t>
+            </a:r>
+          </a:p>
+          <a:p>
+            <a:pPr>
+              <a:lnSpc>
+                <a:spcPct val="150000"/>
+              </a:lnSpc>
+            </a:pPr>
             <a:r>
               <a:rPr lang="en-US" sz="1000" dirty="0" smtClean="0">
-                <a:solidFill>
-                  <a:schemeClr val="tx1">
-                    <a:lumMod val="65000"/>
-                    <a:lumOff val="35000"/>
-                  </a:schemeClr>
-                </a:solidFill>
-                <a:latin typeface="Lucida Sans" charset="0"/>
-                <a:ea typeface="Lucida Sans" charset="0"/>
-                <a:cs typeface="Lucida Sans" charset="0"/>
-              </a:rPr>
-              <a:t>B.S. Electrical Engineering &amp; Computer Science</a:t>
+                <a:latin typeface="Lucida Sans" charset="0"/>
+                <a:ea typeface="Lucida Sans" charset="0"/>
+                <a:cs typeface="Lucida Sans" charset="0"/>
+              </a:rPr>
+              <a:t>Jan 2017 </a:t>
+            </a:r>
+            <a:r>
+              <a:rPr lang="mr-IN" sz="1000" dirty="0" smtClean="0">
+                <a:latin typeface="Lucida Sans" charset="0"/>
+                <a:ea typeface="Lucida Sans" charset="0"/>
+                <a:cs typeface="Lucida Sans" charset="0"/>
+              </a:rPr>
+              <a:t>–</a:t>
+            </a:r>
+            <a:r>
+              <a:rPr lang="en-US" sz="1000" dirty="0" smtClean="0">
+                <a:latin typeface="Lucida Sans" charset="0"/>
+                <a:ea typeface="Lucida Sans" charset="0"/>
+                <a:cs typeface="Lucida Sans" charset="0"/>
+              </a:rPr>
+              <a:t> May 2016</a:t>
             </a:r>
           </a:p>
           <a:p>
@@ -3698,280 +3868,7 @@
                 <a:spcPct val="150000"/>
               </a:lnSpc>
             </a:pPr>
-            <a:r>
-              <a:rPr lang="en-US" sz="1000" dirty="0">
-                <a:solidFill>
-                  <a:schemeClr val="tx1">
-                    <a:lumMod val="65000"/>
-                    <a:lumOff val="35000"/>
-                  </a:schemeClr>
-                </a:solidFill>
-                <a:latin typeface="Lucida Sans" charset="0"/>
-                <a:ea typeface="Lucida Sans" charset="0"/>
-                <a:cs typeface="Lucida Sans" charset="0"/>
-              </a:rPr>
-              <a:t>Aug 2016 </a:t>
-            </a:r>
-            <a:r>
-              <a:rPr lang="mr-IN" sz="1000" dirty="0">
-                <a:solidFill>
-                  <a:schemeClr val="tx1">
-                    <a:lumMod val="65000"/>
-                    <a:lumOff val="35000"/>
-                  </a:schemeClr>
-                </a:solidFill>
-                <a:latin typeface="Lucida Sans" charset="0"/>
-                <a:ea typeface="Lucida Sans" charset="0"/>
-                <a:cs typeface="Lucida Sans" charset="0"/>
-              </a:rPr>
-              <a:t>–</a:t>
-            </a:r>
-            <a:r>
-              <a:rPr lang="en-US" sz="1000" dirty="0">
-                <a:solidFill>
-                  <a:schemeClr val="tx1">
-                    <a:lumMod val="65000"/>
-                    <a:lumOff val="35000"/>
-                  </a:schemeClr>
-                </a:solidFill>
-                <a:latin typeface="Lucida Sans" charset="0"/>
-                <a:ea typeface="Lucida Sans" charset="0"/>
-                <a:cs typeface="Lucida Sans" charset="0"/>
-              </a:rPr>
-              <a:t> May 2020          Overall GPA: 3.528          Technical GPA: 3.740</a:t>
-            </a:r>
-          </a:p>
-          <a:p>
-            <a:pPr>
-              <a:lnSpc>
-                <a:spcPct val="150000"/>
-              </a:lnSpc>
-            </a:pPr>
-            <a:r>
-              <a:rPr lang="en-US" sz="1000" b="1" dirty="0">
-                <a:solidFill>
-                  <a:schemeClr val="tx1">
-                    <a:lumMod val="65000"/>
-                    <a:lumOff val="35000"/>
-                  </a:schemeClr>
-                </a:solidFill>
-                <a:latin typeface="Lucida Sans" charset="0"/>
-                <a:ea typeface="Lucida Sans" charset="0"/>
-                <a:cs typeface="Lucida Sans" charset="0"/>
-              </a:rPr>
-              <a:t>Relevant Courses:</a:t>
-            </a:r>
-          </a:p>
-          <a:p>
-            <a:pPr>
-              <a:lnSpc>
-                <a:spcPct val="120000"/>
-              </a:lnSpc>
-            </a:pPr>
-            <a:r>
-              <a:rPr lang="en-US" sz="1000" dirty="0">
-                <a:solidFill>
-                  <a:schemeClr val="tx1">
-                    <a:lumMod val="65000"/>
-                    <a:lumOff val="35000"/>
-                  </a:schemeClr>
-                </a:solidFill>
-                <a:latin typeface="Lucida Sans" charset="0"/>
-                <a:ea typeface="Lucida Sans" charset="0"/>
-                <a:cs typeface="Lucida Sans" charset="0"/>
-              </a:rPr>
-              <a:t>CS </a:t>
-            </a:r>
-            <a:r>
-              <a:rPr lang="en-US" sz="1000" dirty="0" smtClean="0">
-                <a:solidFill>
-                  <a:schemeClr val="tx1">
-                    <a:lumMod val="65000"/>
-                    <a:lumOff val="35000"/>
-                  </a:schemeClr>
-                </a:solidFill>
-                <a:latin typeface="Lucida Sans" charset="0"/>
-                <a:ea typeface="Lucida Sans" charset="0"/>
-                <a:cs typeface="Lucida Sans" charset="0"/>
-              </a:rPr>
-              <a:t>61A	The </a:t>
-            </a:r>
-            <a:r>
-              <a:rPr lang="en-US" sz="1000" dirty="0">
-                <a:solidFill>
-                  <a:schemeClr val="tx1">
-                    <a:lumMod val="65000"/>
-                    <a:lumOff val="35000"/>
-                  </a:schemeClr>
-                </a:solidFill>
-                <a:latin typeface="Lucida Sans" charset="0"/>
-                <a:ea typeface="Lucida Sans" charset="0"/>
-                <a:cs typeface="Lucida Sans" charset="0"/>
-              </a:rPr>
-              <a:t>Structure and Interpretation of Computer Programs </a:t>
-            </a:r>
-            <a:r>
-              <a:rPr lang="en-US" sz="1000" dirty="0" smtClean="0">
-                <a:solidFill>
-                  <a:schemeClr val="tx1">
-                    <a:lumMod val="65000"/>
-                    <a:lumOff val="35000"/>
-                  </a:schemeClr>
-                </a:solidFill>
-                <a:latin typeface="Lucida Sans" charset="0"/>
-                <a:ea typeface="Lucida Sans" charset="0"/>
-                <a:cs typeface="Lucida Sans" charset="0"/>
-              </a:rPr>
-              <a:t>(Python</a:t>
-            </a:r>
-            <a:r>
-              <a:rPr lang="en-US" sz="1000" dirty="0">
-                <a:solidFill>
-                  <a:schemeClr val="tx1">
-                    <a:lumMod val="65000"/>
-                    <a:lumOff val="35000"/>
-                  </a:schemeClr>
-                </a:solidFill>
-                <a:latin typeface="Lucida Sans" charset="0"/>
-                <a:ea typeface="Lucida Sans" charset="0"/>
-                <a:cs typeface="Lucida Sans" charset="0"/>
-              </a:rPr>
-              <a:t>)</a:t>
-            </a:r>
-            <a:r>
-              <a:rPr lang="en-US" sz="1000" dirty="0" smtClean="0">
-                <a:solidFill>
-                  <a:schemeClr val="tx1">
-                    <a:lumMod val="65000"/>
-                    <a:lumOff val="35000"/>
-                  </a:schemeClr>
-                </a:solidFill>
-                <a:latin typeface="Lucida Sans" charset="0"/>
-                <a:ea typeface="Lucida Sans" charset="0"/>
-                <a:cs typeface="Lucida Sans" charset="0"/>
-              </a:rPr>
-              <a:t>	</a:t>
-            </a:r>
-            <a:r>
-              <a:rPr lang="en-US" sz="1000" spc="300" dirty="0" smtClean="0">
-                <a:solidFill>
-                  <a:schemeClr val="tx1">
-                    <a:lumMod val="65000"/>
-                    <a:lumOff val="35000"/>
-                  </a:schemeClr>
-                </a:solidFill>
-                <a:latin typeface="Lucida Sans" charset="0"/>
-                <a:ea typeface="Lucida Sans" charset="0"/>
-                <a:cs typeface="Lucida Sans" charset="0"/>
-              </a:rPr>
-              <a:t>A</a:t>
-            </a:r>
-          </a:p>
-          <a:p>
-            <a:pPr>
-              <a:lnSpc>
-                <a:spcPct val="120000"/>
-              </a:lnSpc>
-            </a:pPr>
-            <a:r>
-              <a:rPr lang="en-US" sz="1000" dirty="0">
-                <a:solidFill>
-                  <a:schemeClr val="tx1">
-                    <a:lumMod val="65000"/>
-                    <a:lumOff val="35000"/>
-                  </a:schemeClr>
-                </a:solidFill>
-                <a:latin typeface="Lucida Sans" charset="0"/>
-                <a:ea typeface="Lucida Sans" charset="0"/>
-                <a:cs typeface="Lucida Sans" charset="0"/>
-              </a:rPr>
-              <a:t>MATH 53	Multivariable Calculus 				A-</a:t>
-            </a:r>
-          </a:p>
-          <a:p>
-            <a:pPr>
-              <a:lnSpc>
-                <a:spcPct val="120000"/>
-              </a:lnSpc>
-            </a:pPr>
-            <a:r>
-              <a:rPr lang="en-US" sz="1000" dirty="0">
-                <a:solidFill>
-                  <a:schemeClr val="tx1">
-                    <a:lumMod val="65000"/>
-                    <a:lumOff val="35000"/>
-                  </a:schemeClr>
-                </a:solidFill>
-                <a:latin typeface="Lucida Sans" charset="0"/>
-                <a:ea typeface="Lucida Sans" charset="0"/>
-                <a:cs typeface="Lucida Sans" charset="0"/>
-              </a:rPr>
-              <a:t>CS 98	Directed Group Studies for Advanced Undergraduates (HTML/CSS/JS) 	Pass</a:t>
-            </a:r>
-          </a:p>
-          <a:p>
-            <a:pPr>
-              <a:lnSpc>
-                <a:spcPct val="120000"/>
-              </a:lnSpc>
-            </a:pPr>
-            <a:r>
-              <a:rPr lang="en-US" sz="1000" dirty="0">
-                <a:solidFill>
-                  <a:schemeClr val="tx1">
-                    <a:lumMod val="65000"/>
-                    <a:lumOff val="35000"/>
-                  </a:schemeClr>
-                </a:solidFill>
-                <a:latin typeface="Lucida Sans" charset="0"/>
-                <a:ea typeface="Lucida Sans" charset="0"/>
-                <a:cs typeface="Lucida Sans" charset="0"/>
-              </a:rPr>
-              <a:t>CS 61B	Data Structures (Java) 				In Progress</a:t>
-            </a:r>
-          </a:p>
-          <a:p>
-            <a:pPr>
-              <a:lnSpc>
-                <a:spcPct val="120000"/>
-              </a:lnSpc>
-            </a:pPr>
-            <a:r>
-              <a:rPr lang="en-US" sz="1000" dirty="0">
-                <a:solidFill>
-                  <a:schemeClr val="tx1">
-                    <a:lumMod val="65000"/>
-                    <a:lumOff val="35000"/>
-                  </a:schemeClr>
-                </a:solidFill>
-                <a:latin typeface="Lucida Sans" charset="0"/>
-                <a:ea typeface="Lucida Sans" charset="0"/>
-                <a:cs typeface="Lucida Sans" charset="0"/>
-              </a:rPr>
-              <a:t>MATH 54	Linear Algebra and Differential Equations 			</a:t>
-            </a:r>
-            <a:r>
-              <a:rPr lang="en-US" sz="1000" dirty="0" smtClean="0">
-                <a:solidFill>
-                  <a:schemeClr val="tx1">
-                    <a:lumMod val="65000"/>
-                    <a:lumOff val="35000"/>
-                  </a:schemeClr>
-                </a:solidFill>
-                <a:latin typeface="Lucida Sans" charset="0"/>
-                <a:ea typeface="Lucida Sans" charset="0"/>
-                <a:cs typeface="Lucida Sans" charset="0"/>
-              </a:rPr>
-              <a:t>In Progress</a:t>
-            </a:r>
-          </a:p>
-          <a:p>
-            <a:pPr>
-              <a:lnSpc>
-                <a:spcPct val="150000"/>
-              </a:lnSpc>
-            </a:pPr>
-            <a:endParaRPr lang="en-US" sz="600" b="1" dirty="0" smtClean="0">
+            <a:endParaRPr lang="en-US" sz="500" b="1" dirty="0" smtClean="0">
               <a:latin typeface="Lucida Sans" charset="0"/>
               <a:ea typeface="Lucida Sans" charset="0"/>
               <a:cs typeface="Lucida Sans" charset="0"/>
@@ -3984,26 +3881,23 @@
               </a:lnSpc>
             </a:pPr>
             <a:r>
-              <a:rPr lang="en-US" sz="1000" b="1" dirty="0" smtClean="0">
-                <a:latin typeface="Lucida Sans" charset="0"/>
-                <a:ea typeface="Lucida Sans" charset="0"/>
-                <a:cs typeface="Lucida Sans" charset="0"/>
-              </a:rPr>
-              <a:t>CSU Dominguez Hills </a:t>
-            </a:r>
-            <a:r>
-              <a:rPr lang="en-US" sz="1000" dirty="0" smtClean="0">
+              <a:rPr lang="en-US" sz="1100" b="1" dirty="0" smtClean="0">
                 <a:solidFill>
-                  <a:schemeClr val="tx1">
-                    <a:lumMod val="65000"/>
-                    <a:lumOff val="35000"/>
-                  </a:schemeClr>
+                  <a:srgbClr val="00B0F0"/>
                 </a:solidFill>
                 <a:latin typeface="Lucida Sans" charset="0"/>
                 <a:ea typeface="Lucida Sans" charset="0"/>
                 <a:cs typeface="Lucida Sans" charset="0"/>
               </a:rPr>
-              <a:t>Concurrent Enrollment</a:t>
+              <a:t>Gulfstream Aerospace </a:t>
+            </a:r>
+            <a:r>
+              <a:rPr lang="en-US" sz="1100" dirty="0" smtClean="0">
+                <a:latin typeface="Lucida Sans" charset="0"/>
+                <a:ea typeface="Lucida Sans" charset="0"/>
+                <a:cs typeface="Lucida Sans" charset="0"/>
+              </a:rPr>
+              <a:t>High School Apprentice</a:t>
             </a:r>
           </a:p>
           <a:p>
@@ -4013,80 +3907,630 @@
               </a:lnSpc>
             </a:pPr>
             <a:r>
-              <a:rPr lang="en-US" sz="1000" dirty="0" smtClean="0">
+              <a:rPr lang="en-US" sz="900" dirty="0" smtClean="0">
+                <a:latin typeface="Lucida Sans" charset="0"/>
+                <a:ea typeface="Lucida Sans" charset="0"/>
+                <a:cs typeface="Lucida Sans" charset="0"/>
+              </a:rPr>
+              <a:t>Aug 2015 </a:t>
+            </a:r>
+            <a:r>
+              <a:rPr lang="mr-IN" sz="900" dirty="0" smtClean="0">
+                <a:latin typeface="Lucida Sans" charset="0"/>
+                <a:ea typeface="Lucida Sans" charset="0"/>
+                <a:cs typeface="Lucida Sans" charset="0"/>
+              </a:rPr>
+              <a:t>–</a:t>
+            </a:r>
+            <a:r>
+              <a:rPr lang="en-US" sz="900" dirty="0" smtClean="0">
+                <a:latin typeface="Lucida Sans" charset="0"/>
+                <a:ea typeface="Lucida Sans" charset="0"/>
+                <a:cs typeface="Lucida Sans" charset="0"/>
+              </a:rPr>
+              <a:t> May 2016</a:t>
+            </a:r>
+          </a:p>
+          <a:p>
+            <a:pPr>
+              <a:lnSpc>
+                <a:spcPct val="120000"/>
+              </a:lnSpc>
+              <a:spcBef>
+                <a:spcPts val="300"/>
+              </a:spcBef>
+            </a:pPr>
+            <a:r>
+              <a:rPr lang="en-US" sz="900" dirty="0" smtClean="0">
+                <a:latin typeface="Lucida Sans" charset="0"/>
+                <a:ea typeface="Lucida Sans" charset="0"/>
+                <a:cs typeface="Lucida Sans" charset="0"/>
+              </a:rPr>
+              <a:t>Worked with the mechanical engineering teams on interior design drawings of G550 and G650 aircraft. Responsibilities included intensive use of AutoCAD, CATIA, and Excel.</a:t>
+            </a:r>
+            <a:endParaRPr lang="en-US" sz="900" b="1" dirty="0" smtClean="0">
+              <a:latin typeface="Lucida Sans" charset="0"/>
+              <a:ea typeface="Lucida Sans" charset="0"/>
+              <a:cs typeface="Lucida Sans" charset="0"/>
+            </a:endParaRPr>
+          </a:p>
+          <a:p>
+            <a:pPr>
+              <a:lnSpc>
+                <a:spcPct val="120000"/>
+              </a:lnSpc>
+              <a:spcBef>
+                <a:spcPts val="300"/>
+              </a:spcBef>
+            </a:pPr>
+            <a:endParaRPr lang="en-US" sz="500" dirty="0" smtClean="0">
+              <a:latin typeface="Lucida Sans" charset="0"/>
+              <a:ea typeface="Lucida Sans" charset="0"/>
+              <a:cs typeface="Lucida Sans" charset="0"/>
+            </a:endParaRPr>
+          </a:p>
+          <a:p>
+            <a:pPr>
+              <a:lnSpc>
+                <a:spcPct val="150000"/>
+              </a:lnSpc>
+            </a:pPr>
+            <a:r>
+              <a:rPr lang="en-US" sz="1100" b="1" dirty="0" smtClean="0">
                 <a:solidFill>
-                  <a:schemeClr val="tx1">
-                    <a:lumMod val="65000"/>
-                    <a:lumOff val="35000"/>
-                  </a:schemeClr>
+                  <a:srgbClr val="00B0F0"/>
                 </a:solidFill>
                 <a:latin typeface="Lucida Sans" charset="0"/>
                 <a:ea typeface="Lucida Sans" charset="0"/>
                 <a:cs typeface="Lucida Sans" charset="0"/>
               </a:rPr>
-              <a:t>Jun 2013 </a:t>
-            </a:r>
-            <a:r>
-              <a:rPr lang="mr-IN" sz="1000" dirty="0" smtClean="0">
+              <a:t>Lab Technician </a:t>
+            </a:r>
+            <a:r>
+              <a:rPr lang="en-US" sz="1100" dirty="0" smtClean="0">
+                <a:latin typeface="Lucida Sans" charset="0"/>
+                <a:ea typeface="Lucida Sans" charset="0"/>
+                <a:cs typeface="Lucida Sans" charset="0"/>
+              </a:rPr>
+              <a:t>Experium Science Academy</a:t>
+            </a:r>
+          </a:p>
+          <a:p>
+            <a:pPr>
+              <a:lnSpc>
+                <a:spcPct val="150000"/>
+              </a:lnSpc>
+            </a:pPr>
+            <a:r>
+              <a:rPr lang="en-US" sz="900" dirty="0" smtClean="0">
+                <a:latin typeface="Lucida Sans" charset="0"/>
+                <a:ea typeface="Lucida Sans" charset="0"/>
+                <a:cs typeface="Lucida Sans" charset="0"/>
+              </a:rPr>
+              <a:t>Jun 2014 </a:t>
+            </a:r>
+            <a:r>
+              <a:rPr lang="mr-IN" sz="900" dirty="0" smtClean="0">
+                <a:latin typeface="Lucida Sans" charset="0"/>
+                <a:ea typeface="Lucida Sans" charset="0"/>
+                <a:cs typeface="Lucida Sans" charset="0"/>
+              </a:rPr>
+              <a:t>–</a:t>
+            </a:r>
+            <a:r>
+              <a:rPr lang="en-US" sz="900" dirty="0" smtClean="0">
+                <a:latin typeface="Lucida Sans" charset="0"/>
+                <a:ea typeface="Lucida Sans" charset="0"/>
+                <a:cs typeface="Lucida Sans" charset="0"/>
+              </a:rPr>
+              <a:t> Aug 2014</a:t>
+            </a:r>
+          </a:p>
+        </p:txBody>
+      </p:sp>
+      <p:sp>
+        <p:nvSpPr>
+          <p:cNvPr id="28" name="TextBox 27"/>
+          <p:cNvSpPr txBox="1"/>
+          <p:nvPr/>
+        </p:nvSpPr>
+        <p:spPr>
+          <a:xfrm>
+            <a:off x="221325" y="3856383"/>
+            <a:ext cx="3040137" cy="2139047"/>
+          </a:xfrm>
+          <a:prstGeom prst="rect">
+            <a:avLst/>
+          </a:prstGeom>
+          <a:noFill/>
+        </p:spPr>
+        <p:txBody>
+          <a:bodyPr wrap="square" numCol="1" rtlCol="0">
+            <a:spAutoFit/>
+          </a:bodyPr>
+          <a:lstStyle/>
+          <a:p>
+            <a:pPr>
+              <a:lnSpc>
+                <a:spcPct val="150000"/>
+              </a:lnSpc>
+            </a:pPr>
+            <a:r>
+              <a:rPr lang="en-US" sz="1400" b="1" dirty="0" smtClean="0">
+                <a:latin typeface="Lucida Sans" charset="0"/>
+                <a:ea typeface="Lucida Sans" charset="0"/>
+                <a:cs typeface="Lucida Sans" charset="0"/>
+              </a:rPr>
+              <a:t>Skills</a:t>
+            </a:r>
+            <a:endParaRPr lang="en-US" sz="2000" b="1" dirty="0" smtClean="0">
+              <a:latin typeface="Lucida Sans" charset="0"/>
+              <a:ea typeface="Lucida Sans" charset="0"/>
+              <a:cs typeface="Lucida Sans" charset="0"/>
+            </a:endParaRPr>
+          </a:p>
+          <a:p>
+            <a:pPr>
+              <a:lnSpc>
+                <a:spcPct val="150000"/>
+              </a:lnSpc>
+            </a:pPr>
+            <a:r>
+              <a:rPr lang="en-US" sz="1100" b="1" dirty="0" smtClean="0">
                 <a:solidFill>
-                  <a:schemeClr val="tx1">
-                    <a:lumMod val="65000"/>
-                    <a:lumOff val="35000"/>
-                  </a:schemeClr>
+                  <a:srgbClr val="00B0F0"/>
                 </a:solidFill>
                 <a:latin typeface="Lucida Sans" charset="0"/>
                 <a:ea typeface="Lucida Sans" charset="0"/>
                 <a:cs typeface="Lucida Sans" charset="0"/>
               </a:rPr>
-              <a:t>–</a:t>
-            </a:r>
-            <a:r>
-              <a:rPr lang="en-US" sz="1000" dirty="0" smtClean="0">
-                <a:solidFill>
-                  <a:schemeClr val="tx1">
-                    <a:lumMod val="65000"/>
-                    <a:lumOff val="35000"/>
-                  </a:schemeClr>
-                </a:solidFill>
-                <a:latin typeface="Lucida Sans" charset="0"/>
-                <a:ea typeface="Lucida Sans" charset="0"/>
-                <a:cs typeface="Lucida Sans" charset="0"/>
-              </a:rPr>
-              <a:t> May 2016          Overall GPA: 3.978</a:t>
-            </a:r>
-            <a:endParaRPr lang="en-US" sz="1000" dirty="0">
+              <a:t>Programming</a:t>
+            </a:r>
+            <a:endParaRPr lang="en-US" sz="1100" dirty="0" smtClean="0">
               <a:solidFill>
-                <a:schemeClr val="tx1">
-                  <a:lumMod val="65000"/>
-                  <a:lumOff val="35000"/>
-                </a:schemeClr>
+                <a:srgbClr val="00B0F0"/>
               </a:solidFill>
               <a:latin typeface="Lucida Sans" charset="0"/>
               <a:ea typeface="Lucida Sans" charset="0"/>
               <a:cs typeface="Lucida Sans" charset="0"/>
             </a:endParaRPr>
           </a:p>
+          <a:p>
+            <a:pPr>
+              <a:lnSpc>
+                <a:spcPct val="150000"/>
+              </a:lnSpc>
+            </a:pPr>
+            <a:endParaRPr lang="en-US" sz="1000" dirty="0">
+              <a:latin typeface="Lucida Sans" charset="0"/>
+              <a:ea typeface="Lucida Sans" charset="0"/>
+              <a:cs typeface="Lucida Sans" charset="0"/>
+            </a:endParaRPr>
+          </a:p>
+          <a:p>
+            <a:pPr>
+              <a:lnSpc>
+                <a:spcPct val="150000"/>
+              </a:lnSpc>
+            </a:pPr>
+            <a:endParaRPr lang="en-US" sz="1000" dirty="0" smtClean="0">
+              <a:latin typeface="Lucida Sans" charset="0"/>
+              <a:ea typeface="Lucida Sans" charset="0"/>
+              <a:cs typeface="Lucida Sans" charset="0"/>
+            </a:endParaRPr>
+          </a:p>
+          <a:p>
+            <a:pPr>
+              <a:lnSpc>
+                <a:spcPct val="150000"/>
+              </a:lnSpc>
+            </a:pPr>
+            <a:endParaRPr lang="en-US" sz="1000" dirty="0">
+              <a:latin typeface="Lucida Sans" charset="0"/>
+              <a:ea typeface="Lucida Sans" charset="0"/>
+              <a:cs typeface="Lucida Sans" charset="0"/>
+            </a:endParaRPr>
+          </a:p>
+          <a:p>
+            <a:pPr>
+              <a:lnSpc>
+                <a:spcPct val="150000"/>
+              </a:lnSpc>
+            </a:pPr>
+            <a:endParaRPr lang="en-US" sz="1000" dirty="0">
+              <a:latin typeface="Lucida Sans" charset="0"/>
+              <a:ea typeface="Lucida Sans" charset="0"/>
+              <a:cs typeface="Lucida Sans" charset="0"/>
+            </a:endParaRPr>
+          </a:p>
+          <a:p>
+            <a:pPr>
+              <a:lnSpc>
+                <a:spcPct val="150000"/>
+              </a:lnSpc>
+            </a:pPr>
+            <a:endParaRPr lang="en-US" sz="600" dirty="0" smtClean="0">
+              <a:latin typeface="Lucida Sans" charset="0"/>
+              <a:ea typeface="Lucida Sans" charset="0"/>
+              <a:cs typeface="Lucida Sans" charset="0"/>
+            </a:endParaRPr>
+          </a:p>
+          <a:p>
+            <a:pPr>
+              <a:lnSpc>
+                <a:spcPct val="150000"/>
+              </a:lnSpc>
+            </a:pPr>
+            <a:r>
+              <a:rPr lang="en-US" sz="1100" b="1" dirty="0" smtClean="0">
+                <a:solidFill>
+                  <a:srgbClr val="00B0F0"/>
+                </a:solidFill>
+                <a:latin typeface="Lucida Sans" charset="0"/>
+                <a:ea typeface="Lucida Sans" charset="0"/>
+                <a:cs typeface="Lucida Sans" charset="0"/>
+              </a:rPr>
+              <a:t>Applications	</a:t>
+            </a:r>
+            <a:r>
+              <a:rPr lang="en-US" sz="1100" b="1" dirty="0">
+                <a:solidFill>
+                  <a:srgbClr val="00B0F0"/>
+                </a:solidFill>
+                <a:latin typeface="Lucida Sans" charset="0"/>
+                <a:ea typeface="Lucida Sans" charset="0"/>
+                <a:cs typeface="Lucida Sans" charset="0"/>
+              </a:rPr>
+              <a:t> </a:t>
+            </a:r>
+            <a:r>
+              <a:rPr lang="en-US" sz="1100" b="1" dirty="0" smtClean="0">
+                <a:solidFill>
+                  <a:srgbClr val="00B0F0"/>
+                </a:solidFill>
+                <a:latin typeface="Lucida Sans" charset="0"/>
+                <a:ea typeface="Lucida Sans" charset="0"/>
+                <a:cs typeface="Lucida Sans" charset="0"/>
+              </a:rPr>
+              <a:t>          </a:t>
+            </a:r>
+            <a:r>
+              <a:rPr lang="en-US" sz="1100" b="1" dirty="0" smtClean="0">
+                <a:solidFill>
+                  <a:srgbClr val="00B0F0"/>
+                </a:solidFill>
+                <a:latin typeface="Lucida Sans" charset="0"/>
+                <a:ea typeface="Lucida Sans" charset="0"/>
+                <a:cs typeface="Lucida Sans" charset="0"/>
+              </a:rPr>
+              <a:t>Languages</a:t>
+            </a:r>
+            <a:endParaRPr lang="en-US" sz="1100" b="1" dirty="0">
+              <a:solidFill>
+                <a:srgbClr val="00B0F0"/>
+              </a:solidFill>
+              <a:latin typeface="Lucida Sans" charset="0"/>
+              <a:ea typeface="Lucida Sans" charset="0"/>
+              <a:cs typeface="Lucida Sans" charset="0"/>
+            </a:endParaRPr>
+          </a:p>
+          <a:p>
+            <a:endParaRPr lang="en-US" sz="1000" dirty="0" smtClean="0">
+              <a:latin typeface="Lucida Sans" charset="0"/>
+              <a:ea typeface="Lucida Sans" charset="0"/>
+              <a:cs typeface="Lucida Sans" charset="0"/>
+            </a:endParaRPr>
+          </a:p>
+        </p:txBody>
+      </p:sp>
+      <p:sp>
+        <p:nvSpPr>
+          <p:cNvPr id="30" name="Rectangle 29"/>
+          <p:cNvSpPr/>
+          <p:nvPr/>
+        </p:nvSpPr>
+        <p:spPr>
+          <a:xfrm>
+            <a:off x="221324" y="4453122"/>
+            <a:ext cx="1032710" cy="896207"/>
+          </a:xfrm>
+          <a:prstGeom prst="rect">
+            <a:avLst/>
+          </a:prstGeom>
+        </p:spPr>
+        <p:txBody>
+          <a:bodyPr wrap="square">
+            <a:spAutoFit/>
+          </a:bodyPr>
+          <a:lstStyle/>
+          <a:p>
+            <a:pPr>
+              <a:lnSpc>
+                <a:spcPct val="150000"/>
+              </a:lnSpc>
+            </a:pPr>
+            <a:r>
+              <a:rPr lang="en-US" sz="900" dirty="0">
+                <a:latin typeface="Lucida Sans" charset="0"/>
+                <a:ea typeface="Lucida Sans" charset="0"/>
+                <a:cs typeface="Lucida Sans" charset="0"/>
+              </a:rPr>
+              <a:t>Python</a:t>
+            </a:r>
+          </a:p>
+          <a:p>
+            <a:pPr>
+              <a:lnSpc>
+                <a:spcPct val="150000"/>
+              </a:lnSpc>
+            </a:pPr>
+            <a:r>
+              <a:rPr lang="en-US" sz="900" dirty="0">
+                <a:latin typeface="Lucida Sans" charset="0"/>
+                <a:ea typeface="Lucida Sans" charset="0"/>
+                <a:cs typeface="Lucida Sans" charset="0"/>
+              </a:rPr>
+              <a:t>HTML</a:t>
+            </a:r>
+          </a:p>
+          <a:p>
+            <a:pPr>
+              <a:lnSpc>
+                <a:spcPct val="150000"/>
+              </a:lnSpc>
+            </a:pPr>
+            <a:r>
+              <a:rPr lang="en-US" sz="900" dirty="0">
+                <a:latin typeface="Lucida Sans" charset="0"/>
+                <a:ea typeface="Lucida Sans" charset="0"/>
+                <a:cs typeface="Lucida Sans" charset="0"/>
+              </a:rPr>
+              <a:t>CSS</a:t>
+            </a:r>
+          </a:p>
+          <a:p>
+            <a:pPr>
+              <a:lnSpc>
+                <a:spcPct val="150000"/>
+              </a:lnSpc>
+            </a:pPr>
+            <a:r>
+              <a:rPr lang="en-US" sz="900" dirty="0" smtClean="0">
+                <a:latin typeface="Lucida Sans" charset="0"/>
+                <a:ea typeface="Lucida Sans" charset="0"/>
+                <a:cs typeface="Lucida Sans" charset="0"/>
+              </a:rPr>
+              <a:t>JQuery</a:t>
+            </a:r>
+            <a:endParaRPr lang="en-US" sz="900" dirty="0">
+              <a:latin typeface="Lucida Sans" charset="0"/>
+              <a:ea typeface="Lucida Sans" charset="0"/>
+              <a:cs typeface="Lucida Sans" charset="0"/>
+            </a:endParaRPr>
+          </a:p>
+        </p:txBody>
+      </p:sp>
+      <p:sp>
+        <p:nvSpPr>
+          <p:cNvPr id="31" name="Rectangle 30"/>
+          <p:cNvSpPr/>
+          <p:nvPr/>
+        </p:nvSpPr>
+        <p:spPr>
+          <a:xfrm>
+            <a:off x="1441442" y="4461633"/>
+            <a:ext cx="1032710" cy="896207"/>
+          </a:xfrm>
+          <a:prstGeom prst="rect">
+            <a:avLst/>
+          </a:prstGeom>
+        </p:spPr>
+        <p:txBody>
+          <a:bodyPr wrap="square">
+            <a:spAutoFit/>
+          </a:bodyPr>
+          <a:lstStyle/>
+          <a:p>
+            <a:pPr>
+              <a:lnSpc>
+                <a:spcPct val="150000"/>
+              </a:lnSpc>
+            </a:pPr>
+            <a:r>
+              <a:rPr lang="en-US" sz="900" dirty="0" smtClean="0">
+                <a:latin typeface="Lucida Sans" charset="0"/>
+                <a:ea typeface="Lucida Sans" charset="0"/>
+                <a:cs typeface="Lucida Sans" charset="0"/>
+              </a:rPr>
+              <a:t>Java</a:t>
+            </a:r>
+            <a:endParaRPr lang="en-US" sz="900" dirty="0">
+              <a:latin typeface="Lucida Sans" charset="0"/>
+              <a:ea typeface="Lucida Sans" charset="0"/>
+              <a:cs typeface="Lucida Sans" charset="0"/>
+            </a:endParaRPr>
+          </a:p>
+          <a:p>
+            <a:pPr>
+              <a:lnSpc>
+                <a:spcPct val="150000"/>
+              </a:lnSpc>
+            </a:pPr>
+            <a:r>
+              <a:rPr lang="en-US" sz="900" dirty="0" smtClean="0">
+                <a:latin typeface="Lucida Sans" charset="0"/>
+                <a:ea typeface="Lucida Sans" charset="0"/>
+                <a:cs typeface="Lucida Sans" charset="0"/>
+              </a:rPr>
+              <a:t>Ruby</a:t>
+            </a:r>
+            <a:endParaRPr lang="en-US" sz="900" dirty="0">
+              <a:latin typeface="Lucida Sans" charset="0"/>
+              <a:ea typeface="Lucida Sans" charset="0"/>
+              <a:cs typeface="Lucida Sans" charset="0"/>
+            </a:endParaRPr>
+          </a:p>
+          <a:p>
+            <a:pPr>
+              <a:lnSpc>
+                <a:spcPct val="150000"/>
+              </a:lnSpc>
+            </a:pPr>
+            <a:r>
+              <a:rPr lang="en-US" sz="900" dirty="0" smtClean="0">
+                <a:latin typeface="Lucida Sans" charset="0"/>
+                <a:ea typeface="Lucida Sans" charset="0"/>
+                <a:cs typeface="Lucida Sans" charset="0"/>
+              </a:rPr>
+              <a:t>Scheme</a:t>
+            </a:r>
+            <a:endParaRPr lang="en-US" sz="900" dirty="0">
+              <a:latin typeface="Lucida Sans" charset="0"/>
+              <a:ea typeface="Lucida Sans" charset="0"/>
+              <a:cs typeface="Lucida Sans" charset="0"/>
+            </a:endParaRPr>
+          </a:p>
+          <a:p>
+            <a:pPr>
+              <a:lnSpc>
+                <a:spcPct val="150000"/>
+              </a:lnSpc>
+            </a:pPr>
+            <a:r>
+              <a:rPr lang="en-US" sz="900" dirty="0" smtClean="0">
+                <a:latin typeface="Lucida Sans" charset="0"/>
+                <a:ea typeface="Lucida Sans" charset="0"/>
+                <a:cs typeface="Lucida Sans" charset="0"/>
+              </a:rPr>
+              <a:t>SQL</a:t>
+            </a:r>
+            <a:endParaRPr lang="en-US" sz="900" dirty="0">
+              <a:latin typeface="Lucida Sans" charset="0"/>
+              <a:ea typeface="Lucida Sans" charset="0"/>
+              <a:cs typeface="Lucida Sans" charset="0"/>
+            </a:endParaRPr>
+          </a:p>
+        </p:txBody>
+      </p:sp>
+      <p:sp>
+        <p:nvSpPr>
+          <p:cNvPr id="32" name="Rectangle 31"/>
+          <p:cNvSpPr/>
+          <p:nvPr/>
+        </p:nvSpPr>
+        <p:spPr>
+          <a:xfrm>
+            <a:off x="207878" y="5736450"/>
+            <a:ext cx="1032710" cy="896207"/>
+          </a:xfrm>
+          <a:prstGeom prst="rect">
+            <a:avLst/>
+          </a:prstGeom>
+        </p:spPr>
+        <p:txBody>
+          <a:bodyPr wrap="square">
+            <a:spAutoFit/>
+          </a:bodyPr>
+          <a:lstStyle/>
+          <a:p>
+            <a:pPr>
+              <a:lnSpc>
+                <a:spcPct val="150000"/>
+              </a:lnSpc>
+            </a:pPr>
+            <a:r>
+              <a:rPr lang="en-US" sz="900" dirty="0" smtClean="0">
+                <a:latin typeface="Lucida Sans" charset="0"/>
+                <a:ea typeface="Lucida Sans" charset="0"/>
+                <a:cs typeface="Lucida Sans" charset="0"/>
+              </a:rPr>
+              <a:t>AutoCAD</a:t>
+            </a:r>
+            <a:endParaRPr lang="en-US" sz="900" dirty="0">
+              <a:latin typeface="Lucida Sans" charset="0"/>
+              <a:ea typeface="Lucida Sans" charset="0"/>
+              <a:cs typeface="Lucida Sans" charset="0"/>
+            </a:endParaRPr>
+          </a:p>
+          <a:p>
+            <a:pPr>
+              <a:lnSpc>
+                <a:spcPct val="150000"/>
+              </a:lnSpc>
+            </a:pPr>
+            <a:r>
+              <a:rPr lang="en-US" sz="900" dirty="0" smtClean="0">
+                <a:latin typeface="Lucida Sans" charset="0"/>
+                <a:ea typeface="Lucida Sans" charset="0"/>
+                <a:cs typeface="Lucida Sans" charset="0"/>
+              </a:rPr>
+              <a:t>Inventor</a:t>
+            </a:r>
+            <a:endParaRPr lang="en-US" sz="900" dirty="0">
+              <a:latin typeface="Lucida Sans" charset="0"/>
+              <a:ea typeface="Lucida Sans" charset="0"/>
+              <a:cs typeface="Lucida Sans" charset="0"/>
+            </a:endParaRPr>
+          </a:p>
+          <a:p>
+            <a:pPr>
+              <a:lnSpc>
+                <a:spcPct val="150000"/>
+              </a:lnSpc>
+            </a:pPr>
+            <a:r>
+              <a:rPr lang="en-US" sz="900" dirty="0" smtClean="0">
+                <a:latin typeface="Lucida Sans" charset="0"/>
+                <a:ea typeface="Lucida Sans" charset="0"/>
+                <a:cs typeface="Lucida Sans" charset="0"/>
+              </a:rPr>
+              <a:t>Solidworks</a:t>
+            </a:r>
+            <a:endParaRPr lang="en-US" sz="900" dirty="0">
+              <a:latin typeface="Lucida Sans" charset="0"/>
+              <a:ea typeface="Lucida Sans" charset="0"/>
+              <a:cs typeface="Lucida Sans" charset="0"/>
+            </a:endParaRPr>
+          </a:p>
+          <a:p>
+            <a:pPr>
+              <a:lnSpc>
+                <a:spcPct val="150000"/>
+              </a:lnSpc>
+            </a:pPr>
+            <a:r>
+              <a:rPr lang="en-US" sz="900" dirty="0" smtClean="0">
+                <a:latin typeface="Lucida Sans" charset="0"/>
+                <a:ea typeface="Lucida Sans" charset="0"/>
+                <a:cs typeface="Lucida Sans" charset="0"/>
+              </a:rPr>
+              <a:t>Final Cut Pro</a:t>
+            </a:r>
+            <a:endParaRPr lang="en-US" sz="900" dirty="0">
+              <a:latin typeface="Lucida Sans" charset="0"/>
+              <a:ea typeface="Lucida Sans" charset="0"/>
+              <a:cs typeface="Lucida Sans" charset="0"/>
+            </a:endParaRPr>
+          </a:p>
         </p:txBody>
       </p:sp>
       <p:cxnSp>
         <p:nvCxnSpPr>
-          <p:cNvPr id="23" name="Straight Connector 22"/>
+          <p:cNvPr id="35" name="Straight Connector 34"/>
           <p:cNvCxnSpPr/>
           <p:nvPr/>
         </p:nvCxnSpPr>
         <p:spPr>
           <a:xfrm>
-            <a:off x="221325" y="3847055"/>
+            <a:off x="168178" y="6801933"/>
             <a:ext cx="6442244" cy="0"/>
           </a:xfrm>
           <a:prstGeom prst="line">
             <a:avLst/>
           </a:prstGeom>
-          <a:ln w="12700">
+          <a:ln w="15240">
             <a:solidFill>
-              <a:schemeClr val="bg1">
-                <a:lumMod val="65000"/>
-              </a:schemeClr>
+              <a:srgbClr val="00B0F0"/>
             </a:solidFill>
           </a:ln>
         </p:spPr>
@@ -4107,14 +4551,96 @@
       </p:cxnSp>
       <p:sp>
         <p:nvSpPr>
-          <p:cNvPr id="26" name="TextBox 25"/>
+          <p:cNvPr id="41" name="Rectangle 40"/>
+          <p:cNvSpPr/>
+          <p:nvPr/>
+        </p:nvSpPr>
+        <p:spPr>
+          <a:xfrm>
+            <a:off x="1611105" y="5736450"/>
+            <a:ext cx="1469277" cy="688458"/>
+          </a:xfrm>
+          <a:prstGeom prst="rect">
+            <a:avLst/>
+          </a:prstGeom>
+        </p:spPr>
+        <p:txBody>
+          <a:bodyPr wrap="square">
+            <a:spAutoFit/>
+          </a:bodyPr>
+          <a:lstStyle/>
+          <a:p>
+            <a:pPr>
+              <a:lnSpc>
+                <a:spcPct val="150000"/>
+              </a:lnSpc>
+            </a:pPr>
+            <a:r>
+              <a:rPr lang="en-US" sz="900" dirty="0" smtClean="0">
+                <a:latin typeface="Lucida Sans" charset="0"/>
+                <a:ea typeface="Lucida Sans" charset="0"/>
+                <a:cs typeface="Lucida Sans" charset="0"/>
+              </a:rPr>
+              <a:t>English</a:t>
+            </a:r>
+            <a:endParaRPr lang="en-US" sz="900" dirty="0">
+              <a:latin typeface="Lucida Sans" charset="0"/>
+              <a:ea typeface="Lucida Sans" charset="0"/>
+              <a:cs typeface="Lucida Sans" charset="0"/>
+            </a:endParaRPr>
+          </a:p>
+          <a:p>
+            <a:pPr>
+              <a:lnSpc>
+                <a:spcPct val="150000"/>
+              </a:lnSpc>
+            </a:pPr>
+            <a:r>
+              <a:rPr lang="en-US" sz="900" dirty="0" smtClean="0">
+                <a:latin typeface="Lucida Sans" charset="0"/>
+                <a:ea typeface="Lucida Sans" charset="0"/>
+                <a:cs typeface="Lucida Sans" charset="0"/>
+              </a:rPr>
+              <a:t>Chinese (Mandarin)</a:t>
+            </a:r>
+            <a:endParaRPr lang="en-US" sz="900" dirty="0">
+              <a:latin typeface="Lucida Sans" charset="0"/>
+              <a:ea typeface="Lucida Sans" charset="0"/>
+              <a:cs typeface="Lucida Sans" charset="0"/>
+            </a:endParaRPr>
+          </a:p>
+          <a:p>
+            <a:pPr>
+              <a:lnSpc>
+                <a:spcPct val="150000"/>
+              </a:lnSpc>
+            </a:pPr>
+            <a:r>
+              <a:rPr lang="en-US" sz="900" dirty="0" smtClean="0">
+                <a:latin typeface="Lucida Sans" charset="0"/>
+                <a:ea typeface="Lucida Sans" charset="0"/>
+                <a:cs typeface="Lucida Sans" charset="0"/>
+              </a:rPr>
+              <a:t>Spanish</a:t>
+            </a:r>
+            <a:endParaRPr lang="en-US" sz="900" dirty="0">
+              <a:latin typeface="Lucida Sans" charset="0"/>
+              <a:ea typeface="Lucida Sans" charset="0"/>
+              <a:cs typeface="Lucida Sans" charset="0"/>
+            </a:endParaRPr>
+          </a:p>
+        </p:txBody>
+      </p:sp>
+      <p:sp>
+        <p:nvSpPr>
+          <p:cNvPr id="42" name="TextBox 41"/>
           <p:cNvSpPr txBox="1"/>
           <p:nvPr/>
         </p:nvSpPr>
         <p:spPr>
           <a:xfrm>
-            <a:off x="3490623" y="3856383"/>
-            <a:ext cx="3172946" cy="2916183"/>
+            <a:off x="168178" y="6831301"/>
+            <a:ext cx="3221122" cy="2012859"/>
           </a:xfrm>
           <a:prstGeom prst="rect">
             <a:avLst/>
@@ -4138,7 +4664,7 @@
                 <a:ea typeface="Lucida Sans" charset="0"/>
                 <a:cs typeface="Lucida Sans" charset="0"/>
               </a:rPr>
-              <a:t>Experience</a:t>
+              <a:t>Projects</a:t>
             </a:r>
             <a:endParaRPr lang="en-US" sz="2000" b="1" dirty="0" smtClean="0">
               <a:latin typeface="Lucida Sans" charset="0"/>
@@ -4153,98 +4679,47 @@
               </a:lnSpc>
             </a:pPr>
             <a:r>
-              <a:rPr lang="en-US" sz="1000" b="1" dirty="0" smtClean="0">
-                <a:latin typeface="Lucida Sans" charset="0"/>
-                <a:ea typeface="Lucida Sans" charset="0"/>
-                <a:cs typeface="Lucida Sans" charset="0"/>
-              </a:rPr>
-              <a:t>Academic Intern </a:t>
-            </a:r>
-            <a:r>
-              <a:rPr lang="en-US" sz="1000" dirty="0" smtClean="0">
+              <a:rPr lang="en-US" sz="1100" b="1" dirty="0" smtClean="0">
                 <a:solidFill>
-                  <a:schemeClr val="tx1">
-                    <a:lumMod val="65000"/>
-                    <a:lumOff val="35000"/>
-                  </a:schemeClr>
+                  <a:srgbClr val="00B0F0"/>
                 </a:solidFill>
                 <a:latin typeface="Lucida Sans" charset="0"/>
                 <a:ea typeface="Lucida Sans" charset="0"/>
                 <a:cs typeface="Lucida Sans" charset="0"/>
               </a:rPr>
-              <a:t>CS </a:t>
-            </a:r>
-            <a:r>
-              <a:rPr lang="en-US" sz="1000" dirty="0" smtClean="0">
-                <a:solidFill>
-                  <a:schemeClr val="tx1">
-                    <a:lumMod val="65000"/>
-                    <a:lumOff val="35000"/>
-                  </a:schemeClr>
-                </a:solidFill>
-                <a:latin typeface="Lucida Sans" charset="0"/>
-                <a:ea typeface="Lucida Sans" charset="0"/>
-                <a:cs typeface="Lucida Sans" charset="0"/>
-              </a:rPr>
-              <a:t>61A</a:t>
+              <a:t>Scheme Interpreter </a:t>
+            </a:r>
+            <a:r>
+              <a:rPr lang="en-US" sz="1100" dirty="0" smtClean="0">
+                <a:latin typeface="Lucida Sans" charset="0"/>
+                <a:ea typeface="Lucida Sans" charset="0"/>
+                <a:cs typeface="Lucida Sans" charset="0"/>
+              </a:rPr>
+              <a:t>CS 61A, Fall 2016</a:t>
             </a:r>
           </a:p>
           <a:p>
             <a:pPr>
               <a:lnSpc>
-                <a:spcPct val="150000"/>
-              </a:lnSpc>
-            </a:pPr>
-            <a:r>
-              <a:rPr lang="en-US" sz="1000" dirty="0" smtClean="0">
-                <a:solidFill>
-                  <a:schemeClr val="tx1">
-                    <a:lumMod val="65000"/>
-                    <a:lumOff val="35000"/>
-                  </a:schemeClr>
-                </a:solidFill>
-                <a:latin typeface="Lucida Sans" charset="0"/>
-                <a:ea typeface="Lucida Sans" charset="0"/>
-                <a:cs typeface="Lucida Sans" charset="0"/>
-              </a:rPr>
-              <a:t>Jan 2017 </a:t>
-            </a:r>
-            <a:r>
-              <a:rPr lang="mr-IN" sz="1000" dirty="0" smtClean="0">
-                <a:solidFill>
-                  <a:schemeClr val="tx1">
-                    <a:lumMod val="65000"/>
-                    <a:lumOff val="35000"/>
-                  </a:schemeClr>
-                </a:solidFill>
-                <a:latin typeface="Lucida Sans" charset="0"/>
-                <a:ea typeface="Lucida Sans" charset="0"/>
-                <a:cs typeface="Lucida Sans" charset="0"/>
-              </a:rPr>
-              <a:t>–</a:t>
-            </a:r>
-            <a:r>
-              <a:rPr lang="en-US" sz="1000" dirty="0" smtClean="0">
-                <a:solidFill>
-                  <a:schemeClr val="tx1">
-                    <a:lumMod val="65000"/>
-                    <a:lumOff val="35000"/>
-                  </a:schemeClr>
-                </a:solidFill>
-                <a:latin typeface="Lucida Sans" charset="0"/>
-                <a:ea typeface="Lucida Sans" charset="0"/>
-                <a:cs typeface="Lucida Sans" charset="0"/>
-              </a:rPr>
-              <a:t> May 2016</a:t>
+                <a:spcPct val="120000"/>
+              </a:lnSpc>
+            </a:pPr>
+            <a:r>
+              <a:rPr lang="en-US" sz="900" dirty="0" smtClean="0">
+                <a:latin typeface="Lucida Sans" charset="0"/>
+                <a:ea typeface="Lucida Sans" charset="0"/>
+                <a:cs typeface="Lucida Sans" charset="0"/>
+              </a:rPr>
+              <a:t>Interactive Interpreter that reads and executes user input in Scheme, a dialect of Lisp. Project is written in Python and focuses on Object Orientated Programming and environments.</a:t>
             </a:r>
           </a:p>
           <a:p>
             <a:pPr>
               <a:lnSpc>
-                <a:spcPct val="150000"/>
-              </a:lnSpc>
-            </a:pPr>
-            <a:endParaRPr lang="en-US" sz="500" b="1" dirty="0" smtClean="0">
+                <a:spcPct val="120000"/>
+              </a:lnSpc>
+            </a:pPr>
+            <a:endParaRPr lang="en-US" sz="500" dirty="0" smtClean="0">
               <a:latin typeface="Lucida Sans" charset="0"/>
               <a:ea typeface="Lucida Sans" charset="0"/>
               <a:cs typeface="Lucida Sans" charset="0"/>
@@ -4257,217 +4732,71 @@
               </a:lnSpc>
             </a:pPr>
             <a:r>
-              <a:rPr lang="en-US" sz="1000" b="1" dirty="0" smtClean="0">
-                <a:latin typeface="Lucida Sans" charset="0"/>
-                <a:ea typeface="Lucida Sans" charset="0"/>
-                <a:cs typeface="Lucida Sans" charset="0"/>
-              </a:rPr>
-              <a:t>Gulfstream Aerospace </a:t>
-            </a:r>
-            <a:r>
-              <a:rPr lang="en-US" sz="1000" dirty="0" smtClean="0">
+              <a:rPr lang="en-US" sz="1100" b="1" dirty="0">
                 <a:solidFill>
-                  <a:schemeClr val="tx1">
-                    <a:lumMod val="65000"/>
-                    <a:lumOff val="35000"/>
-                  </a:schemeClr>
+                  <a:srgbClr val="00B0F0"/>
                 </a:solidFill>
                 <a:latin typeface="Lucida Sans" charset="0"/>
                 <a:ea typeface="Lucida Sans" charset="0"/>
                 <a:cs typeface="Lucida Sans" charset="0"/>
               </a:rPr>
-              <a:t>High School Apprentice</a:t>
+              <a:t>h</a:t>
+            </a:r>
+            <a:r>
+              <a:rPr lang="en-US" sz="1100" b="1" dirty="0" smtClean="0">
+                <a:solidFill>
+                  <a:srgbClr val="00B0F0"/>
+                </a:solidFill>
+                <a:latin typeface="Lucida Sans" charset="0"/>
+                <a:ea typeface="Lucida Sans" charset="0"/>
+                <a:cs typeface="Lucida Sans" charset="0"/>
+              </a:rPr>
+              <a:t>antaowang.me</a:t>
+            </a:r>
+            <a:r>
+              <a:rPr lang="en-US" sz="1100" b="1" dirty="0" smtClean="0">
+                <a:latin typeface="Lucida Sans" charset="0"/>
+                <a:ea typeface="Lucida Sans" charset="0"/>
+                <a:cs typeface="Lucida Sans" charset="0"/>
+              </a:rPr>
+              <a:t> </a:t>
+            </a:r>
+            <a:r>
+              <a:rPr lang="en-US" sz="1100" dirty="0" smtClean="0">
+                <a:latin typeface="Lucida Sans" charset="0"/>
+                <a:ea typeface="Lucida Sans" charset="0"/>
+                <a:cs typeface="Lucida Sans" charset="0"/>
+              </a:rPr>
+              <a:t>Personal, Winter 2016</a:t>
             </a:r>
           </a:p>
           <a:p>
             <a:pPr>
               <a:lnSpc>
-                <a:spcPct val="150000"/>
-              </a:lnSpc>
-            </a:pPr>
-            <a:r>
-              <a:rPr lang="en-US" sz="1000" dirty="0" smtClean="0">
-                <a:solidFill>
-                  <a:schemeClr val="tx1">
-                    <a:lumMod val="65000"/>
-                    <a:lumOff val="35000"/>
-                  </a:schemeClr>
-                </a:solidFill>
-                <a:latin typeface="Lucida Sans" charset="0"/>
-                <a:ea typeface="Lucida Sans" charset="0"/>
-                <a:cs typeface="Lucida Sans" charset="0"/>
-              </a:rPr>
-              <a:t>Aug 2015 </a:t>
-            </a:r>
-            <a:r>
-              <a:rPr lang="mr-IN" sz="1000" dirty="0" smtClean="0">
-                <a:solidFill>
-                  <a:schemeClr val="tx1">
-                    <a:lumMod val="65000"/>
-                    <a:lumOff val="35000"/>
-                  </a:schemeClr>
-                </a:solidFill>
-                <a:latin typeface="Lucida Sans" charset="0"/>
-                <a:ea typeface="Lucida Sans" charset="0"/>
-                <a:cs typeface="Lucida Sans" charset="0"/>
-              </a:rPr>
-              <a:t>–</a:t>
-            </a:r>
-            <a:r>
-              <a:rPr lang="en-US" sz="1000" dirty="0" smtClean="0">
-                <a:solidFill>
-                  <a:schemeClr val="tx1">
-                    <a:lumMod val="65000"/>
-                    <a:lumOff val="35000"/>
-                  </a:schemeClr>
-                </a:solidFill>
-                <a:latin typeface="Lucida Sans" charset="0"/>
-                <a:ea typeface="Lucida Sans" charset="0"/>
-                <a:cs typeface="Lucida Sans" charset="0"/>
-              </a:rPr>
-              <a:t> May 2016</a:t>
-            </a:r>
-          </a:p>
-          <a:p>
-            <a:pPr>
-              <a:lnSpc>
                 <a:spcPct val="120000"/>
               </a:lnSpc>
-              <a:spcBef>
-                <a:spcPts val="300"/>
-              </a:spcBef>
-            </a:pPr>
-            <a:r>
-              <a:rPr lang="en-US" sz="1000" dirty="0" smtClean="0">
-                <a:solidFill>
-                  <a:schemeClr val="tx1">
-                    <a:lumMod val="65000"/>
-                    <a:lumOff val="35000"/>
-                  </a:schemeClr>
-                </a:solidFill>
-                <a:latin typeface="Lucida Sans" charset="0"/>
-                <a:ea typeface="Lucida Sans" charset="0"/>
-                <a:cs typeface="Lucida Sans" charset="0"/>
-              </a:rPr>
-              <a:t>Worked with the mechanical engineering teams on interior design drawings of G550 and G650 aircraft. Responsibilities included intensive use of AutoCAD, CATIA, and Excel.</a:t>
-            </a:r>
-            <a:endParaRPr lang="en-US" sz="700" b="1" dirty="0" smtClean="0">
-              <a:latin typeface="Lucida Sans" charset="0"/>
-              <a:ea typeface="Lucida Sans" charset="0"/>
-              <a:cs typeface="Lucida Sans" charset="0"/>
-            </a:endParaRPr>
-          </a:p>
-          <a:p>
-            <a:pPr>
-              <a:lnSpc>
-                <a:spcPct val="120000"/>
-              </a:lnSpc>
-              <a:spcBef>
-                <a:spcPts val="300"/>
-              </a:spcBef>
-            </a:pPr>
-            <a:endParaRPr lang="en-US" sz="500" dirty="0" smtClean="0">
-              <a:solidFill>
-                <a:schemeClr val="tx1">
-                  <a:lumMod val="65000"/>
-                  <a:lumOff val="35000"/>
-                </a:schemeClr>
-              </a:solidFill>
-              <a:latin typeface="Lucida Sans" charset="0"/>
-              <a:ea typeface="Lucida Sans" charset="0"/>
-              <a:cs typeface="Lucida Sans" charset="0"/>
-            </a:endParaRPr>
-          </a:p>
-          <a:p>
-            <a:pPr>
-              <a:lnSpc>
-                <a:spcPct val="150000"/>
-              </a:lnSpc>
-            </a:pPr>
-            <a:r>
-              <a:rPr lang="en-US" sz="1000" b="1" dirty="0" smtClean="0">
-                <a:latin typeface="Lucida Sans" charset="0"/>
-                <a:ea typeface="Lucida Sans" charset="0"/>
-                <a:cs typeface="Lucida Sans" charset="0"/>
-              </a:rPr>
-              <a:t>Lab Technician </a:t>
-            </a:r>
-            <a:r>
-              <a:rPr lang="en-US" sz="1000" dirty="0" smtClean="0">
-                <a:solidFill>
-                  <a:schemeClr val="tx1">
-                    <a:lumMod val="65000"/>
-                    <a:lumOff val="35000"/>
-                  </a:schemeClr>
-                </a:solidFill>
-                <a:latin typeface="Lucida Sans" charset="0"/>
-                <a:ea typeface="Lucida Sans" charset="0"/>
-                <a:cs typeface="Lucida Sans" charset="0"/>
-              </a:rPr>
-              <a:t>Experium Science Academy</a:t>
-            </a:r>
-          </a:p>
-          <a:p>
-            <a:pPr>
-              <a:lnSpc>
-                <a:spcPct val="150000"/>
-              </a:lnSpc>
-            </a:pPr>
-            <a:r>
-              <a:rPr lang="en-US" sz="1000" dirty="0" smtClean="0">
-                <a:solidFill>
-                  <a:schemeClr val="tx1">
-                    <a:lumMod val="65000"/>
-                    <a:lumOff val="35000"/>
-                  </a:schemeClr>
-                </a:solidFill>
-                <a:latin typeface="Lucida Sans" charset="0"/>
-                <a:ea typeface="Lucida Sans" charset="0"/>
-                <a:cs typeface="Lucida Sans" charset="0"/>
-              </a:rPr>
-              <a:t>Jun 2014 </a:t>
-            </a:r>
-            <a:r>
-              <a:rPr lang="mr-IN" sz="1000" dirty="0" smtClean="0">
-                <a:solidFill>
-                  <a:schemeClr val="tx1">
-                    <a:lumMod val="65000"/>
-                    <a:lumOff val="35000"/>
-                  </a:schemeClr>
-                </a:solidFill>
-                <a:latin typeface="Lucida Sans" charset="0"/>
-                <a:ea typeface="Lucida Sans" charset="0"/>
-                <a:cs typeface="Lucida Sans" charset="0"/>
-              </a:rPr>
-              <a:t>–</a:t>
-            </a:r>
-            <a:r>
-              <a:rPr lang="en-US" sz="1000" dirty="0" smtClean="0">
-                <a:solidFill>
-                  <a:schemeClr val="tx1">
-                    <a:lumMod val="65000"/>
-                    <a:lumOff val="35000"/>
-                  </a:schemeClr>
-                </a:solidFill>
-                <a:latin typeface="Lucida Sans" charset="0"/>
-                <a:ea typeface="Lucida Sans" charset="0"/>
-                <a:cs typeface="Lucida Sans" charset="0"/>
-              </a:rPr>
-              <a:t> Aug 2014</a:t>
-            </a:r>
-          </a:p>
-        </p:txBody>
-      </p:sp>
-      <p:sp>
-        <p:nvSpPr>
-          <p:cNvPr id="28" name="TextBox 27"/>
+            </a:pPr>
+            <a:r>
+              <a:rPr lang="en-US" sz="900" dirty="0" smtClean="0">
+                <a:latin typeface="Lucida Sans" charset="0"/>
+                <a:ea typeface="Lucida Sans" charset="0"/>
+                <a:cs typeface="Lucida Sans" charset="0"/>
+              </a:rPr>
+              <a:t>Professional website written in HTML, CSS, and JQuery.</a:t>
+            </a:r>
+          </a:p>
+        </p:txBody>
+      </p:sp>
+      <p:sp>
+        <p:nvSpPr>
+          <p:cNvPr id="43" name="TextBox 42"/>
           <p:cNvSpPr txBox="1"/>
           <p:nvPr/>
         </p:nvSpPr>
         <p:spPr>
           <a:xfrm>
-            <a:off x="221325" y="3856383"/>
-            <a:ext cx="3172946" cy="2092881"/>
+            <a:off x="3455894" y="6798726"/>
+            <a:ext cx="3221122" cy="2180597"/>
           </a:xfrm>
           <a:prstGeom prst="rect">
             <a:avLst/>
@@ -4475,7 +4804,7 @@
           <a:noFill/>
         </p:spPr>
         <p:txBody>
-          <a:bodyPr wrap="square" numCol="1" rtlCol="0">
+          <a:bodyPr wrap="square" rtlCol="0">
             <a:spAutoFit/>
           </a:bodyPr>
           <a:lstStyle/>
@@ -4491,7 +4820,7 @@
                 <a:ea typeface="Lucida Sans" charset="0"/>
                 <a:cs typeface="Lucida Sans" charset="0"/>
               </a:rPr>
-              <a:t>Skills</a:t>
+              <a:t> </a:t>
             </a:r>
             <a:endParaRPr lang="en-US" sz="2000" b="1" dirty="0" smtClean="0">
               <a:latin typeface="Lucida Sans" charset="0"/>
@@ -4506,20 +4835,58 @@
               </a:lnSpc>
             </a:pPr>
             <a:r>
-              <a:rPr lang="en-US" sz="1000" b="1" dirty="0" smtClean="0">
-                <a:latin typeface="Lucida Sans" charset="0"/>
-                <a:ea typeface="Lucida Sans" charset="0"/>
-                <a:cs typeface="Lucida Sans" charset="0"/>
-              </a:rPr>
-              <a:t>Programming</a:t>
-            </a:r>
-            <a:endParaRPr lang="en-US" sz="1000" dirty="0" smtClean="0">
-              <a:solidFill>
-                <a:schemeClr val="tx1">
-                  <a:lumMod val="65000"/>
-                  <a:lumOff val="35000"/>
-                </a:schemeClr>
-              </a:solidFill>
+              <a:rPr lang="en-US" sz="1100" b="1" dirty="0" smtClean="0">
+                <a:solidFill>
+                  <a:srgbClr val="00B0F0"/>
+                </a:solidFill>
+                <a:latin typeface="Lucida Sans" charset="0"/>
+                <a:ea typeface="Lucida Sans" charset="0"/>
+                <a:cs typeface="Lucida Sans" charset="0"/>
+              </a:rPr>
+              <a:t>Ruby Blackjack</a:t>
+            </a:r>
+            <a:r>
+              <a:rPr lang="en-US" sz="1100" b="1" dirty="0" smtClean="0">
+                <a:latin typeface="Lucida Sans" charset="0"/>
+                <a:ea typeface="Lucida Sans" charset="0"/>
+                <a:cs typeface="Lucida Sans" charset="0"/>
+              </a:rPr>
+              <a:t> </a:t>
+            </a:r>
+            <a:r>
+              <a:rPr lang="en-US" sz="1100" dirty="0" smtClean="0">
+                <a:latin typeface="Lucida Sans" charset="0"/>
+                <a:ea typeface="Lucida Sans" charset="0"/>
+                <a:cs typeface="Lucida Sans" charset="0"/>
+              </a:rPr>
+              <a:t>Personal, Winter 2016</a:t>
+            </a:r>
+          </a:p>
+          <a:p>
+            <a:pPr>
+              <a:lnSpc>
+                <a:spcPct val="120000"/>
+              </a:lnSpc>
+            </a:pPr>
+            <a:r>
+              <a:rPr lang="en-US" sz="900" dirty="0" smtClean="0">
+                <a:latin typeface="Lucida Sans" charset="0"/>
+                <a:ea typeface="Lucida Sans" charset="0"/>
+                <a:cs typeface="Lucida Sans" charset="0"/>
+              </a:rPr>
+              <a:t>Object orientation blackjack game written in Ruby and run in a terminal, complete with a simple AI dealer. Card drawing implementation designed to allow card counting.</a:t>
+            </a:r>
+          </a:p>
+          <a:p>
+            <a:pPr>
+              <a:lnSpc>
+                <a:spcPct val="120000"/>
+              </a:lnSpc>
+              <a:spcBef>
+                <a:spcPts val="300"/>
+              </a:spcBef>
+            </a:pPr>
+            <a:endParaRPr lang="en-US" sz="300" dirty="0" smtClean="0">
               <a:latin typeface="Lucida Sans" charset="0"/>
               <a:ea typeface="Lucida Sans" charset="0"/>
               <a:cs typeface="Lucida Sans" charset="0"/>
@@ -4531,13 +4898,42 @@
                 <a:spcPct val="150000"/>
               </a:lnSpc>
             </a:pPr>
-            <a:endParaRPr lang="en-US" sz="1000" dirty="0">
-              <a:solidFill>
-                <a:schemeClr val="tx1">
-                  <a:lumMod val="65000"/>
-                  <a:lumOff val="35000"/>
-                </a:schemeClr>
-              </a:solidFill>
+            <a:r>
+              <a:rPr lang="en-US" sz="1100" b="1" dirty="0" smtClean="0">
+                <a:solidFill>
+                  <a:srgbClr val="00B0F0"/>
+                </a:solidFill>
+                <a:latin typeface="Lucida Sans" charset="0"/>
+                <a:ea typeface="Lucida Sans" charset="0"/>
+                <a:cs typeface="Lucida Sans" charset="0"/>
+              </a:rPr>
+              <a:t>pyCalc</a:t>
+            </a:r>
+            <a:r>
+              <a:rPr lang="en-US" sz="1100" dirty="0" smtClean="0">
+                <a:latin typeface="Lucida Sans" charset="0"/>
+                <a:ea typeface="Lucida Sans" charset="0"/>
+                <a:cs typeface="Lucida Sans" charset="0"/>
+              </a:rPr>
+              <a:t> </a:t>
+            </a:r>
+            <a:r>
+              <a:rPr lang="en-US" sz="1100" dirty="0">
+                <a:latin typeface="Lucida Sans" charset="0"/>
+                <a:ea typeface="Lucida Sans" charset="0"/>
+                <a:cs typeface="Lucida Sans" charset="0"/>
+              </a:rPr>
+              <a:t>Personal, </a:t>
+            </a:r>
+            <a:r>
+              <a:rPr lang="en-US" sz="1100" dirty="0" smtClean="0">
+                <a:latin typeface="Lucida Sans" charset="0"/>
+                <a:ea typeface="Lucida Sans" charset="0"/>
+                <a:cs typeface="Lucida Sans" charset="0"/>
+              </a:rPr>
+              <a:t>Fall 2016</a:t>
+            </a:r>
+            <a:endParaRPr lang="en-US" sz="1100" dirty="0">
               <a:latin typeface="Lucida Sans" charset="0"/>
               <a:ea typeface="Lucida Sans" charset="0"/>
               <a:cs typeface="Lucida Sans" charset="0"/>
@@ -4546,578 +4942,151 @@
           <a:p>
             <a:pPr>
               <a:lnSpc>
-                <a:spcPct val="150000"/>
-              </a:lnSpc>
-            </a:pPr>
-            <a:endParaRPr lang="en-US" sz="1000" dirty="0" smtClean="0">
-              <a:solidFill>
-                <a:schemeClr val="tx1">
-                  <a:lumMod val="65000"/>
-                  <a:lumOff val="35000"/>
-                </a:schemeClr>
-              </a:solidFill>
+                <a:spcPct val="120000"/>
+              </a:lnSpc>
+            </a:pPr>
+            <a:r>
+              <a:rPr lang="en-US" sz="900" dirty="0" smtClean="0">
+                <a:latin typeface="Lucida Sans" charset="0"/>
+                <a:ea typeface="Lucida Sans" charset="0"/>
+                <a:cs typeface="Lucida Sans" charset="0"/>
+              </a:rPr>
+              <a:t>Python based graphing calculator that reads, evaluates, and graphs user input. Emphasis on Read-</a:t>
+            </a:r>
+            <a:r>
+              <a:rPr lang="en-US" sz="900" dirty="0" err="1" smtClean="0">
+                <a:latin typeface="Lucida Sans" charset="0"/>
+                <a:ea typeface="Lucida Sans" charset="0"/>
+                <a:cs typeface="Lucida Sans" charset="0"/>
+              </a:rPr>
+              <a:t>Evalv</a:t>
+            </a:r>
+            <a:r>
+              <a:rPr lang="en-US" sz="900" dirty="0" smtClean="0">
+                <a:latin typeface="Lucida Sans" charset="0"/>
+                <a:ea typeface="Lucida Sans" charset="0"/>
+                <a:cs typeface="Lucida Sans" charset="0"/>
+              </a:rPr>
+              <a:t>-Print Loops (REPL) and tree objects.</a:t>
+            </a:r>
+            <a:endParaRPr lang="en-US" sz="900" dirty="0">
               <a:latin typeface="Lucida Sans" charset="0"/>
               <a:ea typeface="Lucida Sans" charset="0"/>
               <a:cs typeface="Lucida Sans" charset="0"/>
             </a:endParaRPr>
           </a:p>
+        </p:txBody>
+      </p:sp>
+      <p:sp>
+        <p:nvSpPr>
+          <p:cNvPr id="18" name="TextBox 17"/>
+          <p:cNvSpPr txBox="1"/>
+          <p:nvPr/>
+        </p:nvSpPr>
+        <p:spPr>
+          <a:xfrm>
+            <a:off x="143993" y="169652"/>
+            <a:ext cx="3992578" cy="984885"/>
+          </a:xfrm>
+          <a:prstGeom prst="rect">
+            <a:avLst/>
+          </a:prstGeom>
+          <a:ln>
+            <a:noFill/>
+          </a:ln>
+        </p:spPr>
+        <p:style>
+          <a:lnRef idx="2">
+            <a:schemeClr val="accent2"/>
+          </a:lnRef>
+          <a:fillRef idx="1">
+            <a:schemeClr val="lt1"/>
+          </a:fillRef>
+          <a:effectRef idx="0">
+            <a:schemeClr val="accent2"/>
+          </a:effectRef>
+          <a:fontRef idx="minor">
+            <a:schemeClr val="dk1"/>
+          </a:fontRef>
+        </p:style>
+        <p:txBody>
+          <a:bodyPr wrap="square" rtlCol="0">
+            <a:spAutoFit/>
+          </a:bodyPr>
+          <a:lstStyle/>
+          <a:p>
+            <a:r>
+              <a:rPr lang="en-US" sz="2000" b="1" dirty="0" smtClean="0">
+                <a:solidFill>
+                  <a:srgbClr val="00B0F0"/>
+                </a:solidFill>
+                <a:latin typeface="Lucida Sans" charset="0"/>
+                <a:ea typeface="Lucida Sans" charset="0"/>
+                <a:cs typeface="Lucida Sans" charset="0"/>
+              </a:rPr>
+              <a:t>HANTAO</a:t>
+            </a:r>
+          </a:p>
+          <a:p>
+            <a:r>
+              <a:rPr lang="en-US" sz="2000" b="1" dirty="0" smtClean="0">
+                <a:latin typeface="Lucida Sans" charset="0"/>
+                <a:ea typeface="Lucida Sans" charset="0"/>
+                <a:cs typeface="Lucida Sans" charset="0"/>
+              </a:rPr>
+              <a:t>(WILL) </a:t>
+            </a:r>
+            <a:r>
+              <a:rPr lang="en-US" sz="2000" b="1" dirty="0" smtClean="0">
+                <a:solidFill>
+                  <a:srgbClr val="00B0F0"/>
+                </a:solidFill>
+                <a:latin typeface="Lucida Sans" charset="0"/>
+                <a:ea typeface="Lucida Sans" charset="0"/>
+                <a:cs typeface="Lucida Sans" charset="0"/>
+              </a:rPr>
+              <a:t>WANG</a:t>
+            </a:r>
+          </a:p>
           <a:p>
             <a:pPr>
               <a:lnSpc>
                 <a:spcPct val="150000"/>
               </a:lnSpc>
             </a:pPr>
-            <a:endParaRPr lang="en-US" sz="1000" dirty="0">
-              <a:solidFill>
-                <a:schemeClr val="tx1">
-                  <a:lumMod val="65000"/>
-                  <a:lumOff val="35000"/>
-                </a:schemeClr>
-              </a:solidFill>
+            <a:r>
+              <a:rPr lang="en-US" sz="1200" b="1" dirty="0" smtClean="0">
+                <a:latin typeface="Lucida Sans" charset="0"/>
+                <a:ea typeface="Lucida Sans" charset="0"/>
+                <a:cs typeface="Lucida Sans" charset="0"/>
+              </a:rPr>
+              <a:t>Part Time Developer, Full Time Debugger</a:t>
+            </a:r>
+            <a:endParaRPr lang="en-US" sz="1200" b="1" dirty="0">
               <a:latin typeface="Lucida Sans" charset="0"/>
               <a:ea typeface="Lucida Sans" charset="0"/>
               <a:cs typeface="Lucida Sans" charset="0"/>
             </a:endParaRPr>
           </a:p>
-          <a:p>
-            <a:pPr>
-              <a:lnSpc>
-                <a:spcPct val="150000"/>
-              </a:lnSpc>
-            </a:pPr>
-            <a:endParaRPr lang="en-US" sz="1000" dirty="0">
-              <a:solidFill>
-                <a:schemeClr val="tx1">
-                  <a:lumMod val="65000"/>
-                  <a:lumOff val="35000"/>
-                </a:schemeClr>
-              </a:solidFill>
-              <a:latin typeface="Lucida Sans" charset="0"/>
-              <a:ea typeface="Lucida Sans" charset="0"/>
-              <a:cs typeface="Lucida Sans" charset="0"/>
-            </a:endParaRPr>
-          </a:p>
-          <a:p>
-            <a:pPr>
-              <a:lnSpc>
-                <a:spcPct val="150000"/>
-              </a:lnSpc>
-            </a:pPr>
-            <a:endParaRPr lang="en-US" sz="600" dirty="0" smtClean="0">
-              <a:solidFill>
-                <a:schemeClr val="tx1">
-                  <a:lumMod val="65000"/>
-                  <a:lumOff val="35000"/>
-                </a:schemeClr>
-              </a:solidFill>
-              <a:latin typeface="Lucida Sans" charset="0"/>
-              <a:ea typeface="Lucida Sans" charset="0"/>
-              <a:cs typeface="Lucida Sans" charset="0"/>
-            </a:endParaRPr>
-          </a:p>
-          <a:p>
-            <a:pPr>
-              <a:lnSpc>
-                <a:spcPct val="150000"/>
-              </a:lnSpc>
-            </a:pPr>
-            <a:r>
-              <a:rPr lang="en-US" sz="1000" b="1" dirty="0" smtClean="0">
-                <a:latin typeface="Lucida Sans" charset="0"/>
-                <a:ea typeface="Lucida Sans" charset="0"/>
-                <a:cs typeface="Lucida Sans" charset="0"/>
-              </a:rPr>
-              <a:t>Applications	</a:t>
-            </a:r>
-            <a:r>
-              <a:rPr lang="en-US" sz="1000" b="1" dirty="0">
-                <a:latin typeface="Lucida Sans" charset="0"/>
-                <a:ea typeface="Lucida Sans" charset="0"/>
-                <a:cs typeface="Lucida Sans" charset="0"/>
-              </a:rPr>
-              <a:t> </a:t>
-            </a:r>
-            <a:r>
-              <a:rPr lang="en-US" sz="1000" b="1" dirty="0" smtClean="0">
-                <a:latin typeface="Lucida Sans" charset="0"/>
-                <a:ea typeface="Lucida Sans" charset="0"/>
-                <a:cs typeface="Lucida Sans" charset="0"/>
-              </a:rPr>
-              <a:t>              </a:t>
-            </a:r>
-            <a:r>
-              <a:rPr lang="en-US" sz="500" b="1" dirty="0" smtClean="0">
-                <a:latin typeface="Lucida Sans" charset="0"/>
-                <a:ea typeface="Lucida Sans" charset="0"/>
-                <a:cs typeface="Lucida Sans" charset="0"/>
-              </a:rPr>
-              <a:t> </a:t>
-            </a:r>
-            <a:r>
-              <a:rPr lang="en-US" sz="1000" b="1" dirty="0" smtClean="0">
-                <a:latin typeface="Lucida Sans" charset="0"/>
-                <a:ea typeface="Lucida Sans" charset="0"/>
-                <a:cs typeface="Lucida Sans" charset="0"/>
-              </a:rPr>
-              <a:t>Languages</a:t>
-            </a:r>
-            <a:endParaRPr lang="en-US" sz="1000" b="1" dirty="0">
-              <a:latin typeface="Lucida Sans" charset="0"/>
-              <a:ea typeface="Lucida Sans" charset="0"/>
-              <a:cs typeface="Lucida Sans" charset="0"/>
-            </a:endParaRPr>
-          </a:p>
-          <a:p>
-            <a:endParaRPr lang="en-US" sz="1000" dirty="0" smtClean="0">
-              <a:solidFill>
-                <a:schemeClr val="tx1">
-                  <a:lumMod val="65000"/>
-                  <a:lumOff val="35000"/>
-                </a:schemeClr>
-              </a:solidFill>
-              <a:latin typeface="Lucida Sans" charset="0"/>
-              <a:ea typeface="Lucida Sans" charset="0"/>
-              <a:cs typeface="Lucida Sans" charset="0"/>
-            </a:endParaRPr>
-          </a:p>
-        </p:txBody>
-      </p:sp>
-      <p:sp>
-        <p:nvSpPr>
-          <p:cNvPr id="30" name="Rectangle 29"/>
-          <p:cNvSpPr/>
-          <p:nvPr/>
-        </p:nvSpPr>
-        <p:spPr>
-          <a:xfrm>
-            <a:off x="221324" y="4453122"/>
-            <a:ext cx="1032710" cy="1015663"/>
-          </a:xfrm>
-          <a:prstGeom prst="rect">
-            <a:avLst/>
-          </a:prstGeom>
-        </p:spPr>
-        <p:txBody>
-          <a:bodyPr wrap="square">
-            <a:spAutoFit/>
-          </a:bodyPr>
-          <a:lstStyle/>
-          <a:p>
-            <a:pPr>
-              <a:lnSpc>
-                <a:spcPct val="150000"/>
-              </a:lnSpc>
-            </a:pPr>
-            <a:r>
-              <a:rPr lang="en-US" sz="1000" dirty="0">
-                <a:solidFill>
-                  <a:schemeClr val="tx1">
-                    <a:lumMod val="65000"/>
-                    <a:lumOff val="35000"/>
-                  </a:schemeClr>
-                </a:solidFill>
-                <a:latin typeface="Lucida Sans" charset="0"/>
-                <a:ea typeface="Lucida Sans" charset="0"/>
-                <a:cs typeface="Lucida Sans" charset="0"/>
-              </a:rPr>
-              <a:t>Python</a:t>
-            </a:r>
-          </a:p>
-          <a:p>
-            <a:pPr>
-              <a:lnSpc>
-                <a:spcPct val="150000"/>
-              </a:lnSpc>
-            </a:pPr>
-            <a:r>
-              <a:rPr lang="en-US" sz="1000" dirty="0">
-                <a:solidFill>
-                  <a:schemeClr val="tx1">
-                    <a:lumMod val="65000"/>
-                    <a:lumOff val="35000"/>
-                  </a:schemeClr>
-                </a:solidFill>
-                <a:latin typeface="Lucida Sans" charset="0"/>
-                <a:ea typeface="Lucida Sans" charset="0"/>
-                <a:cs typeface="Lucida Sans" charset="0"/>
-              </a:rPr>
-              <a:t>HTML</a:t>
-            </a:r>
-          </a:p>
-          <a:p>
-            <a:pPr>
-              <a:lnSpc>
-                <a:spcPct val="150000"/>
-              </a:lnSpc>
-            </a:pPr>
-            <a:r>
-              <a:rPr lang="en-US" sz="1000" dirty="0">
-                <a:solidFill>
-                  <a:schemeClr val="tx1">
-                    <a:lumMod val="65000"/>
-                    <a:lumOff val="35000"/>
-                  </a:schemeClr>
-                </a:solidFill>
-                <a:latin typeface="Lucida Sans" charset="0"/>
-                <a:ea typeface="Lucida Sans" charset="0"/>
-                <a:cs typeface="Lucida Sans" charset="0"/>
-              </a:rPr>
-              <a:t>CSS</a:t>
-            </a:r>
-          </a:p>
-          <a:p>
-            <a:pPr>
-              <a:lnSpc>
-                <a:spcPct val="150000"/>
-              </a:lnSpc>
-            </a:pPr>
-            <a:r>
-              <a:rPr lang="en-US" sz="1000" dirty="0" smtClean="0">
-                <a:solidFill>
-                  <a:schemeClr val="tx1">
-                    <a:lumMod val="65000"/>
-                    <a:lumOff val="35000"/>
-                  </a:schemeClr>
-                </a:solidFill>
-                <a:latin typeface="Lucida Sans" charset="0"/>
-                <a:ea typeface="Lucida Sans" charset="0"/>
-                <a:cs typeface="Lucida Sans" charset="0"/>
-              </a:rPr>
-              <a:t>JQuery</a:t>
-            </a:r>
-            <a:endParaRPr lang="en-US" sz="1000" dirty="0">
-              <a:solidFill>
-                <a:schemeClr val="tx1">
-                  <a:lumMod val="65000"/>
-                  <a:lumOff val="35000"/>
-                </a:schemeClr>
-              </a:solidFill>
-              <a:latin typeface="Lucida Sans" charset="0"/>
-              <a:ea typeface="Lucida Sans" charset="0"/>
-              <a:cs typeface="Lucida Sans" charset="0"/>
-            </a:endParaRPr>
-          </a:p>
-        </p:txBody>
-      </p:sp>
-      <p:sp>
-        <p:nvSpPr>
-          <p:cNvPr id="31" name="Rectangle 30"/>
-          <p:cNvSpPr/>
-          <p:nvPr/>
-        </p:nvSpPr>
-        <p:spPr>
-          <a:xfrm>
-            <a:off x="1441442" y="4461633"/>
-            <a:ext cx="1032710" cy="1015663"/>
-          </a:xfrm>
-          <a:prstGeom prst="rect">
-            <a:avLst/>
-          </a:prstGeom>
-        </p:spPr>
-        <p:txBody>
-          <a:bodyPr wrap="square">
-            <a:spAutoFit/>
-          </a:bodyPr>
-          <a:lstStyle/>
-          <a:p>
-            <a:pPr>
-              <a:lnSpc>
-                <a:spcPct val="150000"/>
-              </a:lnSpc>
-            </a:pPr>
-            <a:r>
-              <a:rPr lang="en-US" sz="1000" dirty="0" smtClean="0">
-                <a:solidFill>
-                  <a:schemeClr val="tx1">
-                    <a:lumMod val="65000"/>
-                    <a:lumOff val="35000"/>
-                  </a:schemeClr>
-                </a:solidFill>
-                <a:latin typeface="Lucida Sans" charset="0"/>
-                <a:ea typeface="Lucida Sans" charset="0"/>
-                <a:cs typeface="Lucida Sans" charset="0"/>
-              </a:rPr>
-              <a:t>Java</a:t>
-            </a:r>
-            <a:endParaRPr lang="en-US" sz="1000" dirty="0">
-              <a:solidFill>
-                <a:schemeClr val="tx1">
-                  <a:lumMod val="65000"/>
-                  <a:lumOff val="35000"/>
-                </a:schemeClr>
-              </a:solidFill>
-              <a:latin typeface="Lucida Sans" charset="0"/>
-              <a:ea typeface="Lucida Sans" charset="0"/>
-              <a:cs typeface="Lucida Sans" charset="0"/>
-            </a:endParaRPr>
-          </a:p>
-          <a:p>
-            <a:pPr>
-              <a:lnSpc>
-                <a:spcPct val="150000"/>
-              </a:lnSpc>
-            </a:pPr>
-            <a:r>
-              <a:rPr lang="en-US" sz="1000" dirty="0" smtClean="0">
-                <a:solidFill>
-                  <a:schemeClr val="tx1">
-                    <a:lumMod val="65000"/>
-                    <a:lumOff val="35000"/>
-                  </a:schemeClr>
-                </a:solidFill>
-                <a:latin typeface="Lucida Sans" charset="0"/>
-                <a:ea typeface="Lucida Sans" charset="0"/>
-                <a:cs typeface="Lucida Sans" charset="0"/>
-              </a:rPr>
-              <a:t>Ruby</a:t>
-            </a:r>
-            <a:endParaRPr lang="en-US" sz="1000" dirty="0">
-              <a:solidFill>
-                <a:schemeClr val="tx1">
-                  <a:lumMod val="65000"/>
-                  <a:lumOff val="35000"/>
-                </a:schemeClr>
-              </a:solidFill>
-              <a:latin typeface="Lucida Sans" charset="0"/>
-              <a:ea typeface="Lucida Sans" charset="0"/>
-              <a:cs typeface="Lucida Sans" charset="0"/>
-            </a:endParaRPr>
-          </a:p>
-          <a:p>
-            <a:pPr>
-              <a:lnSpc>
-                <a:spcPct val="150000"/>
-              </a:lnSpc>
-            </a:pPr>
-            <a:r>
-              <a:rPr lang="en-US" sz="1000" dirty="0" smtClean="0">
-                <a:solidFill>
-                  <a:schemeClr val="tx1">
-                    <a:lumMod val="65000"/>
-                    <a:lumOff val="35000"/>
-                  </a:schemeClr>
-                </a:solidFill>
-                <a:latin typeface="Lucida Sans" charset="0"/>
-                <a:ea typeface="Lucida Sans" charset="0"/>
-                <a:cs typeface="Lucida Sans" charset="0"/>
-              </a:rPr>
-              <a:t>Scheme</a:t>
-            </a:r>
-            <a:endParaRPr lang="en-US" sz="1000" dirty="0">
-              <a:solidFill>
-                <a:schemeClr val="tx1">
-                  <a:lumMod val="65000"/>
-                  <a:lumOff val="35000"/>
-                </a:schemeClr>
-              </a:solidFill>
-              <a:latin typeface="Lucida Sans" charset="0"/>
-              <a:ea typeface="Lucida Sans" charset="0"/>
-              <a:cs typeface="Lucida Sans" charset="0"/>
-            </a:endParaRPr>
-          </a:p>
-          <a:p>
-            <a:pPr>
-              <a:lnSpc>
-                <a:spcPct val="150000"/>
-              </a:lnSpc>
-            </a:pPr>
-            <a:r>
-              <a:rPr lang="en-US" sz="1000" dirty="0" smtClean="0">
-                <a:solidFill>
-                  <a:schemeClr val="tx1">
-                    <a:lumMod val="65000"/>
-                    <a:lumOff val="35000"/>
-                  </a:schemeClr>
-                </a:solidFill>
-                <a:latin typeface="Lucida Sans" charset="0"/>
-                <a:ea typeface="Lucida Sans" charset="0"/>
-                <a:cs typeface="Lucida Sans" charset="0"/>
-              </a:rPr>
-              <a:t>SQL</a:t>
-            </a:r>
-            <a:endParaRPr lang="en-US" sz="1000" dirty="0">
-              <a:solidFill>
-                <a:schemeClr val="tx1">
-                  <a:lumMod val="65000"/>
-                  <a:lumOff val="35000"/>
-                </a:schemeClr>
-              </a:solidFill>
-              <a:latin typeface="Lucida Sans" charset="0"/>
-              <a:ea typeface="Lucida Sans" charset="0"/>
-              <a:cs typeface="Lucida Sans" charset="0"/>
-            </a:endParaRPr>
-          </a:p>
-        </p:txBody>
-      </p:sp>
-      <p:sp>
-        <p:nvSpPr>
-          <p:cNvPr id="32" name="Rectangle 31"/>
-          <p:cNvSpPr/>
-          <p:nvPr/>
-        </p:nvSpPr>
-        <p:spPr>
-          <a:xfrm>
-            <a:off x="207878" y="5736450"/>
-            <a:ext cx="1032710" cy="1015663"/>
-          </a:xfrm>
-          <a:prstGeom prst="rect">
-            <a:avLst/>
-          </a:prstGeom>
-        </p:spPr>
-        <p:txBody>
-          <a:bodyPr wrap="square">
-            <a:spAutoFit/>
-          </a:bodyPr>
-          <a:lstStyle/>
-          <a:p>
-            <a:pPr>
-              <a:lnSpc>
-                <a:spcPct val="150000"/>
-              </a:lnSpc>
-            </a:pPr>
-            <a:r>
-              <a:rPr lang="en-US" sz="1000" dirty="0" smtClean="0">
-                <a:solidFill>
-                  <a:schemeClr val="tx1">
-                    <a:lumMod val="65000"/>
-                    <a:lumOff val="35000"/>
-                  </a:schemeClr>
-                </a:solidFill>
-                <a:latin typeface="Lucida Sans" charset="0"/>
-                <a:ea typeface="Lucida Sans" charset="0"/>
-                <a:cs typeface="Lucida Sans" charset="0"/>
-              </a:rPr>
-              <a:t>AutoCAD</a:t>
-            </a:r>
-            <a:endParaRPr lang="en-US" sz="1000" dirty="0">
-              <a:solidFill>
-                <a:schemeClr val="tx1">
-                  <a:lumMod val="65000"/>
-                  <a:lumOff val="35000"/>
-                </a:schemeClr>
-              </a:solidFill>
-              <a:latin typeface="Lucida Sans" charset="0"/>
-              <a:ea typeface="Lucida Sans" charset="0"/>
-              <a:cs typeface="Lucida Sans" charset="0"/>
-            </a:endParaRPr>
-          </a:p>
-          <a:p>
-            <a:pPr>
-              <a:lnSpc>
-                <a:spcPct val="150000"/>
-              </a:lnSpc>
-            </a:pPr>
-            <a:r>
-              <a:rPr lang="en-US" sz="1000" dirty="0" smtClean="0">
-                <a:solidFill>
-                  <a:schemeClr val="tx1">
-                    <a:lumMod val="65000"/>
-                    <a:lumOff val="35000"/>
-                  </a:schemeClr>
-                </a:solidFill>
-                <a:latin typeface="Lucida Sans" charset="0"/>
-                <a:ea typeface="Lucida Sans" charset="0"/>
-                <a:cs typeface="Lucida Sans" charset="0"/>
-              </a:rPr>
-              <a:t>Inventor</a:t>
-            </a:r>
-            <a:endParaRPr lang="en-US" sz="1000" dirty="0">
-              <a:solidFill>
-                <a:schemeClr val="tx1">
-                  <a:lumMod val="65000"/>
-                  <a:lumOff val="35000"/>
-                </a:schemeClr>
-              </a:solidFill>
-              <a:latin typeface="Lucida Sans" charset="0"/>
-              <a:ea typeface="Lucida Sans" charset="0"/>
-              <a:cs typeface="Lucida Sans" charset="0"/>
-            </a:endParaRPr>
-          </a:p>
-          <a:p>
-            <a:pPr>
-              <a:lnSpc>
-                <a:spcPct val="150000"/>
-              </a:lnSpc>
-            </a:pPr>
-            <a:r>
-              <a:rPr lang="en-US" sz="1000" dirty="0" smtClean="0">
-                <a:solidFill>
-                  <a:schemeClr val="tx1">
-                    <a:lumMod val="65000"/>
-                    <a:lumOff val="35000"/>
-                  </a:schemeClr>
-                </a:solidFill>
-                <a:latin typeface="Lucida Sans" charset="0"/>
-                <a:ea typeface="Lucida Sans" charset="0"/>
-                <a:cs typeface="Lucida Sans" charset="0"/>
-              </a:rPr>
-              <a:t>Solidworks</a:t>
-            </a:r>
-            <a:endParaRPr lang="en-US" sz="1000" dirty="0">
-              <a:solidFill>
-                <a:schemeClr val="tx1">
-                  <a:lumMod val="65000"/>
-                  <a:lumOff val="35000"/>
-                </a:schemeClr>
-              </a:solidFill>
-              <a:latin typeface="Lucida Sans" charset="0"/>
-              <a:ea typeface="Lucida Sans" charset="0"/>
-              <a:cs typeface="Lucida Sans" charset="0"/>
-            </a:endParaRPr>
-          </a:p>
-          <a:p>
-            <a:pPr>
-              <a:lnSpc>
-                <a:spcPct val="150000"/>
-              </a:lnSpc>
-            </a:pPr>
-            <a:r>
-              <a:rPr lang="en-US" sz="1000" dirty="0" smtClean="0">
-                <a:solidFill>
-                  <a:schemeClr val="tx1">
-                    <a:lumMod val="65000"/>
-                    <a:lumOff val="35000"/>
-                  </a:schemeClr>
-                </a:solidFill>
-                <a:latin typeface="Lucida Sans" charset="0"/>
-                <a:ea typeface="Lucida Sans" charset="0"/>
-                <a:cs typeface="Lucida Sans" charset="0"/>
-              </a:rPr>
-              <a:t>Final Cut Pro</a:t>
-            </a:r>
-            <a:endParaRPr lang="en-US" sz="1000" dirty="0">
-              <a:solidFill>
-                <a:schemeClr val="tx1">
-                  <a:lumMod val="65000"/>
-                  <a:lumOff val="35000"/>
-                </a:schemeClr>
-              </a:solidFill>
-              <a:latin typeface="Lucida Sans" charset="0"/>
-              <a:ea typeface="Lucida Sans" charset="0"/>
-              <a:cs typeface="Lucida Sans" charset="0"/>
-            </a:endParaRPr>
-          </a:p>
         </p:txBody>
       </p:sp>
       <p:cxnSp>
         <p:nvCxnSpPr>
-          <p:cNvPr id="35" name="Straight Connector 34"/>
+          <p:cNvPr id="19" name="Straight Connector 18"/>
           <p:cNvCxnSpPr/>
           <p:nvPr/>
         </p:nvCxnSpPr>
         <p:spPr>
           <a:xfrm>
-            <a:off x="168178" y="6801933"/>
+            <a:off x="207878" y="1183904"/>
             <a:ext cx="6442244" cy="0"/>
           </a:xfrm>
           <a:prstGeom prst="line">
             <a:avLst/>
           </a:prstGeom>
-          <a:ln w="12700">
+          <a:ln w="15240">
             <a:solidFill>
-              <a:schemeClr val="bg1">
-                <a:lumMod val="65000"/>
-              </a:schemeClr>
+              <a:srgbClr val="00B0F0"/>
             </a:solidFill>
           </a:ln>
         </p:spPr>
@@ -5138,32 +5107,44 @@
       </p:cxnSp>
       <p:sp>
         <p:nvSpPr>
-          <p:cNvPr id="41" name="Rectangle 40"/>
-          <p:cNvSpPr/>
+          <p:cNvPr id="20" name="TextBox 19"/>
+          <p:cNvSpPr txBox="1"/>
           <p:nvPr/>
         </p:nvSpPr>
         <p:spPr>
           <a:xfrm>
-            <a:off x="1778739" y="5690131"/>
-            <a:ext cx="1469277" cy="784830"/>
+            <a:off x="3190884" y="222190"/>
+            <a:ext cx="3527614" cy="906595"/>
           </a:xfrm>
           <a:prstGeom prst="rect">
             <a:avLst/>
           </a:prstGeom>
+          <a:noFill/>
         </p:spPr>
         <p:txBody>
-          <a:bodyPr wrap="square">
+          <a:bodyPr wrap="square" rtlCol="0" anchor="b">
             <a:spAutoFit/>
           </a:bodyPr>
           <a:lstStyle/>
           <a:p>
-            <a:pPr>
-              <a:lnSpc>
-                <a:spcPct val="150000"/>
-              </a:lnSpc>
-            </a:pPr>
-            <a:r>
-              <a:rPr lang="en-US" sz="1000" dirty="0" smtClean="0">
+            <a:pPr algn="r">
+              <a:lnSpc>
+                <a:spcPct val="120000"/>
+              </a:lnSpc>
+            </a:pPr>
+            <a:r>
+              <a:rPr lang="en-US" sz="900" dirty="0" smtClean="0">
+                <a:solidFill>
+                  <a:srgbClr val="00B0F0"/>
+                </a:solidFill>
+                <a:latin typeface="Lucida Sans" charset="0"/>
+                <a:ea typeface="Lucida Sans" charset="0"/>
+                <a:cs typeface="Lucida Sans" charset="0"/>
+              </a:rPr>
+              <a:t>website</a:t>
+            </a:r>
+            <a:r>
+              <a:rPr lang="en-US" sz="900" dirty="0" smtClean="0">
                 <a:solidFill>
                   <a:schemeClr val="tx1">
                     <a:lumMod val="65000"/>
@@ -5174,28 +5155,47 @@
                 <a:ea typeface="Lucida Sans" charset="0"/>
                 <a:cs typeface="Lucida Sans" charset="0"/>
               </a:rPr>
-              <a:t>English</a:t>
-            </a:r>
-            <a:endParaRPr lang="en-US" sz="1000" dirty="0">
-              <a:solidFill>
-                <a:schemeClr val="tx1">
-                  <a:lumMod val="65000"/>
-                  <a:lumOff val="35000"/>
-                </a:schemeClr>
-              </a:solidFill>
-              <a:latin typeface="Lucida Sans" charset="0"/>
-              <a:ea typeface="Lucida Sans" charset="0"/>
-              <a:cs typeface="Lucida Sans" charset="0"/>
-            </a:endParaRPr>
-          </a:p>
-          <a:p>
-            <a:pPr>
-              <a:lnSpc>
-                <a:spcPct val="150000"/>
-              </a:lnSpc>
-            </a:pPr>
-            <a:r>
-              <a:rPr lang="en-US" sz="1000" dirty="0" smtClean="0">
+              <a:t>: </a:t>
+            </a:r>
+            <a:r>
+              <a:rPr lang="en-US" sz="900" dirty="0" smtClean="0">
+                <a:latin typeface="Lucida Sans" charset="0"/>
+                <a:ea typeface="Lucida Sans" charset="0"/>
+                <a:cs typeface="Lucida Sans" charset="0"/>
+              </a:rPr>
+              <a:t>hantaowang.me</a:t>
+            </a:r>
+          </a:p>
+          <a:p>
+            <a:pPr algn="r">
+              <a:lnSpc>
+                <a:spcPct val="120000"/>
+              </a:lnSpc>
+            </a:pPr>
+            <a:r>
+              <a:rPr lang="en-US" sz="900" dirty="0">
+                <a:solidFill>
+                  <a:srgbClr val="00B0F0"/>
+                </a:solidFill>
+                <a:latin typeface="Lucida Sans" charset="0"/>
+                <a:ea typeface="Lucida Sans" charset="0"/>
+                <a:cs typeface="Lucida Sans" charset="0"/>
+              </a:rPr>
+              <a:t>e</a:t>
+            </a:r>
+            <a:r>
+              <a:rPr lang="en-US" sz="900" dirty="0" smtClean="0">
+                <a:solidFill>
+                  <a:srgbClr val="00B0F0"/>
+                </a:solidFill>
+                <a:latin typeface="Lucida Sans" charset="0"/>
+                <a:ea typeface="Lucida Sans" charset="0"/>
+                <a:cs typeface="Lucida Sans" charset="0"/>
+              </a:rPr>
+              <a:t>mail</a:t>
+            </a:r>
+            <a:r>
+              <a:rPr lang="en-US" sz="900" dirty="0" smtClean="0">
                 <a:solidFill>
                   <a:schemeClr val="tx1">
                     <a:lumMod val="65000"/>
@@ -5206,28 +5206,47 @@
                 <a:ea typeface="Lucida Sans" charset="0"/>
                 <a:cs typeface="Lucida Sans" charset="0"/>
               </a:rPr>
-              <a:t>Chinese (Mandarin)</a:t>
-            </a:r>
-            <a:endParaRPr lang="en-US" sz="1000" dirty="0">
-              <a:solidFill>
-                <a:schemeClr val="tx1">
-                  <a:lumMod val="65000"/>
-                  <a:lumOff val="35000"/>
-                </a:schemeClr>
-              </a:solidFill>
-              <a:latin typeface="Lucida Sans" charset="0"/>
-              <a:ea typeface="Lucida Sans" charset="0"/>
-              <a:cs typeface="Lucida Sans" charset="0"/>
-            </a:endParaRPr>
-          </a:p>
-          <a:p>
-            <a:pPr>
-              <a:lnSpc>
-                <a:spcPct val="150000"/>
-              </a:lnSpc>
-            </a:pPr>
-            <a:r>
-              <a:rPr lang="en-US" sz="1000" dirty="0" smtClean="0">
+              <a:t>: </a:t>
+            </a:r>
+            <a:r>
+              <a:rPr lang="en-US" sz="900" dirty="0" smtClean="0">
+                <a:latin typeface="Lucida Sans" charset="0"/>
+                <a:ea typeface="Lucida Sans" charset="0"/>
+                <a:cs typeface="Lucida Sans" charset="0"/>
+              </a:rPr>
+              <a:t>hwang97@berkeley.edu</a:t>
+            </a:r>
+          </a:p>
+          <a:p>
+            <a:pPr algn="r">
+              <a:lnSpc>
+                <a:spcPct val="120000"/>
+              </a:lnSpc>
+            </a:pPr>
+            <a:r>
+              <a:rPr lang="en-US" sz="900" dirty="0">
+                <a:solidFill>
+                  <a:srgbClr val="00B0F0"/>
+                </a:solidFill>
+                <a:latin typeface="Lucida Sans" charset="0"/>
+                <a:ea typeface="Lucida Sans" charset="0"/>
+                <a:cs typeface="Lucida Sans" charset="0"/>
+              </a:rPr>
+              <a:t>c</a:t>
+            </a:r>
+            <a:r>
+              <a:rPr lang="en-US" sz="900" dirty="0" smtClean="0">
+                <a:solidFill>
+                  <a:srgbClr val="00B0F0"/>
+                </a:solidFill>
+                <a:latin typeface="Lucida Sans" charset="0"/>
+                <a:ea typeface="Lucida Sans" charset="0"/>
+                <a:cs typeface="Lucida Sans" charset="0"/>
+              </a:rPr>
+              <a:t>ell</a:t>
+            </a:r>
+            <a:r>
+              <a:rPr lang="en-US" sz="900" dirty="0" smtClean="0">
                 <a:solidFill>
                   <a:schemeClr val="tx1">
                     <a:lumMod val="65000"/>
@@ -5238,79 +5257,36 @@
                 <a:ea typeface="Lucida Sans" charset="0"/>
                 <a:cs typeface="Lucida Sans" charset="0"/>
               </a:rPr>
-              <a:t>Spanish</a:t>
-            </a:r>
-            <a:endParaRPr lang="en-US" sz="1000" dirty="0">
-              <a:solidFill>
-                <a:schemeClr val="tx1">
-                  <a:lumMod val="65000"/>
-                  <a:lumOff val="35000"/>
-                </a:schemeClr>
-              </a:solidFill>
-              <a:latin typeface="Lucida Sans" charset="0"/>
-              <a:ea typeface="Lucida Sans" charset="0"/>
-              <a:cs typeface="Lucida Sans" charset="0"/>
-            </a:endParaRPr>
-          </a:p>
-        </p:txBody>
-      </p:sp>
-      <p:sp>
-        <p:nvSpPr>
-          <p:cNvPr id="42" name="TextBox 41"/>
-          <p:cNvSpPr txBox="1"/>
-          <p:nvPr/>
-        </p:nvSpPr>
-        <p:spPr>
-          <a:xfrm>
-            <a:off x="168178" y="6831301"/>
-            <a:ext cx="3221122" cy="2077492"/>
-          </a:xfrm>
-          <a:prstGeom prst="rect">
-            <a:avLst/>
-          </a:prstGeom>
-          <a:noFill/>
-        </p:spPr>
-        <p:txBody>
-          <a:bodyPr wrap="square" rtlCol="0">
-            <a:spAutoFit/>
-          </a:bodyPr>
-          <a:lstStyle/>
-          <a:p>
-            <a:pPr>
-              <a:lnSpc>
-                <a:spcPct val="150000"/>
-              </a:lnSpc>
-            </a:pPr>
-            <a:r>
-              <a:rPr lang="en-US" sz="1400" b="1" dirty="0" smtClean="0">
-                <a:latin typeface="Lucida Sans" charset="0"/>
-                <a:ea typeface="Lucida Sans" charset="0"/>
-                <a:cs typeface="Lucida Sans" charset="0"/>
-              </a:rPr>
-              <a:t>Projects</a:t>
-            </a:r>
-            <a:endParaRPr lang="en-US" sz="2000" b="1" dirty="0" smtClean="0">
-              <a:latin typeface="Lucida Sans" charset="0"/>
-              <a:ea typeface="Lucida Sans" charset="0"/>
-              <a:cs typeface="Lucida Sans" charset="0"/>
-            </a:endParaRPr>
-          </a:p>
-          <a:p>
-            <a:pPr>
-              <a:lnSpc>
-                <a:spcPct val="150000"/>
-              </a:lnSpc>
-            </a:pPr>
-            <a:r>
-              <a:rPr lang="en-US" sz="1000" b="1" dirty="0" smtClean="0">
-                <a:latin typeface="Lucida Sans" charset="0"/>
-                <a:ea typeface="Lucida Sans" charset="0"/>
-                <a:cs typeface="Lucida Sans" charset="0"/>
-              </a:rPr>
-              <a:t>Scheme Interpreter </a:t>
-            </a:r>
-            <a:r>
-              <a:rPr lang="en-US" sz="1000" dirty="0" smtClean="0">
+              <a:t>: </a:t>
+            </a:r>
+            <a:r>
+              <a:rPr lang="en-US" sz="900" dirty="0" smtClean="0">
+                <a:latin typeface="Lucida Sans" charset="0"/>
+                <a:ea typeface="Lucida Sans" charset="0"/>
+                <a:cs typeface="Lucida Sans" charset="0"/>
+              </a:rPr>
+              <a:t>(310)-293-4575</a:t>
+            </a:r>
+          </a:p>
+          <a:p>
+            <a:pPr algn="r">
+              <a:lnSpc>
+                <a:spcPct val="120000"/>
+              </a:lnSpc>
+            </a:pPr>
+            <a:r>
+              <a:rPr lang="en-US" sz="900" dirty="0" smtClean="0">
+                <a:solidFill>
+                  <a:srgbClr val="00B0F0"/>
+                </a:solidFill>
+                <a:latin typeface="Lucida Sans" charset="0"/>
+                <a:ea typeface="Lucida Sans" charset="0"/>
+                <a:cs typeface="Lucida Sans" charset="0"/>
+              </a:rPr>
+              <a:t>address</a:t>
+            </a:r>
+            <a:r>
+              <a:rPr lang="en-US" sz="900" dirty="0" smtClean="0">
                 <a:solidFill>
                   <a:schemeClr val="tx1">
                     <a:lumMod val="65000"/>
@@ -5321,353 +5297,55 @@
                 <a:ea typeface="Lucida Sans" charset="0"/>
                 <a:cs typeface="Lucida Sans" charset="0"/>
               </a:rPr>
-              <a:t>CS 61A, Fall 2016</a:t>
-            </a:r>
-          </a:p>
-          <a:p>
-            <a:pPr>
+              <a:t>: </a:t>
+            </a:r>
+            <a:r>
+              <a:rPr lang="en-US" sz="900" dirty="0" smtClean="0">
+                <a:latin typeface="Lucida Sans" charset="0"/>
+                <a:ea typeface="Lucida Sans" charset="0"/>
+                <a:cs typeface="Lucida Sans" charset="0"/>
+              </a:rPr>
+              <a:t>4022 W 232</a:t>
+            </a:r>
+            <a:r>
+              <a:rPr lang="en-US" sz="900" baseline="30000" dirty="0" smtClean="0">
+                <a:latin typeface="Lucida Sans" charset="0"/>
+                <a:ea typeface="Lucida Sans" charset="0"/>
+                <a:cs typeface="Lucida Sans" charset="0"/>
+              </a:rPr>
+              <a:t>nd</a:t>
+            </a:r>
+            <a:r>
+              <a:rPr lang="en-US" sz="900" dirty="0">
+                <a:latin typeface="Lucida Sans" charset="0"/>
+                <a:ea typeface="Lucida Sans" charset="0"/>
+                <a:cs typeface="Lucida Sans" charset="0"/>
+              </a:rPr>
+              <a:t> </a:t>
+            </a:r>
+            <a:r>
+              <a:rPr lang="en-US" sz="900" dirty="0" smtClean="0">
+                <a:latin typeface="Lucida Sans" charset="0"/>
+                <a:ea typeface="Lucida Sans" charset="0"/>
+                <a:cs typeface="Lucida Sans" charset="0"/>
+              </a:rPr>
+              <a:t>St, </a:t>
+            </a:r>
+          </a:p>
+          <a:p>
+            <a:pPr algn="r">
               <a:lnSpc>
                 <a:spcPct val="120000"/>
               </a:lnSpc>
             </a:pPr>
             <a:r>
-              <a:rPr lang="en-US" sz="1000" dirty="0" smtClean="0">
-                <a:solidFill>
-                  <a:schemeClr val="tx1">
-                    <a:lumMod val="65000"/>
-                    <a:lumOff val="35000"/>
-                  </a:schemeClr>
-                </a:solidFill>
-                <a:latin typeface="Lucida Sans" charset="0"/>
-                <a:ea typeface="Lucida Sans" charset="0"/>
-                <a:cs typeface="Lucida Sans" charset="0"/>
-              </a:rPr>
-              <a:t>Interactive Interpreter that reads and executes user input in Scheme, a dialect of Lisp. Project is written in Python and focuses on Object Orientated Programming and environments.</a:t>
-            </a:r>
-          </a:p>
-          <a:p>
-            <a:pPr>
-              <a:lnSpc>
-                <a:spcPct val="120000"/>
-              </a:lnSpc>
-            </a:pPr>
-            <a:endParaRPr lang="en-US" sz="500" dirty="0" smtClean="0">
-              <a:solidFill>
-                <a:schemeClr val="tx1">
-                  <a:lumMod val="65000"/>
-                  <a:lumOff val="35000"/>
-                </a:schemeClr>
-              </a:solidFill>
-              <a:latin typeface="Lucida Sans" charset="0"/>
-              <a:ea typeface="Lucida Sans" charset="0"/>
-              <a:cs typeface="Lucida Sans" charset="0"/>
-            </a:endParaRPr>
-          </a:p>
-          <a:p>
-            <a:pPr>
-              <a:lnSpc>
-                <a:spcPct val="150000"/>
-              </a:lnSpc>
-            </a:pPr>
-            <a:r>
-              <a:rPr lang="en-US" sz="1000" b="1" dirty="0">
-                <a:latin typeface="Lucida Sans" charset="0"/>
-                <a:ea typeface="Lucida Sans" charset="0"/>
-                <a:cs typeface="Lucida Sans" charset="0"/>
-              </a:rPr>
-              <a:t>h</a:t>
-            </a:r>
-            <a:r>
-              <a:rPr lang="en-US" sz="1000" b="1" dirty="0" smtClean="0">
-                <a:latin typeface="Lucida Sans" charset="0"/>
-                <a:ea typeface="Lucida Sans" charset="0"/>
-                <a:cs typeface="Lucida Sans" charset="0"/>
-              </a:rPr>
-              <a:t>antaowang.me </a:t>
-            </a:r>
-            <a:r>
-              <a:rPr lang="en-US" sz="1000" dirty="0" smtClean="0">
-                <a:solidFill>
-                  <a:schemeClr val="tx1">
-                    <a:lumMod val="65000"/>
-                    <a:lumOff val="35000"/>
-                  </a:schemeClr>
-                </a:solidFill>
-                <a:latin typeface="Lucida Sans" charset="0"/>
-                <a:ea typeface="Lucida Sans" charset="0"/>
-                <a:cs typeface="Lucida Sans" charset="0"/>
-              </a:rPr>
-              <a:t>Personal, Winter 2016</a:t>
-            </a:r>
-          </a:p>
-          <a:p>
-            <a:pPr>
-              <a:lnSpc>
-                <a:spcPct val="120000"/>
-              </a:lnSpc>
-            </a:pPr>
-            <a:r>
-              <a:rPr lang="en-US" sz="1000" dirty="0" smtClean="0">
-                <a:solidFill>
-                  <a:schemeClr val="tx1">
-                    <a:lumMod val="65000"/>
-                    <a:lumOff val="35000"/>
-                  </a:schemeClr>
-                </a:solidFill>
-                <a:latin typeface="Lucida Sans" charset="0"/>
-                <a:ea typeface="Lucida Sans" charset="0"/>
-                <a:cs typeface="Lucida Sans" charset="0"/>
-              </a:rPr>
-              <a:t>Professional website written in HTML, CSS, and JQuery.</a:t>
-            </a:r>
-          </a:p>
-        </p:txBody>
-      </p:sp>
-      <p:sp>
-        <p:nvSpPr>
-          <p:cNvPr id="43" name="TextBox 42"/>
-          <p:cNvSpPr txBox="1"/>
-          <p:nvPr/>
-        </p:nvSpPr>
-        <p:spPr>
-          <a:xfrm>
-            <a:off x="3490623" y="6801933"/>
-            <a:ext cx="3221122" cy="2263697"/>
-          </a:xfrm>
-          <a:prstGeom prst="rect">
-            <a:avLst/>
-          </a:prstGeom>
-          <a:noFill/>
-        </p:spPr>
-        <p:txBody>
-          <a:bodyPr wrap="square" rtlCol="0">
-            <a:spAutoFit/>
-          </a:bodyPr>
-          <a:lstStyle/>
-          <a:p>
-            <a:pPr>
-              <a:lnSpc>
-                <a:spcPct val="150000"/>
-              </a:lnSpc>
-            </a:pPr>
-            <a:r>
-              <a:rPr lang="en-US" sz="1400" b="1" dirty="0" smtClean="0">
-                <a:latin typeface="Lucida Sans" charset="0"/>
-                <a:ea typeface="Lucida Sans" charset="0"/>
-                <a:cs typeface="Lucida Sans" charset="0"/>
-              </a:rPr>
-              <a:t> </a:t>
-            </a:r>
-            <a:endParaRPr lang="en-US" sz="2000" b="1" dirty="0" smtClean="0">
-              <a:latin typeface="Lucida Sans" charset="0"/>
-              <a:ea typeface="Lucida Sans" charset="0"/>
-              <a:cs typeface="Lucida Sans" charset="0"/>
-            </a:endParaRPr>
-          </a:p>
-          <a:p>
-            <a:pPr>
-              <a:lnSpc>
-                <a:spcPct val="150000"/>
-              </a:lnSpc>
-            </a:pPr>
-            <a:r>
-              <a:rPr lang="en-US" sz="1000" b="1" dirty="0" smtClean="0">
-                <a:latin typeface="Lucida Sans" charset="0"/>
-                <a:ea typeface="Lucida Sans" charset="0"/>
-                <a:cs typeface="Lucida Sans" charset="0"/>
-              </a:rPr>
-              <a:t>Ruby Blackjack </a:t>
-            </a:r>
-            <a:r>
-              <a:rPr lang="en-US" sz="1000" dirty="0" smtClean="0">
-                <a:solidFill>
-                  <a:schemeClr val="tx1">
-                    <a:lumMod val="65000"/>
-                    <a:lumOff val="35000"/>
-                  </a:schemeClr>
-                </a:solidFill>
-                <a:latin typeface="Lucida Sans" charset="0"/>
-                <a:ea typeface="Lucida Sans" charset="0"/>
-                <a:cs typeface="Lucida Sans" charset="0"/>
-              </a:rPr>
-              <a:t>Personal, Winter 2016</a:t>
-            </a:r>
-          </a:p>
-          <a:p>
-            <a:pPr>
-              <a:lnSpc>
-                <a:spcPct val="120000"/>
-              </a:lnSpc>
-            </a:pPr>
-            <a:r>
-              <a:rPr lang="en-US" sz="1000" dirty="0" smtClean="0">
-                <a:solidFill>
-                  <a:schemeClr val="tx1">
-                    <a:lumMod val="65000"/>
-                    <a:lumOff val="35000"/>
-                  </a:schemeClr>
-                </a:solidFill>
-                <a:latin typeface="Lucida Sans" charset="0"/>
-                <a:ea typeface="Lucida Sans" charset="0"/>
-                <a:cs typeface="Lucida Sans" charset="0"/>
-              </a:rPr>
-              <a:t>Object orientation blackjack game written in Ruby and run in a terminal, complete with a simple AI dealer. Card drawing implementation designed to allow card counting.</a:t>
-            </a:r>
-          </a:p>
-          <a:p>
-            <a:pPr>
-              <a:lnSpc>
-                <a:spcPct val="120000"/>
-              </a:lnSpc>
-              <a:spcBef>
-                <a:spcPts val="300"/>
-              </a:spcBef>
-            </a:pPr>
-            <a:endParaRPr lang="en-US" sz="300" dirty="0" smtClean="0">
-              <a:solidFill>
-                <a:schemeClr val="tx1">
-                  <a:lumMod val="65000"/>
-                  <a:lumOff val="35000"/>
-                </a:schemeClr>
-              </a:solidFill>
-              <a:latin typeface="Lucida Sans" charset="0"/>
-              <a:ea typeface="Lucida Sans" charset="0"/>
-              <a:cs typeface="Lucida Sans" charset="0"/>
-            </a:endParaRPr>
-          </a:p>
-          <a:p>
-            <a:pPr>
-              <a:lnSpc>
-                <a:spcPct val="150000"/>
-              </a:lnSpc>
-            </a:pPr>
-            <a:r>
-              <a:rPr lang="en-US" sz="1000" b="1" dirty="0" smtClean="0">
-                <a:solidFill>
-                  <a:schemeClr val="tx1">
-                    <a:lumMod val="95000"/>
-                    <a:lumOff val="5000"/>
-                  </a:schemeClr>
-                </a:solidFill>
-                <a:latin typeface="Lucida Sans" charset="0"/>
-                <a:ea typeface="Lucida Sans" charset="0"/>
-                <a:cs typeface="Lucida Sans" charset="0"/>
-              </a:rPr>
-              <a:t>pyCalc</a:t>
-            </a:r>
-            <a:r>
-              <a:rPr lang="en-US" sz="1000" dirty="0" smtClean="0">
-                <a:solidFill>
-                  <a:schemeClr val="tx1">
-                    <a:lumMod val="65000"/>
-                    <a:lumOff val="35000"/>
-                  </a:schemeClr>
-                </a:solidFill>
-                <a:latin typeface="Lucida Sans" charset="0"/>
-                <a:ea typeface="Lucida Sans" charset="0"/>
-                <a:cs typeface="Lucida Sans" charset="0"/>
-              </a:rPr>
-              <a:t> </a:t>
-            </a:r>
-            <a:r>
-              <a:rPr lang="en-US" sz="1000" dirty="0">
-                <a:solidFill>
-                  <a:schemeClr val="tx1">
-                    <a:lumMod val="65000"/>
-                    <a:lumOff val="35000"/>
-                  </a:schemeClr>
-                </a:solidFill>
-                <a:latin typeface="Lucida Sans" charset="0"/>
-                <a:ea typeface="Lucida Sans" charset="0"/>
-                <a:cs typeface="Lucida Sans" charset="0"/>
-              </a:rPr>
-              <a:t>Personal, </a:t>
-            </a:r>
-            <a:r>
-              <a:rPr lang="en-US" sz="1000" dirty="0" smtClean="0">
-                <a:solidFill>
-                  <a:schemeClr val="tx1">
-                    <a:lumMod val="65000"/>
-                    <a:lumOff val="35000"/>
-                  </a:schemeClr>
-                </a:solidFill>
-                <a:latin typeface="Lucida Sans" charset="0"/>
-                <a:ea typeface="Lucida Sans" charset="0"/>
-                <a:cs typeface="Lucida Sans" charset="0"/>
-              </a:rPr>
-              <a:t>Fall 2016</a:t>
-            </a:r>
-            <a:endParaRPr lang="en-US" sz="1000" dirty="0">
-              <a:solidFill>
-                <a:schemeClr val="tx1">
-                  <a:lumMod val="65000"/>
-                  <a:lumOff val="35000"/>
-                </a:schemeClr>
-              </a:solidFill>
-              <a:latin typeface="Lucida Sans" charset="0"/>
-              <a:ea typeface="Lucida Sans" charset="0"/>
-              <a:cs typeface="Lucida Sans" charset="0"/>
-            </a:endParaRPr>
-          </a:p>
-          <a:p>
-            <a:pPr>
-              <a:lnSpc>
-                <a:spcPct val="120000"/>
-              </a:lnSpc>
-            </a:pPr>
-            <a:r>
-              <a:rPr lang="en-US" sz="1000" dirty="0" smtClean="0">
-                <a:solidFill>
-                  <a:schemeClr val="tx1">
-                    <a:lumMod val="65000"/>
-                    <a:lumOff val="35000"/>
-                  </a:schemeClr>
-                </a:solidFill>
-                <a:latin typeface="Lucida Sans" charset="0"/>
-                <a:ea typeface="Lucida Sans" charset="0"/>
-                <a:cs typeface="Lucida Sans" charset="0"/>
-              </a:rPr>
-              <a:t>Python based graphing calculator that reads, evaluates, and graphs user input. Emphasis on Read-</a:t>
-            </a:r>
-            <a:r>
-              <a:rPr lang="en-US" sz="1000" dirty="0" err="1" smtClean="0">
-                <a:solidFill>
-                  <a:schemeClr val="tx1">
-                    <a:lumMod val="65000"/>
-                    <a:lumOff val="35000"/>
-                  </a:schemeClr>
-                </a:solidFill>
-                <a:latin typeface="Lucida Sans" charset="0"/>
-                <a:ea typeface="Lucida Sans" charset="0"/>
-                <a:cs typeface="Lucida Sans" charset="0"/>
-              </a:rPr>
-              <a:t>Evalv</a:t>
-            </a:r>
-            <a:r>
-              <a:rPr lang="en-US" sz="1000" dirty="0" smtClean="0">
-                <a:solidFill>
-                  <a:schemeClr val="tx1">
-                    <a:lumMod val="65000"/>
-                    <a:lumOff val="35000"/>
-                  </a:schemeClr>
-                </a:solidFill>
-                <a:latin typeface="Lucida Sans" charset="0"/>
-                <a:ea typeface="Lucida Sans" charset="0"/>
-                <a:cs typeface="Lucida Sans" charset="0"/>
-              </a:rPr>
-              <a:t>-Print Loops (REPL) and tree objects.</a:t>
-            </a:r>
-            <a:endParaRPr lang="en-US" sz="1000" dirty="0">
-              <a:solidFill>
-                <a:schemeClr val="tx1">
-                  <a:lumMod val="65000"/>
-                  <a:lumOff val="35000"/>
-                </a:schemeClr>
-              </a:solidFill>
-              <a:latin typeface="Lucida Sans" charset="0"/>
-              <a:ea typeface="Lucida Sans" charset="0"/>
-              <a:cs typeface="Lucida Sans" charset="0"/>
-            </a:endParaRPr>
+              <a:rPr lang="en-US" sz="900" dirty="0" smtClean="0">
+                <a:latin typeface="Lucida Sans" charset="0"/>
+                <a:ea typeface="Lucida Sans" charset="0"/>
+                <a:cs typeface="Lucida Sans" charset="0"/>
+              </a:rPr>
+              <a:t>Torrance, CA 90505 </a:t>
+            </a:r>
           </a:p>
         </p:txBody>
       </p:sp>

--- a/assets/files/resume.pptx
+++ b/assets/files/resume.pptx
@@ -197,7 +197,7 @@
           <a:p>
             <a:fld id="{5EE9A4F7-1A22-1744-9935-DCEFD2F601E8}" type="datetimeFigureOut">
               <a:rPr lang="en-US" smtClean="0"/>
-              <a:t>1/14/17</a:t>
+              <a:t>1/17/17</a:t>
             </a:fld>
             <a:endParaRPr lang="en-US"/>
           </a:p>
@@ -680,7 +680,7 @@
           <a:p>
             <a:fld id="{0AE1F7CC-2E77-F54C-B79D-D1014779F13F}" type="datetimeFigureOut">
               <a:rPr lang="en-US" smtClean="0"/>
-              <a:t>1/14/17</a:t>
+              <a:t>1/17/17</a:t>
             </a:fld>
             <a:endParaRPr lang="en-US"/>
           </a:p>
@@ -845,7 +845,7 @@
           <a:p>
             <a:fld id="{0AE1F7CC-2E77-F54C-B79D-D1014779F13F}" type="datetimeFigureOut">
               <a:rPr lang="en-US" smtClean="0"/>
-              <a:t>1/14/17</a:t>
+              <a:t>1/17/17</a:t>
             </a:fld>
             <a:endParaRPr lang="en-US"/>
           </a:p>
@@ -1020,7 +1020,7 @@
           <a:p>
             <a:fld id="{0AE1F7CC-2E77-F54C-B79D-D1014779F13F}" type="datetimeFigureOut">
               <a:rPr lang="en-US" smtClean="0"/>
-              <a:t>1/14/17</a:t>
+              <a:t>1/17/17</a:t>
             </a:fld>
             <a:endParaRPr lang="en-US"/>
           </a:p>
@@ -1185,7 +1185,7 @@
           <a:p>
             <a:fld id="{0AE1F7CC-2E77-F54C-B79D-D1014779F13F}" type="datetimeFigureOut">
               <a:rPr lang="en-US" smtClean="0"/>
-              <a:t>1/14/17</a:t>
+              <a:t>1/17/17</a:t>
             </a:fld>
             <a:endParaRPr lang="en-US"/>
           </a:p>
@@ -1424,7 +1424,7 @@
           <a:p>
             <a:fld id="{0AE1F7CC-2E77-F54C-B79D-D1014779F13F}" type="datetimeFigureOut">
               <a:rPr lang="en-US" smtClean="0"/>
-              <a:t>1/14/17</a:t>
+              <a:t>1/17/17</a:t>
             </a:fld>
             <a:endParaRPr lang="en-US"/>
           </a:p>
@@ -1651,7 +1651,7 @@
           <a:p>
             <a:fld id="{0AE1F7CC-2E77-F54C-B79D-D1014779F13F}" type="datetimeFigureOut">
               <a:rPr lang="en-US" smtClean="0"/>
-              <a:t>1/14/17</a:t>
+              <a:t>1/17/17</a:t>
             </a:fld>
             <a:endParaRPr lang="en-US"/>
           </a:p>
@@ -2013,7 +2013,7 @@
           <a:p>
             <a:fld id="{0AE1F7CC-2E77-F54C-B79D-D1014779F13F}" type="datetimeFigureOut">
               <a:rPr lang="en-US" smtClean="0"/>
-              <a:t>1/14/17</a:t>
+              <a:t>1/17/17</a:t>
             </a:fld>
             <a:endParaRPr lang="en-US"/>
           </a:p>
@@ -2126,7 +2126,7 @@
           <a:p>
             <a:fld id="{0AE1F7CC-2E77-F54C-B79D-D1014779F13F}" type="datetimeFigureOut">
               <a:rPr lang="en-US" smtClean="0"/>
-              <a:t>1/14/17</a:t>
+              <a:t>1/17/17</a:t>
             </a:fld>
             <a:endParaRPr lang="en-US"/>
           </a:p>
@@ -2216,7 +2216,7 @@
           <a:p>
             <a:fld id="{0AE1F7CC-2E77-F54C-B79D-D1014779F13F}" type="datetimeFigureOut">
               <a:rPr lang="en-US" smtClean="0"/>
-              <a:t>1/14/17</a:t>
+              <a:t>1/17/17</a:t>
             </a:fld>
             <a:endParaRPr lang="en-US"/>
           </a:p>
@@ -2488,7 +2488,7 @@
           <a:p>
             <a:fld id="{0AE1F7CC-2E77-F54C-B79D-D1014779F13F}" type="datetimeFigureOut">
               <a:rPr lang="en-US" smtClean="0"/>
-              <a:t>1/14/17</a:t>
+              <a:t>1/17/17</a:t>
             </a:fld>
             <a:endParaRPr lang="en-US"/>
           </a:p>
@@ -2740,7 +2740,7 @@
           <a:p>
             <a:fld id="{0AE1F7CC-2E77-F54C-B79D-D1014779F13F}" type="datetimeFigureOut">
               <a:rPr lang="en-US" smtClean="0"/>
-              <a:t>1/14/17</a:t>
+              <a:t>1/17/17</a:t>
             </a:fld>
             <a:endParaRPr lang="en-US"/>
           </a:p>
@@ -2948,7 +2948,7 @@
           <a:p>
             <a:fld id="{0AE1F7CC-2E77-F54C-B79D-D1014779F13F}" type="datetimeFigureOut">
               <a:rPr lang="en-US" smtClean="0"/>
-              <a:t>1/14/17</a:t>
+              <a:t>1/17/17</a:t>
             </a:fld>
             <a:endParaRPr lang="en-US"/>
           </a:p>
@@ -3561,15 +3561,7 @@
                 <a:ea typeface="Lucida Sans" charset="0"/>
                 <a:cs typeface="Lucida Sans" charset="0"/>
               </a:rPr>
-              <a:t>	</a:t>
-            </a:r>
-            <a:r>
-              <a:rPr lang="en-US" sz="900" dirty="0" smtClean="0">
-                <a:latin typeface="Lucida Sans" charset="0"/>
-                <a:ea typeface="Lucida Sans" charset="0"/>
-                <a:cs typeface="Lucida Sans" charset="0"/>
-              </a:rPr>
-              <a:t>	</a:t>
+              <a:t>		</a:t>
             </a:r>
             <a:r>
               <a:rPr lang="en-US" sz="900" spc="300" dirty="0" smtClean="0">
@@ -3579,11 +3571,6 @@
               </a:rPr>
               <a:t>A</a:t>
             </a:r>
-            <a:endParaRPr lang="en-US" sz="900" spc="300" dirty="0" smtClean="0">
-              <a:latin typeface="Lucida Sans" charset="0"/>
-              <a:ea typeface="Lucida Sans" charset="0"/>
-              <a:cs typeface="Lucida Sans" charset="0"/>
-            </a:endParaRPr>
           </a:p>
           <a:p>
             <a:pPr>
@@ -3773,7 +3760,7 @@
         <p:spPr>
           <a:xfrm>
             <a:off x="3245814" y="3856383"/>
-            <a:ext cx="3417755" cy="2773067"/>
+            <a:ext cx="3417755" cy="2172903"/>
           </a:xfrm>
           <a:prstGeom prst="rect">
             <a:avLst/>
@@ -3799,75 +3786,6 @@
               </a:rPr>
               <a:t>Experience</a:t>
             </a:r>
-            <a:endParaRPr lang="en-US" sz="2000" b="1" dirty="0" smtClean="0">
-              <a:latin typeface="Lucida Sans" charset="0"/>
-              <a:ea typeface="Lucida Sans" charset="0"/>
-              <a:cs typeface="Lucida Sans" charset="0"/>
-            </a:endParaRPr>
-          </a:p>
-          <a:p>
-            <a:pPr>
-              <a:lnSpc>
-                <a:spcPct val="150000"/>
-              </a:lnSpc>
-            </a:pPr>
-            <a:r>
-              <a:rPr lang="en-US" sz="1100" b="1" dirty="0" smtClean="0">
-                <a:solidFill>
-                  <a:srgbClr val="00B0F0"/>
-                </a:solidFill>
-                <a:latin typeface="Lucida Sans" charset="0"/>
-                <a:ea typeface="Lucida Sans" charset="0"/>
-                <a:cs typeface="Lucida Sans" charset="0"/>
-              </a:rPr>
-              <a:t>Academic Intern </a:t>
-            </a:r>
-            <a:r>
-              <a:rPr lang="en-US" sz="1100" dirty="0" smtClean="0">
-                <a:latin typeface="Lucida Sans" charset="0"/>
-                <a:ea typeface="Lucida Sans" charset="0"/>
-                <a:cs typeface="Lucida Sans" charset="0"/>
-              </a:rPr>
-              <a:t>CS 61A</a:t>
-            </a:r>
-          </a:p>
-          <a:p>
-            <a:pPr>
-              <a:lnSpc>
-                <a:spcPct val="150000"/>
-              </a:lnSpc>
-            </a:pPr>
-            <a:r>
-              <a:rPr lang="en-US" sz="1000" dirty="0" smtClean="0">
-                <a:latin typeface="Lucida Sans" charset="0"/>
-                <a:ea typeface="Lucida Sans" charset="0"/>
-                <a:cs typeface="Lucida Sans" charset="0"/>
-              </a:rPr>
-              <a:t>Jan 2017 </a:t>
-            </a:r>
-            <a:r>
-              <a:rPr lang="mr-IN" sz="1000" dirty="0" smtClean="0">
-                <a:latin typeface="Lucida Sans" charset="0"/>
-                <a:ea typeface="Lucida Sans" charset="0"/>
-                <a:cs typeface="Lucida Sans" charset="0"/>
-              </a:rPr>
-              <a:t>–</a:t>
-            </a:r>
-            <a:r>
-              <a:rPr lang="en-US" sz="1000" dirty="0" smtClean="0">
-                <a:latin typeface="Lucida Sans" charset="0"/>
-                <a:ea typeface="Lucida Sans" charset="0"/>
-                <a:cs typeface="Lucida Sans" charset="0"/>
-              </a:rPr>
-              <a:t> May 2016</a:t>
-            </a:r>
-          </a:p>
-          <a:p>
-            <a:pPr>
-              <a:lnSpc>
-                <a:spcPct val="150000"/>
-              </a:lnSpc>
-            </a:pPr>
             <a:endParaRPr lang="en-US" sz="500" b="1" dirty="0" smtClean="0">
               <a:latin typeface="Lucida Sans" charset="0"/>
               <a:ea typeface="Lucida Sans" charset="0"/>
@@ -4192,18 +4110,7 @@
                 <a:ea typeface="Lucida Sans" charset="0"/>
                 <a:cs typeface="Lucida Sans" charset="0"/>
               </a:rPr>
-              <a:t>          </a:t>
-            </a:r>
-            <a:r>
-              <a:rPr lang="en-US" sz="1100" b="1" dirty="0" smtClean="0">
-                <a:solidFill>
-                  <a:srgbClr val="00B0F0"/>
-                </a:solidFill>
-                <a:latin typeface="Lucida Sans" charset="0"/>
-                <a:ea typeface="Lucida Sans" charset="0"/>
-                <a:cs typeface="Lucida Sans" charset="0"/>
-              </a:rPr>
-              <a:t>Languages</a:t>
+              <a:t>          Languages</a:t>
             </a:r>
             <a:endParaRPr lang="en-US" sz="1100" b="1" dirty="0">
               <a:solidFill>

--- a/assets/files/resume.pptx
+++ b/assets/files/resume.pptx
@@ -197,7 +197,7 @@
           <a:p>
             <a:fld id="{5EE9A4F7-1A22-1744-9935-DCEFD2F601E8}" type="datetimeFigureOut">
               <a:rPr lang="en-US" smtClean="0"/>
-              <a:t>1/17/17</a:t>
+              <a:t>1/18/17</a:t>
             </a:fld>
             <a:endParaRPr lang="en-US"/>
           </a:p>
@@ -680,7 +680,7 @@
           <a:p>
             <a:fld id="{0AE1F7CC-2E77-F54C-B79D-D1014779F13F}" type="datetimeFigureOut">
               <a:rPr lang="en-US" smtClean="0"/>
-              <a:t>1/17/17</a:t>
+              <a:t>1/18/17</a:t>
             </a:fld>
             <a:endParaRPr lang="en-US"/>
           </a:p>
@@ -845,7 +845,7 @@
           <a:p>
             <a:fld id="{0AE1F7CC-2E77-F54C-B79D-D1014779F13F}" type="datetimeFigureOut">
               <a:rPr lang="en-US" smtClean="0"/>
-              <a:t>1/17/17</a:t>
+              <a:t>1/18/17</a:t>
             </a:fld>
             <a:endParaRPr lang="en-US"/>
           </a:p>
@@ -1020,7 +1020,7 @@
           <a:p>
             <a:fld id="{0AE1F7CC-2E77-F54C-B79D-D1014779F13F}" type="datetimeFigureOut">
               <a:rPr lang="en-US" smtClean="0"/>
-              <a:t>1/17/17</a:t>
+              <a:t>1/18/17</a:t>
             </a:fld>
             <a:endParaRPr lang="en-US"/>
           </a:p>
@@ -1185,7 +1185,7 @@
           <a:p>
             <a:fld id="{0AE1F7CC-2E77-F54C-B79D-D1014779F13F}" type="datetimeFigureOut">
               <a:rPr lang="en-US" smtClean="0"/>
-              <a:t>1/17/17</a:t>
+              <a:t>1/18/17</a:t>
             </a:fld>
             <a:endParaRPr lang="en-US"/>
           </a:p>
@@ -1424,7 +1424,7 @@
           <a:p>
             <a:fld id="{0AE1F7CC-2E77-F54C-B79D-D1014779F13F}" type="datetimeFigureOut">
               <a:rPr lang="en-US" smtClean="0"/>
-              <a:t>1/17/17</a:t>
+              <a:t>1/18/17</a:t>
             </a:fld>
             <a:endParaRPr lang="en-US"/>
           </a:p>
@@ -1651,7 +1651,7 @@
           <a:p>
             <a:fld id="{0AE1F7CC-2E77-F54C-B79D-D1014779F13F}" type="datetimeFigureOut">
               <a:rPr lang="en-US" smtClean="0"/>
-              <a:t>1/17/17</a:t>
+              <a:t>1/18/17</a:t>
             </a:fld>
             <a:endParaRPr lang="en-US"/>
           </a:p>
@@ -2013,7 +2013,7 @@
           <a:p>
             <a:fld id="{0AE1F7CC-2E77-F54C-B79D-D1014779F13F}" type="datetimeFigureOut">
               <a:rPr lang="en-US" smtClean="0"/>
-              <a:t>1/17/17</a:t>
+              <a:t>1/18/17</a:t>
             </a:fld>
             <a:endParaRPr lang="en-US"/>
           </a:p>
@@ -2126,7 +2126,7 @@
           <a:p>
             <a:fld id="{0AE1F7CC-2E77-F54C-B79D-D1014779F13F}" type="datetimeFigureOut">
               <a:rPr lang="en-US" smtClean="0"/>
-              <a:t>1/17/17</a:t>
+              <a:t>1/18/17</a:t>
             </a:fld>
             <a:endParaRPr lang="en-US"/>
           </a:p>
@@ -2216,7 +2216,7 @@
           <a:p>
             <a:fld id="{0AE1F7CC-2E77-F54C-B79D-D1014779F13F}" type="datetimeFigureOut">
               <a:rPr lang="en-US" smtClean="0"/>
-              <a:t>1/17/17</a:t>
+              <a:t>1/18/17</a:t>
             </a:fld>
             <a:endParaRPr lang="en-US"/>
           </a:p>
@@ -2488,7 +2488,7 @@
           <a:p>
             <a:fld id="{0AE1F7CC-2E77-F54C-B79D-D1014779F13F}" type="datetimeFigureOut">
               <a:rPr lang="en-US" smtClean="0"/>
-              <a:t>1/17/17</a:t>
+              <a:t>1/18/17</a:t>
             </a:fld>
             <a:endParaRPr lang="en-US"/>
           </a:p>
@@ -2740,7 +2740,7 @@
           <a:p>
             <a:fld id="{0AE1F7CC-2E77-F54C-B79D-D1014779F13F}" type="datetimeFigureOut">
               <a:rPr lang="en-US" smtClean="0"/>
-              <a:t>1/17/17</a:t>
+              <a:t>1/18/17</a:t>
             </a:fld>
             <a:endParaRPr lang="en-US"/>
           </a:p>
@@ -2948,7 +2948,7 @@
           <a:p>
             <a:fld id="{0AE1F7CC-2E77-F54C-B79D-D1014779F13F}" type="datetimeFigureOut">
               <a:rPr lang="en-US" smtClean="0"/>
-              <a:t>1/17/17</a:t>
+              <a:t>1/18/17</a:t>
             </a:fld>
             <a:endParaRPr lang="en-US"/>
           </a:p>
@@ -3594,42 +3594,50 @@
               </a:lnSpc>
             </a:pPr>
             <a:r>
+              <a:rPr lang="en-US" sz="900" dirty="0" smtClean="0">
+                <a:latin typeface="Lucida Sans" charset="0"/>
+                <a:ea typeface="Lucida Sans" charset="0"/>
+                <a:cs typeface="Lucida Sans" charset="0"/>
+              </a:rPr>
+              <a:t>CS 98	Directed Group Studies for Advanced Undergraduates (HTML/CSS/JS) 	Pass</a:t>
+            </a:r>
+          </a:p>
+          <a:p>
+            <a:pPr>
+              <a:lnSpc>
+                <a:spcPct val="120000"/>
+              </a:lnSpc>
+            </a:pPr>
+            <a:r>
+              <a:rPr lang="en-US" sz="900" dirty="0" smtClean="0">
+                <a:latin typeface="Lucida Sans" charset="0"/>
+                <a:ea typeface="Lucida Sans" charset="0"/>
+                <a:cs typeface="Lucida Sans" charset="0"/>
+              </a:rPr>
+              <a:t>CS 61B	Data Structures (Java) 				In Progress</a:t>
+            </a:r>
+          </a:p>
+          <a:p>
+            <a:pPr>
+              <a:lnSpc>
+                <a:spcPct val="120000"/>
+              </a:lnSpc>
+            </a:pPr>
+            <a:r>
+              <a:rPr lang="en-US" sz="900" dirty="0" smtClean="0">
+                <a:latin typeface="Lucida Sans" charset="0"/>
+                <a:ea typeface="Lucida Sans" charset="0"/>
+                <a:cs typeface="Lucida Sans" charset="0"/>
+              </a:rPr>
+              <a:t>MATH </a:t>
+            </a:r>
+            <a:r>
               <a:rPr lang="en-US" sz="900" dirty="0">
                 <a:latin typeface="Lucida Sans" charset="0"/>
                 <a:ea typeface="Lucida Sans" charset="0"/>
                 <a:cs typeface="Lucida Sans" charset="0"/>
               </a:rPr>
-              <a:t>CS 98	Directed Group Studies for Advanced Undergraduates (HTML/CSS/JS) 	Pass</a:t>
-            </a:r>
-          </a:p>
-          <a:p>
-            <a:pPr>
-              <a:lnSpc>
-                <a:spcPct val="120000"/>
-              </a:lnSpc>
-            </a:pPr>
-            <a:r>
-              <a:rPr lang="en-US" sz="900" dirty="0">
-                <a:latin typeface="Lucida Sans" charset="0"/>
-                <a:ea typeface="Lucida Sans" charset="0"/>
-                <a:cs typeface="Lucida Sans" charset="0"/>
-              </a:rPr>
-              <a:t>CS 61B	Data Structures (Java) 				In Progress</a:t>
-            </a:r>
-          </a:p>
-          <a:p>
-            <a:pPr>
-              <a:lnSpc>
-                <a:spcPct val="120000"/>
-              </a:lnSpc>
-            </a:pPr>
-            <a:r>
-              <a:rPr lang="en-US" sz="900" dirty="0">
-                <a:latin typeface="Lucida Sans" charset="0"/>
-                <a:ea typeface="Lucida Sans" charset="0"/>
-                <a:cs typeface="Lucida Sans" charset="0"/>
-              </a:rPr>
-              <a:t>MATH 54	Linear Algebra and Differential Equations 			</a:t>
+              <a:t>54	Linear Algebra and Differential Equations 			</a:t>
             </a:r>
             <a:r>
               <a:rPr lang="en-US" sz="900" dirty="0" smtClean="0">
@@ -4327,7 +4335,7 @@
         </p:nvSpPr>
         <p:spPr>
           <a:xfrm>
-            <a:off x="207878" y="5736450"/>
+            <a:off x="221324" y="5743099"/>
             <a:ext cx="1032710" cy="896207"/>
           </a:xfrm>
           <a:prstGeom prst="rect">
@@ -5020,8 +5028,8 @@
         </p:nvSpPr>
         <p:spPr>
           <a:xfrm>
-            <a:off x="3190884" y="222190"/>
-            <a:ext cx="3527614" cy="906595"/>
+            <a:off x="3190884" y="371655"/>
+            <a:ext cx="3527614" cy="757130"/>
           </a:xfrm>
           <a:prstGeom prst="rect">
             <a:avLst/>
@@ -5065,13 +5073,18 @@
               <a:t>: </a:t>
             </a:r>
             <a:r>
-              <a:rPr lang="en-US" sz="900" dirty="0" smtClean="0">
+              <a:rPr lang="en-US" sz="900" dirty="0" err="1" smtClean="0">
                 <a:latin typeface="Lucida Sans" charset="0"/>
                 <a:ea typeface="Lucida Sans" charset="0"/>
                 <a:cs typeface="Lucida Sans" charset="0"/>
               </a:rPr>
               <a:t>hantaowang.me</a:t>
             </a:r>
+            <a:endParaRPr lang="en-US" sz="900" dirty="0" smtClean="0">
+              <a:latin typeface="Lucida Sans" charset="0"/>
+              <a:ea typeface="Lucida Sans" charset="0"/>
+              <a:cs typeface="Lucida Sans" charset="0"/>
+            </a:endParaRPr>
           </a:p>
           <a:p>
             <a:pPr algn="r">
@@ -5080,7 +5093,7 @@
               </a:lnSpc>
             </a:pPr>
             <a:r>
-              <a:rPr lang="en-US" sz="900" dirty="0">
+              <a:rPr lang="en-US" sz="900" dirty="0" err="1" smtClean="0">
                 <a:solidFill>
                   <a:srgbClr val="00B0F0"/>
                 </a:solidFill>
@@ -5088,18 +5101,7 @@
                 <a:ea typeface="Lucida Sans" charset="0"/>
                 <a:cs typeface="Lucida Sans" charset="0"/>
               </a:rPr>
-              <a:t>e</a:t>
-            </a:r>
-            <a:r>
-              <a:rPr lang="en-US" sz="900" dirty="0" smtClean="0">
-                <a:solidFill>
-                  <a:srgbClr val="00B0F0"/>
-                </a:solidFill>
-                <a:latin typeface="Lucida Sans" charset="0"/>
-                <a:ea typeface="Lucida Sans" charset="0"/>
-                <a:cs typeface="Lucida Sans" charset="0"/>
-              </a:rPr>
-              <a:t>mail</a:t>
+              <a:t>github</a:t>
             </a:r>
             <a:r>
               <a:rPr lang="en-US" sz="900" dirty="0" smtClean="0">
@@ -5116,13 +5118,34 @@
               <a:t>: </a:t>
             </a:r>
             <a:r>
+              <a:rPr lang="en-US" sz="900" dirty="0" err="1" smtClean="0">
+                <a:latin typeface="Lucida Sans" charset="0"/>
+                <a:ea typeface="Lucida Sans" charset="0"/>
+                <a:cs typeface="Lucida Sans" charset="0"/>
+              </a:rPr>
+              <a:t>github.com</a:t>
+            </a:r>
+            <a:r>
               <a:rPr lang="en-US" sz="900" dirty="0" smtClean="0">
                 <a:latin typeface="Lucida Sans" charset="0"/>
                 <a:ea typeface="Lucida Sans" charset="0"/>
                 <a:cs typeface="Lucida Sans" charset="0"/>
               </a:rPr>
-              <a:t>hwang97@berkeley.edu</a:t>
-            </a:r>
+              <a:t>/</a:t>
+            </a:r>
+            <a:r>
+              <a:rPr lang="en-US" sz="900" dirty="0" err="1" smtClean="0">
+                <a:latin typeface="Lucida Sans" charset="0"/>
+                <a:ea typeface="Lucida Sans" charset="0"/>
+                <a:cs typeface="Lucida Sans" charset="0"/>
+              </a:rPr>
+              <a:t>hantaowang</a:t>
+            </a:r>
+            <a:endParaRPr lang="en-US" sz="900" dirty="0">
+              <a:latin typeface="Lucida Sans" charset="0"/>
+              <a:ea typeface="Lucida Sans" charset="0"/>
+              <a:cs typeface="Lucida Sans" charset="0"/>
+            </a:endParaRPr>
           </a:p>
           <a:p>
             <a:pPr algn="r">
@@ -5130,17 +5153,6 @@
                 <a:spcPct val="120000"/>
               </a:lnSpc>
             </a:pPr>
-            <a:r>
-              <a:rPr lang="en-US" sz="900" dirty="0">
-                <a:solidFill>
-                  <a:srgbClr val="00B0F0"/>
-                </a:solidFill>
-                <a:latin typeface="Lucida Sans" charset="0"/>
-                <a:ea typeface="Lucida Sans" charset="0"/>
-                <a:cs typeface="Lucida Sans" charset="0"/>
-              </a:rPr>
-              <a:t>c</a:t>
-            </a:r>
             <a:r>
               <a:rPr lang="en-US" sz="900" dirty="0" smtClean="0">
                 <a:solidFill>
@@ -5150,7 +5162,7 @@
                 <a:ea typeface="Lucida Sans" charset="0"/>
                 <a:cs typeface="Lucida Sans" charset="0"/>
               </a:rPr>
-              <a:t>ell</a:t>
+              <a:t>email</a:t>
             </a:r>
             <a:r>
               <a:rPr lang="en-US" sz="900" dirty="0" smtClean="0">
@@ -5172,7 +5184,7 @@
                 <a:ea typeface="Lucida Sans" charset="0"/>
                 <a:cs typeface="Lucida Sans" charset="0"/>
               </a:rPr>
-              <a:t>(310)-293-4575</a:t>
+              <a:t>hwang97@berkeley.edu</a:t>
             </a:r>
           </a:p>
           <a:p>
@@ -5181,6 +5193,17 @@
                 <a:spcPct val="120000"/>
               </a:lnSpc>
             </a:pPr>
+            <a:r>
+              <a:rPr lang="en-US" sz="900" dirty="0">
+                <a:solidFill>
+                  <a:srgbClr val="00B0F0"/>
+                </a:solidFill>
+                <a:latin typeface="Lucida Sans" charset="0"/>
+                <a:ea typeface="Lucida Sans" charset="0"/>
+                <a:cs typeface="Lucida Sans" charset="0"/>
+              </a:rPr>
+              <a:t>c</a:t>
+            </a:r>
             <a:r>
               <a:rPr lang="en-US" sz="900" dirty="0" smtClean="0">
                 <a:solidFill>
@@ -5190,7 +5213,7 @@
                 <a:ea typeface="Lucida Sans" charset="0"/>
                 <a:cs typeface="Lucida Sans" charset="0"/>
               </a:rPr>
-              <a:t>address</a:t>
+              <a:t>ell</a:t>
             </a:r>
             <a:r>
               <a:rPr lang="en-US" sz="900" dirty="0" smtClean="0">
@@ -5212,23 +5235,7 @@
                 <a:ea typeface="Lucida Sans" charset="0"/>
                 <a:cs typeface="Lucida Sans" charset="0"/>
               </a:rPr>
-              <a:t>4022 W 232</a:t>
-            </a:r>
-            <a:r>
-              <a:rPr lang="en-US" sz="900" baseline="30000" dirty="0" smtClean="0">
-                <a:latin typeface="Lucida Sans" charset="0"/>
-                <a:ea typeface="Lucida Sans" charset="0"/>
-                <a:cs typeface="Lucida Sans" charset="0"/>
-              </a:rPr>
-              <a:t>nd</a:t>
-            </a:r>
-            <a:r>
-              <a:rPr lang="en-US" sz="900" dirty="0">
-                <a:latin typeface="Lucida Sans" charset="0"/>
-                <a:ea typeface="Lucida Sans" charset="0"/>
-                <a:cs typeface="Lucida Sans" charset="0"/>
-              </a:rPr>
-              <a:t> </a:t>
+              <a:t>(310)-</a:t>
             </a:r>
             <a:r>
               <a:rPr lang="en-US" sz="900" dirty="0" smtClean="0">
@@ -5236,23 +5243,13 @@
                 <a:ea typeface="Lucida Sans" charset="0"/>
                 <a:cs typeface="Lucida Sans" charset="0"/>
               </a:rPr>
-              <a:t>St, </a:t>
-            </a:r>
-          </a:p>
-          <a:p>
-            <a:pPr algn="r">
-              <a:lnSpc>
-                <a:spcPct val="120000"/>
-              </a:lnSpc>
-            </a:pPr>
-            <a:r>
-              <a:rPr lang="en-US" sz="900" dirty="0" smtClean="0">
-                <a:latin typeface="Lucida Sans" charset="0"/>
-                <a:ea typeface="Lucida Sans" charset="0"/>
-                <a:cs typeface="Lucida Sans" charset="0"/>
-              </a:rPr>
-              <a:t>Torrance, CA 90505 </a:t>
-            </a:r>
+              <a:t>293-4575</a:t>
+            </a:r>
+            <a:endParaRPr lang="en-US" sz="900" dirty="0" smtClean="0">
+              <a:latin typeface="Lucida Sans" charset="0"/>
+              <a:ea typeface="Lucida Sans" charset="0"/>
+              <a:cs typeface="Lucida Sans" charset="0"/>
+            </a:endParaRPr>
           </a:p>
         </p:txBody>
       </p:sp>

--- a/assets/files/resume.pptx
+++ b/assets/files/resume.pptx
@@ -197,7 +197,7 @@
           <a:p>
             <a:fld id="{5EE9A4F7-1A22-1744-9935-DCEFD2F601E8}" type="datetimeFigureOut">
               <a:rPr lang="en-US" smtClean="0"/>
-              <a:t>1/18/17</a:t>
+              <a:t>1/22/17</a:t>
             </a:fld>
             <a:endParaRPr lang="en-US"/>
           </a:p>
@@ -680,7 +680,7 @@
           <a:p>
             <a:fld id="{0AE1F7CC-2E77-F54C-B79D-D1014779F13F}" type="datetimeFigureOut">
               <a:rPr lang="en-US" smtClean="0"/>
-              <a:t>1/18/17</a:t>
+              <a:t>1/22/17</a:t>
             </a:fld>
             <a:endParaRPr lang="en-US"/>
           </a:p>
@@ -845,7 +845,7 @@
           <a:p>
             <a:fld id="{0AE1F7CC-2E77-F54C-B79D-D1014779F13F}" type="datetimeFigureOut">
               <a:rPr lang="en-US" smtClean="0"/>
-              <a:t>1/18/17</a:t>
+              <a:t>1/22/17</a:t>
             </a:fld>
             <a:endParaRPr lang="en-US"/>
           </a:p>
@@ -1020,7 +1020,7 @@
           <a:p>
             <a:fld id="{0AE1F7CC-2E77-F54C-B79D-D1014779F13F}" type="datetimeFigureOut">
               <a:rPr lang="en-US" smtClean="0"/>
-              <a:t>1/18/17</a:t>
+              <a:t>1/22/17</a:t>
             </a:fld>
             <a:endParaRPr lang="en-US"/>
           </a:p>
@@ -1185,7 +1185,7 @@
           <a:p>
             <a:fld id="{0AE1F7CC-2E77-F54C-B79D-D1014779F13F}" type="datetimeFigureOut">
               <a:rPr lang="en-US" smtClean="0"/>
-              <a:t>1/18/17</a:t>
+              <a:t>1/22/17</a:t>
             </a:fld>
             <a:endParaRPr lang="en-US"/>
           </a:p>
@@ -1424,7 +1424,7 @@
           <a:p>
             <a:fld id="{0AE1F7CC-2E77-F54C-B79D-D1014779F13F}" type="datetimeFigureOut">
               <a:rPr lang="en-US" smtClean="0"/>
-              <a:t>1/18/17</a:t>
+              <a:t>1/22/17</a:t>
             </a:fld>
             <a:endParaRPr lang="en-US"/>
           </a:p>
@@ -1651,7 +1651,7 @@
           <a:p>
             <a:fld id="{0AE1F7CC-2E77-F54C-B79D-D1014779F13F}" type="datetimeFigureOut">
               <a:rPr lang="en-US" smtClean="0"/>
-              <a:t>1/18/17</a:t>
+              <a:t>1/22/17</a:t>
             </a:fld>
             <a:endParaRPr lang="en-US"/>
           </a:p>
@@ -2013,7 +2013,7 @@
           <a:p>
             <a:fld id="{0AE1F7CC-2E77-F54C-B79D-D1014779F13F}" type="datetimeFigureOut">
               <a:rPr lang="en-US" smtClean="0"/>
-              <a:t>1/18/17</a:t>
+              <a:t>1/22/17</a:t>
             </a:fld>
             <a:endParaRPr lang="en-US"/>
           </a:p>
@@ -2126,7 +2126,7 @@
           <a:p>
             <a:fld id="{0AE1F7CC-2E77-F54C-B79D-D1014779F13F}" type="datetimeFigureOut">
               <a:rPr lang="en-US" smtClean="0"/>
-              <a:t>1/18/17</a:t>
+              <a:t>1/22/17</a:t>
             </a:fld>
             <a:endParaRPr lang="en-US"/>
           </a:p>
@@ -2216,7 +2216,7 @@
           <a:p>
             <a:fld id="{0AE1F7CC-2E77-F54C-B79D-D1014779F13F}" type="datetimeFigureOut">
               <a:rPr lang="en-US" smtClean="0"/>
-              <a:t>1/18/17</a:t>
+              <a:t>1/22/17</a:t>
             </a:fld>
             <a:endParaRPr lang="en-US"/>
           </a:p>
@@ -2488,7 +2488,7 @@
           <a:p>
             <a:fld id="{0AE1F7CC-2E77-F54C-B79D-D1014779F13F}" type="datetimeFigureOut">
               <a:rPr lang="en-US" smtClean="0"/>
-              <a:t>1/18/17</a:t>
+              <a:t>1/22/17</a:t>
             </a:fld>
             <a:endParaRPr lang="en-US"/>
           </a:p>
@@ -2740,7 +2740,7 @@
           <a:p>
             <a:fld id="{0AE1F7CC-2E77-F54C-B79D-D1014779F13F}" type="datetimeFigureOut">
               <a:rPr lang="en-US" smtClean="0"/>
-              <a:t>1/18/17</a:t>
+              <a:t>1/22/17</a:t>
             </a:fld>
             <a:endParaRPr lang="en-US"/>
           </a:p>
@@ -2948,7 +2948,7 @@
           <a:p>
             <a:fld id="{0AE1F7CC-2E77-F54C-B79D-D1014779F13F}" type="datetimeFigureOut">
               <a:rPr lang="en-US" smtClean="0"/>
-              <a:t>1/18/17</a:t>
+              <a:t>1/22/17</a:t>
             </a:fld>
             <a:endParaRPr lang="en-US"/>
           </a:p>
@@ -3367,7 +3367,7 @@
           <a:prstGeom prst="line">
             <a:avLst/>
           </a:prstGeom>
-          <a:ln w="15240">
+          <a:ln w="9525">
             <a:solidFill>
               <a:srgbClr val="00B0F0"/>
             </a:solidFill>
@@ -3738,7 +3738,7 @@
           <a:prstGeom prst="line">
             <a:avLst/>
           </a:prstGeom>
-          <a:ln w="15240">
+          <a:ln w="9525">
             <a:solidFill>
               <a:srgbClr val="00B0F0"/>
             </a:solidFill>
@@ -3823,8 +3823,21 @@
                 <a:ea typeface="Lucida Sans" charset="0"/>
                 <a:cs typeface="Lucida Sans" charset="0"/>
               </a:rPr>
-              <a:t>High School Apprentice</a:t>
-            </a:r>
+              <a:t>High School </a:t>
+            </a:r>
+            <a:r>
+              <a:rPr lang="en-US" sz="1100" dirty="0" smtClean="0">
+                <a:latin typeface="Lucida Sans" charset="0"/>
+                <a:ea typeface="Lucida Sans" charset="0"/>
+                <a:cs typeface="Lucida Sans" charset="0"/>
+              </a:rPr>
+              <a:t>Intern</a:t>
+            </a:r>
+            <a:endParaRPr lang="en-US" sz="1100" dirty="0" smtClean="0">
+              <a:latin typeface="Lucida Sans" charset="0"/>
+              <a:ea typeface="Lucida Sans" charset="0"/>
+              <a:cs typeface="Lucida Sans" charset="0"/>
+            </a:endParaRPr>
           </a:p>
           <a:p>
             <a:pPr>
@@ -4443,7 +4456,7 @@
           <a:prstGeom prst="line">
             <a:avLst/>
           </a:prstGeom>
-          <a:ln w="15240">
+          <a:ln w="9525">
             <a:solidFill>
               <a:srgbClr val="00B0F0"/>
             </a:solidFill>
@@ -4999,7 +5012,7 @@
           <a:prstGeom prst="line">
             <a:avLst/>
           </a:prstGeom>
-          <a:ln w="15240">
+          <a:ln w="9525">
             <a:solidFill>
               <a:srgbClr val="00B0F0"/>
             </a:solidFill>
@@ -5235,21 +5248,8 @@
                 <a:ea typeface="Lucida Sans" charset="0"/>
                 <a:cs typeface="Lucida Sans" charset="0"/>
               </a:rPr>
-              <a:t>(310)-</a:t>
-            </a:r>
-            <a:r>
-              <a:rPr lang="en-US" sz="900" dirty="0" smtClean="0">
-                <a:latin typeface="Lucida Sans" charset="0"/>
-                <a:ea typeface="Lucida Sans" charset="0"/>
-                <a:cs typeface="Lucida Sans" charset="0"/>
-              </a:rPr>
-              <a:t>293-4575</a:t>
-            </a:r>
-            <a:endParaRPr lang="en-US" sz="900" dirty="0" smtClean="0">
-              <a:latin typeface="Lucida Sans" charset="0"/>
-              <a:ea typeface="Lucida Sans" charset="0"/>
-              <a:cs typeface="Lucida Sans" charset="0"/>
-            </a:endParaRPr>
+              <a:t>(310)-293-4575</a:t>
+            </a:r>
           </a:p>
         </p:txBody>
       </p:sp>
